--- a/리눅스(v2023)/과제PPT/리눅스6강PPT.pptx
+++ b/리눅스(v2023)/과제PPT/리눅스6강PPT.pptx
@@ -18,16 +18,17 @@
     <p:sldId id="283" r:id="rId12"/>
     <p:sldId id="284" r:id="rId13"/>
     <p:sldId id="285" r:id="rId14"/>
-    <p:sldId id="286" r:id="rId15"/>
-    <p:sldId id="287" r:id="rId16"/>
-    <p:sldId id="288" r:id="rId17"/>
-    <p:sldId id="289" r:id="rId18"/>
-    <p:sldId id="290" r:id="rId19"/>
-    <p:sldId id="291" r:id="rId20"/>
-    <p:sldId id="292" r:id="rId21"/>
-    <p:sldId id="293" r:id="rId22"/>
-    <p:sldId id="280" r:id="rId23"/>
-    <p:sldId id="281" r:id="rId24"/>
+    <p:sldId id="287" r:id="rId15"/>
+    <p:sldId id="288" r:id="rId16"/>
+    <p:sldId id="289" r:id="rId17"/>
+    <p:sldId id="290" r:id="rId18"/>
+    <p:sldId id="280" r:id="rId19"/>
+    <p:sldId id="293" r:id="rId20"/>
+    <p:sldId id="294" r:id="rId21"/>
+    <p:sldId id="295" r:id="rId22"/>
+    <p:sldId id="281" r:id="rId23"/>
+    <p:sldId id="291" r:id="rId24"/>
+    <p:sldId id="292" r:id="rId25"/>
   </p:sldIdLst>
   <p:sldSz cx="12192000" cy="6858000"/>
   <p:notesSz cx="6858000" cy="9144000"/>
@@ -330,7 +331,7 @@
           <a:p>
             <a:fld id="{96DFF08F-DC6B-4601-B491-B0F83F6DD2DA}" type="datetimeFigureOut">
               <a:rPr lang="en-US" smtClean="0"/>
-              <a:t>3/29/2023</a:t>
+              <a:t>3/30/2023</a:t>
             </a:fld>
             <a:endParaRPr lang="en-US" dirty="0"/>
           </a:p>
@@ -551,7 +552,7 @@
           <a:p>
             <a:fld id="{96DFF08F-DC6B-4601-B491-B0F83F6DD2DA}" type="datetimeFigureOut">
               <a:rPr lang="en-US" smtClean="0"/>
-              <a:t>3/29/2023</a:t>
+              <a:t>3/30/2023</a:t>
             </a:fld>
             <a:endParaRPr lang="en-US" dirty="0"/>
           </a:p>
@@ -731,7 +732,7 @@
           <a:p>
             <a:fld id="{96DFF08F-DC6B-4601-B491-B0F83F6DD2DA}" type="datetimeFigureOut">
               <a:rPr lang="en-US" smtClean="0"/>
-              <a:t>3/29/2023</a:t>
+              <a:t>3/30/2023</a:t>
             </a:fld>
             <a:endParaRPr lang="en-US" dirty="0"/>
           </a:p>
@@ -901,7 +902,7 @@
           <a:p>
             <a:fld id="{96DFF08F-DC6B-4601-B491-B0F83F6DD2DA}" type="datetimeFigureOut">
               <a:rPr lang="en-US" smtClean="0"/>
-              <a:t>3/29/2023</a:t>
+              <a:t>3/30/2023</a:t>
             </a:fld>
             <a:endParaRPr lang="en-US" dirty="0"/>
           </a:p>
@@ -1152,7 +1153,7 @@
           <a:p>
             <a:fld id="{96DFF08F-DC6B-4601-B491-B0F83F6DD2DA}" type="datetimeFigureOut">
               <a:rPr lang="en-US" smtClean="0"/>
-              <a:t>3/29/2023</a:t>
+              <a:t>3/30/2023</a:t>
             </a:fld>
             <a:endParaRPr lang="en-US" dirty="0"/>
           </a:p>
@@ -1475,7 +1476,7 @@
           <a:p>
             <a:fld id="{96DFF08F-DC6B-4601-B491-B0F83F6DD2DA}" type="datetimeFigureOut">
               <a:rPr lang="en-US" smtClean="0"/>
-              <a:t>3/29/2023</a:t>
+              <a:t>3/30/2023</a:t>
             </a:fld>
             <a:endParaRPr lang="en-US" dirty="0"/>
           </a:p>
@@ -1899,7 +1900,7 @@
           <a:p>
             <a:fld id="{96DFF08F-DC6B-4601-B491-B0F83F6DD2DA}" type="datetimeFigureOut">
               <a:rPr lang="en-US" smtClean="0"/>
-              <a:t>3/29/2023</a:t>
+              <a:t>3/30/2023</a:t>
             </a:fld>
             <a:endParaRPr lang="en-US" dirty="0"/>
           </a:p>
@@ -2017,7 +2018,7 @@
           <a:p>
             <a:fld id="{96DFF08F-DC6B-4601-B491-B0F83F6DD2DA}" type="datetimeFigureOut">
               <a:rPr lang="en-US" smtClean="0"/>
-              <a:t>3/29/2023</a:t>
+              <a:t>3/30/2023</a:t>
             </a:fld>
             <a:endParaRPr lang="en-US" dirty="0"/>
           </a:p>
@@ -2112,7 +2113,7 @@
           <a:p>
             <a:fld id="{96DFF08F-DC6B-4601-B491-B0F83F6DD2DA}" type="datetimeFigureOut">
               <a:rPr lang="en-US" smtClean="0"/>
-              <a:t>3/29/2023</a:t>
+              <a:t>3/30/2023</a:t>
             </a:fld>
             <a:endParaRPr lang="en-US" dirty="0"/>
           </a:p>
@@ -2402,7 +2403,7 @@
           <a:p>
             <a:fld id="{96DFF08F-DC6B-4601-B491-B0F83F6DD2DA}" type="datetimeFigureOut">
               <a:rPr lang="en-US" smtClean="0"/>
-              <a:t>3/29/2023</a:t>
+              <a:t>3/30/2023</a:t>
             </a:fld>
             <a:endParaRPr lang="en-US" dirty="0"/>
           </a:p>
@@ -2674,7 +2675,7 @@
           <a:p>
             <a:fld id="{96DFF08F-DC6B-4601-B491-B0F83F6DD2DA}" type="datetimeFigureOut">
               <a:rPr lang="en-US" smtClean="0"/>
-              <a:t>3/29/2023</a:t>
+              <a:t>3/30/2023</a:t>
             </a:fld>
             <a:endParaRPr lang="en-US" dirty="0"/>
           </a:p>
@@ -2929,7 +2930,7 @@
             <a:fld id="{96DFF08F-DC6B-4601-B491-B0F83F6DD2DA}" type="datetimeFigureOut">
               <a:rPr lang="en-US" smtClean="0"/>
               <a:pPr/>
-              <a:t>3/29/2023</a:t>
+              <a:t>3/30/2023</a:t>
             </a:fld>
             <a:endParaRPr lang="en-US" dirty="0"/>
           </a:p>
@@ -4095,6 +4096,2818 @@
           <a:chExt cx="0" cy="0"/>
         </a:xfrm>
       </p:grpSpPr>
+      <p:sp>
+        <p:nvSpPr>
+          <p:cNvPr id="2" name="object 2"/>
+          <p:cNvSpPr txBox="1"/>
+          <p:nvPr/>
+        </p:nvSpPr>
+        <p:spPr>
+          <a:xfrm>
+            <a:off x="329986" y="340181"/>
+            <a:ext cx="5606120" cy="6011990"/>
+          </a:xfrm>
+          <a:prstGeom prst="rect">
+            <a:avLst/>
+          </a:prstGeom>
+        </p:spPr>
+        <p:txBody>
+          <a:bodyPr vert="horz" wrap="square" lIns="0" tIns="86193" rIns="0" bIns="0" rtlCol="0">
+            <a:spAutoFit/>
+          </a:bodyPr>
+          <a:lstStyle/>
+          <a:p>
+            <a:pPr marL="435651" indent="-285750" defTabSz="899404" eaLnBrk="1" fontAlgn="auto" latinLnBrk="1" hangingPunct="1">
+              <a:spcBef>
+                <a:spcPts val="679"/>
+              </a:spcBef>
+              <a:spcAft>
+                <a:spcPts val="0"/>
+              </a:spcAft>
+              <a:buClrTx/>
+              <a:buFont typeface="Arial" panose="020B0604020202020204" pitchFamily="34" charset="0"/>
+              <a:buChar char="•"/>
+              <a:tabLst>
+                <a:tab pos="480931" algn="l"/>
+              </a:tabLst>
+            </a:pPr>
+            <a:r>
+              <a:rPr sz="2000" b="1" spc="-44" dirty="0" smtClean="0">
+                <a:solidFill>
+                  <a:prstClr val="black"/>
+                </a:solidFill>
+                <a:latin typeface="+mn-ea"/>
+                <a:cs typeface="새굴림"/>
+              </a:rPr>
+              <a:t>vi </a:t>
+            </a:r>
+            <a:r>
+              <a:rPr sz="2000" b="1" spc="-118" dirty="0">
+                <a:solidFill>
+                  <a:prstClr val="black"/>
+                </a:solidFill>
+                <a:latin typeface="+mn-ea"/>
+                <a:cs typeface="새굴림"/>
+              </a:rPr>
+              <a:t>편집기 </a:t>
+            </a:r>
+            <a:r>
+              <a:rPr sz="2000" b="1" spc="-98" dirty="0">
+                <a:solidFill>
+                  <a:prstClr val="black"/>
+                </a:solidFill>
+                <a:latin typeface="+mn-ea"/>
+                <a:cs typeface="새굴림"/>
+              </a:rPr>
+              <a:t>활용</a:t>
+            </a:r>
+            <a:endParaRPr sz="2000" b="1" dirty="0">
+              <a:solidFill>
+                <a:prstClr val="black"/>
+              </a:solidFill>
+              <a:latin typeface="+mn-ea"/>
+              <a:cs typeface="새굴림"/>
+            </a:endParaRPr>
+          </a:p>
+          <a:p>
+            <a:pPr marL="12492" marR="4997" indent="191123" defTabSz="899404" eaLnBrk="1" fontAlgn="auto" latinLnBrk="1" hangingPunct="1">
+              <a:lnSpc>
+                <a:spcPct val="105200"/>
+              </a:lnSpc>
+              <a:spcBef>
+                <a:spcPts val="546"/>
+              </a:spcBef>
+              <a:spcAft>
+                <a:spcPts val="0"/>
+              </a:spcAft>
+              <a:buClrTx/>
+              <a:tabLst>
+                <a:tab pos="439084" algn="l"/>
+              </a:tabLst>
+            </a:pPr>
+            <a:endParaRPr lang="en-US" sz="1600" b="1" spc="54" dirty="0" smtClean="0">
+              <a:solidFill>
+                <a:prstClr val="black"/>
+              </a:solidFill>
+              <a:latin typeface="+mn-ea"/>
+              <a:cs typeface="나눔명조"/>
+            </a:endParaRPr>
+          </a:p>
+          <a:p>
+            <a:pPr marL="298242" marR="4997" indent="-285750" defTabSz="899404" eaLnBrk="1" fontAlgn="auto" latinLnBrk="1" hangingPunct="1">
+              <a:lnSpc>
+                <a:spcPct val="105200"/>
+              </a:lnSpc>
+              <a:spcBef>
+                <a:spcPts val="546"/>
+              </a:spcBef>
+              <a:spcAft>
+                <a:spcPts val="0"/>
+              </a:spcAft>
+              <a:buClrTx/>
+              <a:buFont typeface="Arial" panose="020B0604020202020204" pitchFamily="34" charset="0"/>
+              <a:buChar char="•"/>
+              <a:tabLst>
+                <a:tab pos="439084" algn="l"/>
+              </a:tabLst>
+            </a:pPr>
+            <a:r>
+              <a:rPr sz="1600" b="1" spc="54" dirty="0" err="1" smtClean="0">
+                <a:solidFill>
+                  <a:prstClr val="black"/>
+                </a:solidFill>
+                <a:latin typeface="+mn-ea"/>
+                <a:cs typeface="나눔명조"/>
+              </a:rPr>
+              <a:t>파일</a:t>
+            </a:r>
+            <a:r>
+              <a:rPr sz="1600" b="1" spc="54" dirty="0" smtClean="0">
+                <a:solidFill>
+                  <a:prstClr val="black"/>
+                </a:solidFill>
+                <a:latin typeface="+mn-ea"/>
+                <a:cs typeface="나눔명조"/>
+              </a:rPr>
+              <a:t> </a:t>
+            </a:r>
+            <a:r>
+              <a:rPr sz="1600" b="1" spc="54" dirty="0">
+                <a:solidFill>
+                  <a:prstClr val="black"/>
+                </a:solidFill>
+                <a:latin typeface="+mn-ea"/>
+                <a:cs typeface="나눔명조"/>
+              </a:rPr>
+              <a:t>내 </a:t>
+            </a:r>
+            <a:r>
+              <a:rPr sz="1600" b="1" spc="54" dirty="0" err="1">
+                <a:solidFill>
+                  <a:prstClr val="black"/>
+                </a:solidFill>
+                <a:latin typeface="+mn-ea"/>
+                <a:cs typeface="나눔명조"/>
+              </a:rPr>
+              <a:t>단어</a:t>
+            </a:r>
+            <a:r>
+              <a:rPr sz="1600" b="1" spc="-148" dirty="0">
+                <a:solidFill>
+                  <a:prstClr val="black"/>
+                </a:solidFill>
+                <a:latin typeface="+mn-ea"/>
+                <a:cs typeface="나눔명조"/>
+              </a:rPr>
+              <a:t> </a:t>
+            </a:r>
+            <a:r>
+              <a:rPr sz="1600" b="1" spc="54" dirty="0" err="1" smtClean="0">
+                <a:solidFill>
+                  <a:prstClr val="black"/>
+                </a:solidFill>
+                <a:latin typeface="+mn-ea"/>
+                <a:cs typeface="나눔명조"/>
+              </a:rPr>
+              <a:t>검색</a:t>
+            </a:r>
+            <a:endParaRPr lang="en-US" sz="1600" b="1" spc="54" dirty="0" smtClean="0">
+              <a:solidFill>
+                <a:prstClr val="black"/>
+              </a:solidFill>
+              <a:latin typeface="+mn-ea"/>
+              <a:cs typeface="나눔명조"/>
+            </a:endParaRPr>
+          </a:p>
+          <a:p>
+            <a:pPr marL="298242" marR="4997" indent="-285750" defTabSz="899404" eaLnBrk="1" fontAlgn="auto" latinLnBrk="1" hangingPunct="1">
+              <a:lnSpc>
+                <a:spcPct val="105200"/>
+              </a:lnSpc>
+              <a:spcBef>
+                <a:spcPts val="546"/>
+              </a:spcBef>
+              <a:spcAft>
+                <a:spcPts val="0"/>
+              </a:spcAft>
+              <a:buClrTx/>
+              <a:buFont typeface="Arial" panose="020B0604020202020204" pitchFamily="34" charset="0"/>
+              <a:buChar char="•"/>
+              <a:tabLst>
+                <a:tab pos="439084" algn="l"/>
+              </a:tabLst>
+            </a:pPr>
+            <a:endParaRPr sz="1600" b="1" dirty="0">
+              <a:solidFill>
+                <a:prstClr val="black"/>
+              </a:solidFill>
+              <a:latin typeface="+mn-ea"/>
+              <a:cs typeface="나눔명조"/>
+            </a:endParaRPr>
+          </a:p>
+          <a:p>
+            <a:pPr marL="12492" marR="4997" indent="131788" defTabSz="899404" latinLnBrk="1">
+              <a:lnSpc>
+                <a:spcPct val="126699"/>
+              </a:lnSpc>
+              <a:spcBef>
+                <a:spcPts val="79"/>
+              </a:spcBef>
+            </a:pPr>
+            <a:r>
+              <a:rPr sz="1600" b="0" spc="-103" dirty="0">
+                <a:solidFill>
+                  <a:prstClr val="black"/>
+                </a:solidFill>
+                <a:latin typeface="+mn-ea"/>
+                <a:cs typeface="함초롬바탕" panose="02030604000101010101" pitchFamily="18" charset="-127"/>
+              </a:rPr>
+              <a:t>파일의 내용이 </a:t>
+            </a:r>
+            <a:r>
+              <a:rPr sz="1600" b="0" spc="-89" dirty="0">
+                <a:solidFill>
+                  <a:prstClr val="black"/>
+                </a:solidFill>
+                <a:latin typeface="+mn-ea"/>
+                <a:cs typeface="함초롬바탕" panose="02030604000101010101" pitchFamily="18" charset="-127"/>
+              </a:rPr>
+              <a:t>많은 경우 </a:t>
+            </a:r>
+            <a:r>
+              <a:rPr sz="1600" b="0" spc="-103" dirty="0">
+                <a:solidFill>
+                  <a:prstClr val="black"/>
+                </a:solidFill>
+                <a:latin typeface="+mn-ea"/>
+                <a:cs typeface="함초롬바탕" panose="02030604000101010101" pitchFamily="18" charset="-127"/>
+              </a:rPr>
+              <a:t>우리가 원하는 단어를 </a:t>
+            </a:r>
+            <a:r>
+              <a:rPr sz="1600" b="0" spc="-89" dirty="0" err="1">
+                <a:solidFill>
+                  <a:prstClr val="black"/>
+                </a:solidFill>
+                <a:latin typeface="+mn-ea"/>
+                <a:cs typeface="함초롬바탕" panose="02030604000101010101" pitchFamily="18" charset="-127"/>
+              </a:rPr>
+              <a:t>찾아</a:t>
+            </a:r>
+            <a:r>
+              <a:rPr sz="1600" b="0" spc="-89" dirty="0">
+                <a:solidFill>
+                  <a:prstClr val="black"/>
+                </a:solidFill>
+                <a:latin typeface="+mn-ea"/>
+                <a:cs typeface="함초롬바탕" panose="02030604000101010101" pitchFamily="18" charset="-127"/>
+              </a:rPr>
+              <a:t> </a:t>
+            </a:r>
+            <a:endParaRPr lang="en-US" sz="1600" b="0" spc="-89" dirty="0" smtClean="0">
+              <a:solidFill>
+                <a:prstClr val="black"/>
+              </a:solidFill>
+              <a:latin typeface="+mn-ea"/>
+              <a:cs typeface="함초롬바탕" panose="02030604000101010101" pitchFamily="18" charset="-127"/>
+            </a:endParaRPr>
+          </a:p>
+          <a:p>
+            <a:pPr marL="12492" marR="4997" indent="131788" defTabSz="899404" latinLnBrk="1">
+              <a:lnSpc>
+                <a:spcPct val="126699"/>
+              </a:lnSpc>
+              <a:spcBef>
+                <a:spcPts val="79"/>
+              </a:spcBef>
+            </a:pPr>
+            <a:r>
+              <a:rPr sz="1600" b="0" spc="-44" dirty="0" smtClean="0">
+                <a:solidFill>
+                  <a:prstClr val="black"/>
+                </a:solidFill>
+                <a:latin typeface="+mn-ea"/>
+                <a:cs typeface="함초롬바탕" panose="02030604000101010101" pitchFamily="18" charset="-127"/>
+              </a:rPr>
+              <a:t>그 </a:t>
+            </a:r>
+            <a:r>
+              <a:rPr sz="1600" b="0" spc="-108" dirty="0">
+                <a:solidFill>
+                  <a:prstClr val="black"/>
+                </a:solidFill>
+                <a:latin typeface="+mn-ea"/>
+                <a:cs typeface="함초롬바탕" panose="02030604000101010101" pitchFamily="18" charset="-127"/>
+              </a:rPr>
+              <a:t>위치에서 </a:t>
+            </a:r>
+            <a:r>
+              <a:rPr sz="1600" b="0" spc="-112" dirty="0">
+                <a:solidFill>
+                  <a:prstClr val="black"/>
+                </a:solidFill>
+                <a:latin typeface="+mn-ea"/>
+                <a:cs typeface="함초롬바탕" panose="02030604000101010101" pitchFamily="18" charset="-127"/>
+              </a:rPr>
+              <a:t>작업하여야 </a:t>
+            </a:r>
+            <a:r>
+              <a:rPr sz="1600" b="0" spc="-89" dirty="0">
+                <a:solidFill>
+                  <a:prstClr val="black"/>
+                </a:solidFill>
+                <a:latin typeface="+mn-ea"/>
+                <a:cs typeface="함초롬바탕" panose="02030604000101010101" pitchFamily="18" charset="-127"/>
+              </a:rPr>
+              <a:t>하는 </a:t>
+            </a:r>
+            <a:r>
+              <a:rPr sz="1600" b="0" spc="-103" dirty="0">
+                <a:solidFill>
+                  <a:prstClr val="black"/>
+                </a:solidFill>
+                <a:latin typeface="+mn-ea"/>
+                <a:cs typeface="함초롬바탕" panose="02030604000101010101" pitchFamily="18" charset="-127"/>
+              </a:rPr>
+              <a:t>경우가 </a:t>
+            </a:r>
+            <a:r>
+              <a:rPr sz="1600" b="0" spc="-108" dirty="0">
+                <a:solidFill>
+                  <a:prstClr val="black"/>
+                </a:solidFill>
+                <a:latin typeface="+mn-ea"/>
+                <a:cs typeface="함초롬바탕" panose="02030604000101010101" pitchFamily="18" charset="-127"/>
+              </a:rPr>
+              <a:t>많다</a:t>
+            </a:r>
+            <a:r>
+              <a:rPr sz="1600" b="0" spc="-108" dirty="0">
+                <a:solidFill>
+                  <a:prstClr val="black"/>
+                </a:solidFill>
+                <a:latin typeface="+mn-ea"/>
+                <a:cs typeface="Book Antiqua"/>
+              </a:rPr>
+              <a:t>. </a:t>
+            </a:r>
+            <a:r>
+              <a:rPr sz="1600" b="0" spc="-103" dirty="0">
+                <a:solidFill>
+                  <a:prstClr val="black"/>
+                </a:solidFill>
+                <a:latin typeface="+mn-ea"/>
+                <a:cs typeface="함초롬바탕" panose="02030604000101010101" pitchFamily="18" charset="-127"/>
+              </a:rPr>
+              <a:t>원하는 단어를 </a:t>
+            </a:r>
+            <a:r>
+              <a:rPr sz="1600" b="0" spc="-89" dirty="0" err="1">
+                <a:solidFill>
+                  <a:prstClr val="black"/>
+                </a:solidFill>
+                <a:latin typeface="+mn-ea"/>
+                <a:cs typeface="함초롬바탕" panose="02030604000101010101" pitchFamily="18" charset="-127"/>
+              </a:rPr>
+              <a:t>주고</a:t>
+            </a:r>
+            <a:r>
+              <a:rPr sz="1600" b="0" spc="-89" dirty="0">
+                <a:solidFill>
+                  <a:prstClr val="black"/>
+                </a:solidFill>
+                <a:latin typeface="+mn-ea"/>
+                <a:cs typeface="함초롬바탕" panose="02030604000101010101" pitchFamily="18" charset="-127"/>
+              </a:rPr>
+              <a:t> </a:t>
+            </a:r>
+            <a:endParaRPr lang="en-US" sz="1600" b="0" spc="-89" dirty="0" smtClean="0">
+              <a:solidFill>
+                <a:prstClr val="black"/>
+              </a:solidFill>
+              <a:latin typeface="+mn-ea"/>
+              <a:cs typeface="함초롬바탕" panose="02030604000101010101" pitchFamily="18" charset="-127"/>
+            </a:endParaRPr>
+          </a:p>
+          <a:p>
+            <a:pPr marL="12492" marR="4997" indent="131788" defTabSz="899404" latinLnBrk="1">
+              <a:lnSpc>
+                <a:spcPct val="126699"/>
+              </a:lnSpc>
+              <a:spcBef>
+                <a:spcPts val="79"/>
+              </a:spcBef>
+            </a:pPr>
+            <a:r>
+              <a:rPr sz="1600" b="0" spc="-103" dirty="0" err="1" smtClean="0">
+                <a:solidFill>
+                  <a:prstClr val="black"/>
+                </a:solidFill>
+                <a:latin typeface="+mn-ea"/>
+                <a:cs typeface="함초롬바탕" panose="02030604000101010101" pitchFamily="18" charset="-127"/>
+              </a:rPr>
+              <a:t>검색을</a:t>
+            </a:r>
+            <a:r>
+              <a:rPr sz="1600" b="0" spc="-103" dirty="0" smtClean="0">
+                <a:solidFill>
+                  <a:prstClr val="black"/>
+                </a:solidFill>
+                <a:latin typeface="+mn-ea"/>
+                <a:cs typeface="함초롬바탕" panose="02030604000101010101" pitchFamily="18" charset="-127"/>
+              </a:rPr>
+              <a:t>  </a:t>
+            </a:r>
+            <a:r>
+              <a:rPr sz="1600" b="0" spc="-103" dirty="0">
+                <a:solidFill>
+                  <a:prstClr val="black"/>
+                </a:solidFill>
+                <a:latin typeface="+mn-ea"/>
+                <a:cs typeface="함초롬바탕" panose="02030604000101010101" pitchFamily="18" charset="-127"/>
+              </a:rPr>
+              <a:t>하여야 하는데 </a:t>
+            </a:r>
+            <a:r>
+              <a:rPr sz="1600" b="0" spc="-89" dirty="0">
+                <a:solidFill>
+                  <a:prstClr val="black"/>
+                </a:solidFill>
+                <a:latin typeface="+mn-ea"/>
+                <a:cs typeface="함초롬바탕" panose="02030604000101010101" pitchFamily="18" charset="-127"/>
+              </a:rPr>
+              <a:t>이때 </a:t>
+            </a:r>
+            <a:r>
+              <a:rPr sz="1600" b="0" spc="-103" dirty="0">
+                <a:solidFill>
+                  <a:prstClr val="black"/>
+                </a:solidFill>
+                <a:latin typeface="+mn-ea"/>
+                <a:cs typeface="함초롬바탕" panose="02030604000101010101" pitchFamily="18" charset="-127"/>
+              </a:rPr>
+              <a:t>유용한 </a:t>
+            </a:r>
+            <a:r>
+              <a:rPr sz="1600" b="0" spc="-108" dirty="0">
+                <a:solidFill>
+                  <a:prstClr val="black"/>
+                </a:solidFill>
+                <a:latin typeface="+mn-ea"/>
+                <a:cs typeface="함초롬바탕" panose="02030604000101010101" pitchFamily="18" charset="-127"/>
+              </a:rPr>
+              <a:t>명령어를</a:t>
+            </a:r>
+            <a:r>
+              <a:rPr sz="1600" b="0" spc="192" dirty="0">
+                <a:solidFill>
+                  <a:prstClr val="black"/>
+                </a:solidFill>
+                <a:latin typeface="+mn-ea"/>
+                <a:cs typeface="함초롬바탕" panose="02030604000101010101" pitchFamily="18" charset="-127"/>
+              </a:rPr>
+              <a:t> </a:t>
+            </a:r>
+            <a:r>
+              <a:rPr sz="1600" b="0" spc="-118" dirty="0" err="1">
+                <a:solidFill>
+                  <a:prstClr val="black"/>
+                </a:solidFill>
+                <a:latin typeface="+mn-ea"/>
+                <a:cs typeface="함초롬바탕" panose="02030604000101010101" pitchFamily="18" charset="-127"/>
+              </a:rPr>
+              <a:t>알아본다</a:t>
+            </a:r>
+            <a:r>
+              <a:rPr sz="1600" b="0" spc="-118" dirty="0" smtClean="0">
+                <a:solidFill>
+                  <a:prstClr val="black"/>
+                </a:solidFill>
+                <a:latin typeface="+mn-ea"/>
+                <a:cs typeface="Book Antiqua"/>
+              </a:rPr>
+              <a:t>.</a:t>
+            </a:r>
+            <a:endParaRPr lang="en-US" sz="1600" b="0" spc="-118" dirty="0" smtClean="0">
+              <a:solidFill>
+                <a:prstClr val="black"/>
+              </a:solidFill>
+              <a:latin typeface="+mn-ea"/>
+              <a:cs typeface="Book Antiqua"/>
+            </a:endParaRPr>
+          </a:p>
+          <a:p>
+            <a:pPr marL="12492" marR="4997" indent="131788" defTabSz="899404" latinLnBrk="1">
+              <a:lnSpc>
+                <a:spcPct val="126699"/>
+              </a:lnSpc>
+              <a:spcBef>
+                <a:spcPts val="79"/>
+              </a:spcBef>
+            </a:pPr>
+            <a:endParaRPr sz="1600" b="0" dirty="0">
+              <a:solidFill>
+                <a:prstClr val="black"/>
+              </a:solidFill>
+              <a:latin typeface="+mn-ea"/>
+              <a:cs typeface="Book Antiqua"/>
+            </a:endParaRPr>
+          </a:p>
+          <a:p>
+            <a:pPr marL="144279" defTabSz="899404" eaLnBrk="1" fontAlgn="auto" latinLnBrk="1" hangingPunct="1">
+              <a:spcBef>
+                <a:spcPts val="679"/>
+              </a:spcBef>
+              <a:spcAft>
+                <a:spcPts val="0"/>
+              </a:spcAft>
+              <a:buClrTx/>
+            </a:pPr>
+            <a:r>
+              <a:rPr sz="1600" b="1" spc="-250" dirty="0">
+                <a:solidFill>
+                  <a:prstClr val="black"/>
+                </a:solidFill>
+                <a:latin typeface="+mn-ea"/>
+                <a:cs typeface="SimSun"/>
+              </a:rPr>
+              <a:t>① </a:t>
+            </a:r>
+            <a:r>
+              <a:rPr sz="1600" b="1" spc="-103" dirty="0">
+                <a:solidFill>
+                  <a:prstClr val="black"/>
+                </a:solidFill>
+                <a:latin typeface="+mn-ea"/>
+                <a:cs typeface="함초롬바탕" panose="02030604000101010101" pitchFamily="18" charset="-127"/>
+              </a:rPr>
+              <a:t>필요한 </a:t>
+            </a:r>
+            <a:r>
+              <a:rPr sz="1600" b="1" spc="-89" dirty="0">
+                <a:solidFill>
+                  <a:prstClr val="black"/>
+                </a:solidFill>
+                <a:latin typeface="+mn-ea"/>
+                <a:cs typeface="함초롬바탕" panose="02030604000101010101" pitchFamily="18" charset="-127"/>
+              </a:rPr>
+              <a:t>단어</a:t>
+            </a:r>
+            <a:r>
+              <a:rPr sz="1600" b="1" spc="25" dirty="0">
+                <a:solidFill>
+                  <a:prstClr val="black"/>
+                </a:solidFill>
+                <a:latin typeface="+mn-ea"/>
+                <a:cs typeface="함초롬바탕" panose="02030604000101010101" pitchFamily="18" charset="-127"/>
+              </a:rPr>
+              <a:t> </a:t>
+            </a:r>
+            <a:r>
+              <a:rPr sz="1600" b="1" spc="-89" dirty="0">
+                <a:solidFill>
+                  <a:prstClr val="black"/>
+                </a:solidFill>
+                <a:latin typeface="+mn-ea"/>
+                <a:cs typeface="함초롬바탕" panose="02030604000101010101" pitchFamily="18" charset="-127"/>
+              </a:rPr>
+              <a:t>검색</a:t>
+            </a:r>
+            <a:endParaRPr sz="1600" b="1" dirty="0">
+              <a:solidFill>
+                <a:prstClr val="black"/>
+              </a:solidFill>
+              <a:latin typeface="+mn-ea"/>
+              <a:cs typeface="함초롬바탕" panose="02030604000101010101" pitchFamily="18" charset="-127"/>
+            </a:endParaRPr>
+          </a:p>
+          <a:p>
+            <a:pPr marL="144279" defTabSz="899404" eaLnBrk="1" fontAlgn="auto" latinLnBrk="1" hangingPunct="1">
+              <a:spcBef>
+                <a:spcPts val="693"/>
+              </a:spcBef>
+              <a:spcAft>
+                <a:spcPts val="0"/>
+              </a:spcAft>
+              <a:buClrTx/>
+            </a:pPr>
+            <a:r>
+              <a:rPr sz="1600" b="0" spc="639" dirty="0">
+                <a:solidFill>
+                  <a:prstClr val="black"/>
+                </a:solidFill>
+                <a:latin typeface="+mn-ea"/>
+                <a:cs typeface="Tahoma"/>
+              </a:rPr>
+              <a:t>∙</a:t>
+            </a:r>
+            <a:r>
+              <a:rPr sz="1600" b="0" spc="177" dirty="0">
+                <a:solidFill>
+                  <a:prstClr val="black"/>
+                </a:solidFill>
+                <a:latin typeface="+mn-ea"/>
+                <a:cs typeface="Tahoma"/>
+              </a:rPr>
+              <a:t> </a:t>
+            </a:r>
+            <a:r>
+              <a:rPr sz="1600" b="0" spc="-103" dirty="0">
+                <a:solidFill>
+                  <a:prstClr val="black"/>
+                </a:solidFill>
+                <a:latin typeface="+mn-ea"/>
+                <a:cs typeface="함초롬바탕" panose="02030604000101010101" pitchFamily="18" charset="-127"/>
+              </a:rPr>
+              <a:t>마지막 </a:t>
+            </a:r>
+            <a:r>
+              <a:rPr sz="1600" b="0" spc="-44" dirty="0">
+                <a:solidFill>
+                  <a:prstClr val="black"/>
+                </a:solidFill>
+                <a:latin typeface="+mn-ea"/>
+                <a:cs typeface="함초롬바탕" panose="02030604000101010101" pitchFamily="18" charset="-127"/>
+              </a:rPr>
+              <a:t>행 </a:t>
+            </a:r>
+            <a:r>
+              <a:rPr sz="1600" b="0" spc="-118" dirty="0">
+                <a:solidFill>
+                  <a:prstClr val="black"/>
+                </a:solidFill>
+                <a:latin typeface="+mn-ea"/>
+                <a:cs typeface="함초롬바탕" panose="02030604000101010101" pitchFamily="18" charset="-127"/>
+              </a:rPr>
+              <a:t>명령모드에서 </a:t>
+            </a:r>
+            <a:r>
+              <a:rPr sz="1600" b="0" spc="-89" dirty="0">
+                <a:solidFill>
+                  <a:prstClr val="black"/>
+                </a:solidFill>
+                <a:latin typeface="+mn-ea"/>
+                <a:cs typeface="함초롬바탕" panose="02030604000101010101" pitchFamily="18" charset="-127"/>
+              </a:rPr>
+              <a:t>실행 </a:t>
+            </a:r>
+            <a:r>
+              <a:rPr sz="1600" b="0" spc="-44" dirty="0">
+                <a:solidFill>
+                  <a:prstClr val="black"/>
+                </a:solidFill>
+                <a:latin typeface="+mn-ea"/>
+                <a:cs typeface="함초롬바탕" panose="02030604000101010101" pitchFamily="18" charset="-127"/>
+              </a:rPr>
+              <a:t>함</a:t>
+            </a:r>
+            <a:endParaRPr sz="1600" b="0" dirty="0">
+              <a:solidFill>
+                <a:prstClr val="black"/>
+              </a:solidFill>
+              <a:latin typeface="+mn-ea"/>
+              <a:cs typeface="함초롬바탕" panose="02030604000101010101" pitchFamily="18" charset="-127"/>
+            </a:endParaRPr>
+          </a:p>
+          <a:p>
+            <a:pPr marL="144279" defTabSz="899404" eaLnBrk="1" fontAlgn="auto" latinLnBrk="1" hangingPunct="1">
+              <a:spcBef>
+                <a:spcPts val="693"/>
+              </a:spcBef>
+              <a:spcAft>
+                <a:spcPts val="0"/>
+              </a:spcAft>
+              <a:buClrTx/>
+            </a:pPr>
+            <a:r>
+              <a:rPr sz="1600" b="0" spc="639" dirty="0">
+                <a:solidFill>
+                  <a:prstClr val="black"/>
+                </a:solidFill>
+                <a:latin typeface="+mn-ea"/>
+                <a:cs typeface="Tahoma"/>
+              </a:rPr>
+              <a:t>∙ </a:t>
+            </a:r>
+            <a:r>
+              <a:rPr sz="1600" b="0" spc="-192" dirty="0">
+                <a:solidFill>
+                  <a:prstClr val="black"/>
+                </a:solidFill>
+                <a:latin typeface="+mn-ea"/>
+                <a:cs typeface="Book Antiqua"/>
+              </a:rPr>
+              <a:t>/word </a:t>
+            </a:r>
+            <a:r>
+              <a:rPr sz="1600" b="0" spc="-69" dirty="0">
+                <a:solidFill>
+                  <a:prstClr val="black"/>
+                </a:solidFill>
+                <a:latin typeface="+mn-ea"/>
+                <a:cs typeface="Book Antiqua"/>
+              </a:rPr>
+              <a:t>: </a:t>
+            </a:r>
+            <a:r>
+              <a:rPr sz="1600" b="0" spc="-162" dirty="0">
+                <a:solidFill>
+                  <a:prstClr val="black"/>
+                </a:solidFill>
+                <a:latin typeface="+mn-ea"/>
+                <a:cs typeface="Book Antiqua"/>
+              </a:rPr>
+              <a:t>word</a:t>
+            </a:r>
+            <a:r>
+              <a:rPr sz="1600" b="0" spc="-162" dirty="0">
+                <a:solidFill>
+                  <a:prstClr val="black"/>
+                </a:solidFill>
+                <a:latin typeface="+mn-ea"/>
+                <a:cs typeface="함초롬바탕" panose="02030604000101010101" pitchFamily="18" charset="-127"/>
+              </a:rPr>
+              <a:t>라는 </a:t>
+            </a:r>
+            <a:r>
+              <a:rPr sz="1600" b="0" spc="-103" dirty="0">
+                <a:solidFill>
+                  <a:prstClr val="black"/>
+                </a:solidFill>
+                <a:latin typeface="+mn-ea"/>
+                <a:cs typeface="함초롬바탕" panose="02030604000101010101" pitchFamily="18" charset="-127"/>
+              </a:rPr>
+              <a:t>단어를 위에서 </a:t>
+            </a:r>
+            <a:r>
+              <a:rPr sz="1600" b="0" spc="-118" dirty="0" err="1">
+                <a:solidFill>
+                  <a:prstClr val="black"/>
+                </a:solidFill>
+                <a:latin typeface="+mn-ea"/>
+                <a:cs typeface="함초롬바탕" panose="02030604000101010101" pitchFamily="18" charset="-127"/>
+              </a:rPr>
+              <a:t>아래방향으로</a:t>
+            </a:r>
+            <a:r>
+              <a:rPr sz="1600" b="0" spc="-118" dirty="0">
+                <a:solidFill>
+                  <a:prstClr val="black"/>
+                </a:solidFill>
+                <a:latin typeface="+mn-ea"/>
+                <a:cs typeface="함초롬바탕" panose="02030604000101010101" pitchFamily="18" charset="-127"/>
+              </a:rPr>
+              <a:t> </a:t>
+            </a:r>
+            <a:r>
+              <a:rPr sz="1600" b="0" spc="-89" dirty="0" err="1" smtClean="0">
+                <a:solidFill>
+                  <a:prstClr val="black"/>
+                </a:solidFill>
+                <a:latin typeface="+mn-ea"/>
+                <a:cs typeface="함초롬바탕" panose="02030604000101010101" pitchFamily="18" charset="-127"/>
+              </a:rPr>
+              <a:t>찾음</a:t>
+            </a:r>
+            <a:endParaRPr lang="en-US" sz="1600" b="0" spc="-89" dirty="0" smtClean="0">
+              <a:solidFill>
+                <a:prstClr val="black"/>
+              </a:solidFill>
+              <a:latin typeface="+mn-ea"/>
+              <a:cs typeface="함초롬바탕" panose="02030604000101010101" pitchFamily="18" charset="-127"/>
+            </a:endParaRPr>
+          </a:p>
+          <a:p>
+            <a:pPr marL="144279" defTabSz="899404" eaLnBrk="1" fontAlgn="auto" latinLnBrk="1" hangingPunct="1">
+              <a:spcBef>
+                <a:spcPts val="693"/>
+              </a:spcBef>
+              <a:spcAft>
+                <a:spcPts val="0"/>
+              </a:spcAft>
+              <a:buClrTx/>
+            </a:pPr>
+            <a:r>
+              <a:rPr sz="1600" b="0" spc="639" dirty="0" smtClean="0">
+                <a:solidFill>
+                  <a:prstClr val="black"/>
+                </a:solidFill>
+                <a:latin typeface="+mn-ea"/>
+                <a:cs typeface="Tahoma"/>
+              </a:rPr>
+              <a:t>∙ </a:t>
+            </a:r>
+            <a:r>
+              <a:rPr sz="1600" b="0" spc="-177" dirty="0">
+                <a:solidFill>
+                  <a:prstClr val="black"/>
+                </a:solidFill>
+                <a:latin typeface="+mn-ea"/>
+                <a:cs typeface="Book Antiqua"/>
+              </a:rPr>
+              <a:t>?word </a:t>
+            </a:r>
+            <a:r>
+              <a:rPr sz="1600" b="0" spc="-69" dirty="0">
+                <a:solidFill>
+                  <a:prstClr val="black"/>
+                </a:solidFill>
+                <a:latin typeface="+mn-ea"/>
+                <a:cs typeface="Book Antiqua"/>
+              </a:rPr>
+              <a:t>: </a:t>
+            </a:r>
+            <a:r>
+              <a:rPr sz="1600" b="0" spc="-162" dirty="0">
+                <a:solidFill>
+                  <a:prstClr val="black"/>
+                </a:solidFill>
+                <a:latin typeface="+mn-ea"/>
+                <a:cs typeface="Book Antiqua"/>
+              </a:rPr>
+              <a:t>word</a:t>
+            </a:r>
+            <a:r>
+              <a:rPr sz="1600" b="0" spc="-162" dirty="0">
+                <a:solidFill>
+                  <a:prstClr val="black"/>
+                </a:solidFill>
+                <a:latin typeface="+mn-ea"/>
+                <a:cs typeface="함초롬바탕" panose="02030604000101010101" pitchFamily="18" charset="-127"/>
+              </a:rPr>
+              <a:t>라는 </a:t>
+            </a:r>
+            <a:r>
+              <a:rPr sz="1600" b="0" spc="-103" dirty="0">
+                <a:solidFill>
+                  <a:prstClr val="black"/>
+                </a:solidFill>
+                <a:latin typeface="+mn-ea"/>
+                <a:cs typeface="함초롬바탕" panose="02030604000101010101" pitchFamily="18" charset="-127"/>
+              </a:rPr>
+              <a:t>단어를 </a:t>
+            </a:r>
+            <a:r>
+              <a:rPr sz="1600" b="0" spc="-108" dirty="0">
+                <a:solidFill>
+                  <a:prstClr val="black"/>
+                </a:solidFill>
+                <a:latin typeface="+mn-ea"/>
+                <a:cs typeface="함초롬바탕" panose="02030604000101010101" pitchFamily="18" charset="-127"/>
+              </a:rPr>
+              <a:t>아래에서 </a:t>
+            </a:r>
+            <a:r>
+              <a:rPr sz="1600" b="0" spc="-44" dirty="0">
+                <a:solidFill>
+                  <a:prstClr val="black"/>
+                </a:solidFill>
+                <a:latin typeface="+mn-ea"/>
+                <a:cs typeface="함초롬바탕" panose="02030604000101010101" pitchFamily="18" charset="-127"/>
+              </a:rPr>
+              <a:t>위 </a:t>
+            </a:r>
+            <a:r>
+              <a:rPr sz="1600" b="0" spc="-108" dirty="0" err="1">
+                <a:solidFill>
+                  <a:prstClr val="black"/>
+                </a:solidFill>
+                <a:latin typeface="+mn-ea"/>
+                <a:cs typeface="함초롬바탕" panose="02030604000101010101" pitchFamily="18" charset="-127"/>
+              </a:rPr>
+              <a:t>방향으로</a:t>
+            </a:r>
+            <a:r>
+              <a:rPr sz="1600" b="0" spc="-241" dirty="0">
+                <a:solidFill>
+                  <a:prstClr val="black"/>
+                </a:solidFill>
+                <a:latin typeface="+mn-ea"/>
+                <a:cs typeface="함초롬바탕" panose="02030604000101010101" pitchFamily="18" charset="-127"/>
+              </a:rPr>
+              <a:t> </a:t>
+            </a:r>
+            <a:r>
+              <a:rPr sz="1600" b="0" spc="-89" dirty="0" err="1" smtClean="0">
+                <a:solidFill>
+                  <a:prstClr val="black"/>
+                </a:solidFill>
+                <a:latin typeface="+mn-ea"/>
+                <a:cs typeface="함초롬바탕" panose="02030604000101010101" pitchFamily="18" charset="-127"/>
+              </a:rPr>
+              <a:t>찾음</a:t>
+            </a:r>
+            <a:endParaRPr lang="en-US" sz="1600" b="0" spc="-89" dirty="0" smtClean="0">
+              <a:solidFill>
+                <a:prstClr val="black"/>
+              </a:solidFill>
+              <a:latin typeface="+mn-ea"/>
+              <a:cs typeface="함초롬바탕" panose="02030604000101010101" pitchFamily="18" charset="-127"/>
+            </a:endParaRPr>
+          </a:p>
+          <a:p>
+            <a:pPr marL="144279" defTabSz="899404" eaLnBrk="1" fontAlgn="auto" latinLnBrk="1" hangingPunct="1">
+              <a:spcBef>
+                <a:spcPts val="693"/>
+              </a:spcBef>
+              <a:spcAft>
+                <a:spcPts val="0"/>
+              </a:spcAft>
+              <a:buClrTx/>
+            </a:pPr>
+            <a:endParaRPr lang="en-US" sz="1600" b="0" spc="-89" dirty="0" smtClean="0">
+              <a:solidFill>
+                <a:prstClr val="black"/>
+              </a:solidFill>
+              <a:latin typeface="+mn-ea"/>
+              <a:cs typeface="함초롬바탕" panose="02030604000101010101" pitchFamily="18" charset="-127"/>
+            </a:endParaRPr>
+          </a:p>
+          <a:p>
+            <a:pPr marL="12492" defTabSz="899404" latinLnBrk="1">
+              <a:spcBef>
+                <a:spcPts val="580"/>
+              </a:spcBef>
+            </a:pPr>
+            <a:r>
+              <a:rPr lang="ko-KR" altLang="en-US" sz="1600" b="1" spc="-250" dirty="0" smtClean="0">
+                <a:solidFill>
+                  <a:prstClr val="black"/>
+                </a:solidFill>
+                <a:latin typeface="+mn-ea"/>
+                <a:cs typeface="SimSun"/>
+              </a:rPr>
+              <a:t>  ② </a:t>
+            </a:r>
+            <a:r>
+              <a:rPr lang="ko-KR" altLang="en-US" sz="1600" b="1" spc="-108" dirty="0" err="1">
+                <a:solidFill>
+                  <a:prstClr val="black"/>
+                </a:solidFill>
+                <a:latin typeface="+mn-ea"/>
+                <a:cs typeface="함초롬바탕" panose="02030604000101010101" pitchFamily="18" charset="-127"/>
+              </a:rPr>
+              <a:t>검색이후</a:t>
+            </a:r>
+            <a:r>
+              <a:rPr lang="ko-KR" altLang="en-US" sz="1600" b="1" spc="-108" dirty="0">
+                <a:solidFill>
+                  <a:prstClr val="black"/>
+                </a:solidFill>
+                <a:latin typeface="+mn-ea"/>
+                <a:cs typeface="함초롬바탕" panose="02030604000101010101" pitchFamily="18" charset="-127"/>
+              </a:rPr>
+              <a:t> 계속해서 </a:t>
+            </a:r>
+            <a:r>
+              <a:rPr lang="ko-KR" altLang="en-US" sz="1600" b="1" spc="-89" dirty="0">
+                <a:solidFill>
+                  <a:prstClr val="black"/>
+                </a:solidFill>
+                <a:latin typeface="+mn-ea"/>
+                <a:cs typeface="함초롬바탕" panose="02030604000101010101" pitchFamily="18" charset="-127"/>
+              </a:rPr>
+              <a:t>다음 단어</a:t>
+            </a:r>
+            <a:r>
+              <a:rPr lang="ko-KR" altLang="en-US" sz="1600" b="1" spc="133" dirty="0">
+                <a:solidFill>
+                  <a:prstClr val="black"/>
+                </a:solidFill>
+                <a:latin typeface="+mn-ea"/>
+                <a:cs typeface="함초롬바탕" panose="02030604000101010101" pitchFamily="18" charset="-127"/>
+              </a:rPr>
+              <a:t> </a:t>
+            </a:r>
+            <a:r>
+              <a:rPr lang="ko-KR" altLang="en-US" sz="1600" b="1" spc="-89" dirty="0">
+                <a:solidFill>
+                  <a:prstClr val="black"/>
+                </a:solidFill>
+                <a:latin typeface="+mn-ea"/>
+                <a:cs typeface="함초롬바탕" panose="02030604000101010101" pitchFamily="18" charset="-127"/>
+              </a:rPr>
+              <a:t>검색</a:t>
+            </a:r>
+            <a:endParaRPr lang="ko-KR" altLang="en-US" sz="1600" b="1" dirty="0">
+              <a:solidFill>
+                <a:prstClr val="black"/>
+              </a:solidFill>
+              <a:latin typeface="+mn-ea"/>
+              <a:cs typeface="함초롬바탕" panose="02030604000101010101" pitchFamily="18" charset="-127"/>
+            </a:endParaRPr>
+          </a:p>
+          <a:p>
+            <a:pPr marL="12492" defTabSz="899404" latinLnBrk="1">
+              <a:spcBef>
+                <a:spcPts val="693"/>
+              </a:spcBef>
+            </a:pPr>
+            <a:r>
+              <a:rPr lang="ko-KR" altLang="en-US" sz="1600" spc="639" dirty="0" smtClean="0">
+                <a:solidFill>
+                  <a:prstClr val="black"/>
+                </a:solidFill>
+                <a:latin typeface="+mn-ea"/>
+                <a:cs typeface="Tahoma"/>
+              </a:rPr>
+              <a:t> ∙</a:t>
+            </a:r>
+            <a:r>
+              <a:rPr lang="ko-KR" altLang="en-US" sz="1600" spc="64" dirty="0" smtClean="0">
+                <a:solidFill>
+                  <a:prstClr val="black"/>
+                </a:solidFill>
+                <a:latin typeface="+mn-ea"/>
+                <a:cs typeface="Tahoma"/>
+              </a:rPr>
+              <a:t> </a:t>
+            </a:r>
+            <a:r>
+              <a:rPr lang="ko-KR" altLang="en-US" sz="1600" spc="-118" dirty="0">
+                <a:solidFill>
+                  <a:prstClr val="black"/>
+                </a:solidFill>
+                <a:latin typeface="+mn-ea"/>
+                <a:cs typeface="함초롬바탕" panose="02030604000101010101" pitchFamily="18" charset="-127"/>
+              </a:rPr>
+              <a:t>명령모드에서 </a:t>
+            </a:r>
+            <a:r>
+              <a:rPr lang="ko-KR" altLang="en-US" sz="1600" spc="-103" dirty="0">
+                <a:solidFill>
+                  <a:prstClr val="black"/>
+                </a:solidFill>
+                <a:latin typeface="+mn-ea"/>
+                <a:cs typeface="함초롬바탕" panose="02030604000101010101" pitchFamily="18" charset="-127"/>
+              </a:rPr>
+              <a:t>실행함</a:t>
+            </a:r>
+            <a:endParaRPr lang="ko-KR" altLang="en-US" sz="1600" dirty="0">
+              <a:solidFill>
+                <a:prstClr val="black"/>
+              </a:solidFill>
+              <a:latin typeface="+mn-ea"/>
+              <a:cs typeface="함초롬바탕" panose="02030604000101010101" pitchFamily="18" charset="-127"/>
+            </a:endParaRPr>
+          </a:p>
+          <a:p>
+            <a:pPr marL="12492" defTabSz="899404" latinLnBrk="1">
+              <a:spcBef>
+                <a:spcPts val="693"/>
+              </a:spcBef>
+            </a:pPr>
+            <a:r>
+              <a:rPr lang="ko-KR" altLang="en-US" sz="1600" spc="639" dirty="0" smtClean="0">
+                <a:solidFill>
+                  <a:prstClr val="black"/>
+                </a:solidFill>
+                <a:latin typeface="+mn-ea"/>
+                <a:cs typeface="Tahoma"/>
+              </a:rPr>
+              <a:t> ∙ </a:t>
+            </a:r>
+            <a:r>
+              <a:rPr lang="en-US" altLang="ko-KR" sz="1600" spc="-148" dirty="0">
+                <a:solidFill>
+                  <a:prstClr val="black"/>
+                </a:solidFill>
+                <a:latin typeface="+mn-ea"/>
+                <a:cs typeface="Book Antiqua"/>
+              </a:rPr>
+              <a:t>n </a:t>
+            </a:r>
+            <a:r>
+              <a:rPr lang="en-US" altLang="ko-KR" sz="1600" spc="-69" dirty="0">
+                <a:solidFill>
+                  <a:prstClr val="black"/>
+                </a:solidFill>
+                <a:latin typeface="+mn-ea"/>
+                <a:cs typeface="Book Antiqua"/>
+              </a:rPr>
+              <a:t>: </a:t>
+            </a:r>
+            <a:r>
+              <a:rPr lang="ko-KR" altLang="en-US" sz="1600" spc="-89" dirty="0">
+                <a:solidFill>
+                  <a:prstClr val="black"/>
+                </a:solidFill>
+                <a:latin typeface="+mn-ea"/>
+                <a:cs typeface="함초롬바탕" panose="02030604000101010101" pitchFamily="18" charset="-127"/>
+              </a:rPr>
+              <a:t>한번 검색 </a:t>
+            </a:r>
+            <a:r>
+              <a:rPr lang="ko-KR" altLang="en-US" sz="1600" spc="-44" dirty="0">
+                <a:solidFill>
+                  <a:prstClr val="black"/>
+                </a:solidFill>
+                <a:latin typeface="+mn-ea"/>
+                <a:cs typeface="함초롬바탕" panose="02030604000101010101" pitchFamily="18" charset="-127"/>
+              </a:rPr>
+              <a:t>후 </a:t>
+            </a:r>
+            <a:r>
+              <a:rPr lang="ko-KR" altLang="en-US" sz="1600" spc="-103" dirty="0">
+                <a:solidFill>
+                  <a:prstClr val="black"/>
+                </a:solidFill>
+                <a:latin typeface="+mn-ea"/>
+                <a:cs typeface="함초롬바탕" panose="02030604000101010101" pitchFamily="18" charset="-127"/>
+              </a:rPr>
+              <a:t>아래로 동일한 </a:t>
+            </a:r>
+            <a:r>
+              <a:rPr lang="ko-KR" altLang="en-US" sz="1600" spc="-108" dirty="0" err="1">
+                <a:solidFill>
+                  <a:prstClr val="black"/>
+                </a:solidFill>
+                <a:latin typeface="+mn-ea"/>
+                <a:cs typeface="함초롬바탕" panose="02030604000101010101" pitchFamily="18" charset="-127"/>
+              </a:rPr>
+              <a:t>검색어를</a:t>
+            </a:r>
+            <a:r>
+              <a:rPr lang="ko-KR" altLang="en-US" sz="1600" spc="-108" dirty="0">
+                <a:solidFill>
+                  <a:prstClr val="black"/>
+                </a:solidFill>
+                <a:latin typeface="+mn-ea"/>
+                <a:cs typeface="함초롬바탕" panose="02030604000101010101" pitchFamily="18" charset="-127"/>
+              </a:rPr>
+              <a:t> </a:t>
+            </a:r>
+            <a:r>
+              <a:rPr lang="ko-KR" altLang="en-US" sz="1600" spc="-89" dirty="0">
+                <a:solidFill>
+                  <a:prstClr val="black"/>
+                </a:solidFill>
+                <a:latin typeface="+mn-ea"/>
+                <a:cs typeface="함초롬바탕" panose="02030604000101010101" pitchFamily="18" charset="-127"/>
+              </a:rPr>
+              <a:t>다시</a:t>
+            </a:r>
+            <a:r>
+              <a:rPr lang="ko-KR" altLang="en-US" sz="1600" spc="-123" dirty="0">
+                <a:solidFill>
+                  <a:prstClr val="black"/>
+                </a:solidFill>
+                <a:latin typeface="+mn-ea"/>
+                <a:cs typeface="함초롬바탕" panose="02030604000101010101" pitchFamily="18" charset="-127"/>
+              </a:rPr>
+              <a:t> </a:t>
+            </a:r>
+            <a:r>
+              <a:rPr lang="ko-KR" altLang="en-US" sz="1600" spc="-89" dirty="0">
+                <a:solidFill>
+                  <a:prstClr val="black"/>
+                </a:solidFill>
+                <a:latin typeface="+mn-ea"/>
+                <a:cs typeface="함초롬바탕" panose="02030604000101010101" pitchFamily="18" charset="-127"/>
+              </a:rPr>
+              <a:t>찾음</a:t>
+            </a:r>
+            <a:endParaRPr lang="ko-KR" altLang="en-US" sz="1600" dirty="0">
+              <a:solidFill>
+                <a:prstClr val="black"/>
+              </a:solidFill>
+              <a:latin typeface="+mn-ea"/>
+              <a:cs typeface="함초롬바탕" panose="02030604000101010101" pitchFamily="18" charset="-127"/>
+            </a:endParaRPr>
+          </a:p>
+          <a:p>
+            <a:pPr marL="12492" defTabSz="899404" latinLnBrk="1">
+              <a:spcBef>
+                <a:spcPts val="679"/>
+              </a:spcBef>
+            </a:pPr>
+            <a:r>
+              <a:rPr lang="ko-KR" altLang="en-US" sz="1600" spc="639" dirty="0" smtClean="0">
+                <a:solidFill>
+                  <a:prstClr val="black"/>
+                </a:solidFill>
+                <a:latin typeface="+mn-ea"/>
+                <a:cs typeface="Tahoma"/>
+              </a:rPr>
+              <a:t> ∙ </a:t>
+            </a:r>
+            <a:r>
+              <a:rPr lang="en-US" altLang="ko-KR" sz="1600" spc="-211" dirty="0">
+                <a:solidFill>
+                  <a:prstClr val="black"/>
+                </a:solidFill>
+                <a:latin typeface="+mn-ea"/>
+                <a:cs typeface="Book Antiqua"/>
+              </a:rPr>
+              <a:t>N </a:t>
+            </a:r>
+            <a:r>
+              <a:rPr lang="en-US" altLang="ko-KR" sz="1600" spc="-69" dirty="0">
+                <a:solidFill>
+                  <a:prstClr val="black"/>
+                </a:solidFill>
+                <a:latin typeface="+mn-ea"/>
+                <a:cs typeface="Book Antiqua"/>
+              </a:rPr>
+              <a:t>: </a:t>
+            </a:r>
+            <a:r>
+              <a:rPr lang="ko-KR" altLang="en-US" sz="1600" spc="-89" dirty="0">
+                <a:solidFill>
+                  <a:prstClr val="black"/>
+                </a:solidFill>
+                <a:latin typeface="+mn-ea"/>
+                <a:cs typeface="함초롬바탕" panose="02030604000101010101" pitchFamily="18" charset="-127"/>
+              </a:rPr>
+              <a:t>한번 검색 </a:t>
+            </a:r>
+            <a:r>
+              <a:rPr lang="ko-KR" altLang="en-US" sz="1600" spc="-44" dirty="0">
+                <a:solidFill>
+                  <a:prstClr val="black"/>
+                </a:solidFill>
+                <a:latin typeface="+mn-ea"/>
+                <a:cs typeface="함초롬바탕" panose="02030604000101010101" pitchFamily="18" charset="-127"/>
+              </a:rPr>
+              <a:t>후 </a:t>
+            </a:r>
+            <a:r>
+              <a:rPr lang="ko-KR" altLang="en-US" sz="1600" spc="-89" dirty="0">
+                <a:solidFill>
+                  <a:prstClr val="black"/>
+                </a:solidFill>
+                <a:latin typeface="+mn-ea"/>
+                <a:cs typeface="함초롬바탕" panose="02030604000101010101" pitchFamily="18" charset="-127"/>
+              </a:rPr>
+              <a:t>위로 </a:t>
+            </a:r>
+            <a:r>
+              <a:rPr lang="ko-KR" altLang="en-US" sz="1600" spc="-103" dirty="0">
+                <a:solidFill>
+                  <a:prstClr val="black"/>
+                </a:solidFill>
+                <a:latin typeface="+mn-ea"/>
+                <a:cs typeface="함초롬바탕" panose="02030604000101010101" pitchFamily="18" charset="-127"/>
+              </a:rPr>
+              <a:t>동일한 </a:t>
+            </a:r>
+            <a:r>
+              <a:rPr lang="ko-KR" altLang="en-US" sz="1600" spc="-108" dirty="0" err="1">
+                <a:solidFill>
+                  <a:prstClr val="black"/>
+                </a:solidFill>
+                <a:latin typeface="+mn-ea"/>
+                <a:cs typeface="함초롬바탕" panose="02030604000101010101" pitchFamily="18" charset="-127"/>
+              </a:rPr>
+              <a:t>검색어를</a:t>
+            </a:r>
+            <a:r>
+              <a:rPr lang="ko-KR" altLang="en-US" sz="1600" spc="-108" dirty="0">
+                <a:solidFill>
+                  <a:prstClr val="black"/>
+                </a:solidFill>
+                <a:latin typeface="+mn-ea"/>
+                <a:cs typeface="함초롬바탕" panose="02030604000101010101" pitchFamily="18" charset="-127"/>
+              </a:rPr>
+              <a:t> </a:t>
+            </a:r>
+            <a:r>
+              <a:rPr lang="ko-KR" altLang="en-US" sz="1600" spc="-89" dirty="0">
+                <a:solidFill>
+                  <a:prstClr val="black"/>
+                </a:solidFill>
+                <a:latin typeface="+mn-ea"/>
+                <a:cs typeface="함초롬바탕" panose="02030604000101010101" pitchFamily="18" charset="-127"/>
+              </a:rPr>
+              <a:t>다시</a:t>
+            </a:r>
+            <a:r>
+              <a:rPr lang="ko-KR" altLang="en-US" sz="1600" spc="-138" dirty="0">
+                <a:solidFill>
+                  <a:prstClr val="black"/>
+                </a:solidFill>
+                <a:latin typeface="+mn-ea"/>
+                <a:cs typeface="함초롬바탕" panose="02030604000101010101" pitchFamily="18" charset="-127"/>
+              </a:rPr>
+              <a:t> </a:t>
+            </a:r>
+            <a:r>
+              <a:rPr lang="ko-KR" altLang="en-US" sz="1600" spc="-89" dirty="0">
+                <a:solidFill>
+                  <a:prstClr val="black"/>
+                </a:solidFill>
+                <a:latin typeface="+mn-ea"/>
+                <a:cs typeface="함초롬바탕" panose="02030604000101010101" pitchFamily="18" charset="-127"/>
+              </a:rPr>
+              <a:t>찾음</a:t>
+            </a:r>
+            <a:endParaRPr lang="ko-KR" altLang="en-US" sz="1600" dirty="0">
+              <a:solidFill>
+                <a:prstClr val="black"/>
+              </a:solidFill>
+              <a:latin typeface="+mn-ea"/>
+              <a:cs typeface="함초롬바탕" panose="02030604000101010101" pitchFamily="18" charset="-127"/>
+            </a:endParaRPr>
+          </a:p>
+          <a:p>
+            <a:pPr marL="144279" defTabSz="899404" eaLnBrk="1" fontAlgn="auto" latinLnBrk="1" hangingPunct="1">
+              <a:spcBef>
+                <a:spcPts val="679"/>
+              </a:spcBef>
+              <a:spcAft>
+                <a:spcPts val="0"/>
+              </a:spcAft>
+              <a:buClrTx/>
+            </a:pPr>
+            <a:endParaRPr sz="1600" b="0" dirty="0">
+              <a:solidFill>
+                <a:prstClr val="black"/>
+              </a:solidFill>
+              <a:latin typeface="+mn-ea"/>
+              <a:cs typeface="함초롬바탕" panose="02030604000101010101" pitchFamily="18" charset="-127"/>
+            </a:endParaRPr>
+          </a:p>
+        </p:txBody>
+      </p:sp>
+      <p:sp>
+        <p:nvSpPr>
+          <p:cNvPr id="3" name="object 2"/>
+          <p:cNvSpPr txBox="1"/>
+          <p:nvPr/>
+        </p:nvSpPr>
+        <p:spPr>
+          <a:xfrm>
+            <a:off x="6565692" y="512223"/>
+            <a:ext cx="4946754" cy="6345777"/>
+          </a:xfrm>
+          <a:prstGeom prst="rect">
+            <a:avLst/>
+          </a:prstGeom>
+        </p:spPr>
+        <p:txBody>
+          <a:bodyPr vert="horz" wrap="square" lIns="0" tIns="79948" rIns="0" bIns="0" rtlCol="0">
+            <a:spAutoFit/>
+          </a:bodyPr>
+          <a:lstStyle/>
+          <a:p>
+            <a:pPr marL="298242" indent="-285750" defTabSz="899404" eaLnBrk="1" fontAlgn="auto" latinLnBrk="1" hangingPunct="1">
+              <a:spcBef>
+                <a:spcPts val="630"/>
+              </a:spcBef>
+              <a:spcAft>
+                <a:spcPts val="0"/>
+              </a:spcAft>
+              <a:buClrTx/>
+              <a:buFont typeface="Arial" panose="020B0604020202020204" pitchFamily="34" charset="0"/>
+              <a:buChar char="•"/>
+            </a:pPr>
+            <a:r>
+              <a:rPr sz="1600" b="1" spc="54" dirty="0" err="1" smtClean="0">
+                <a:solidFill>
+                  <a:prstClr val="black"/>
+                </a:solidFill>
+                <a:latin typeface="+mn-ea"/>
+                <a:cs typeface="나눔명조"/>
+              </a:rPr>
+              <a:t>문자열</a:t>
+            </a:r>
+            <a:r>
+              <a:rPr sz="1600" b="1" spc="305" dirty="0" smtClean="0">
+                <a:solidFill>
+                  <a:prstClr val="black"/>
+                </a:solidFill>
+                <a:latin typeface="+mn-ea"/>
+                <a:cs typeface="나눔명조"/>
+              </a:rPr>
+              <a:t> </a:t>
+            </a:r>
+            <a:r>
+              <a:rPr sz="1600" b="1" spc="54" dirty="0" err="1" smtClean="0">
+                <a:solidFill>
+                  <a:prstClr val="black"/>
+                </a:solidFill>
+                <a:latin typeface="+mn-ea"/>
+                <a:cs typeface="나눔명조"/>
+              </a:rPr>
+              <a:t>변경</a:t>
+            </a:r>
+            <a:endParaRPr lang="en-US" sz="1600" b="1" spc="54" dirty="0" smtClean="0">
+              <a:solidFill>
+                <a:prstClr val="black"/>
+              </a:solidFill>
+              <a:latin typeface="+mn-ea"/>
+              <a:cs typeface="나눔명조"/>
+            </a:endParaRPr>
+          </a:p>
+          <a:p>
+            <a:pPr marL="298242" indent="-285750" defTabSz="899404" eaLnBrk="1" fontAlgn="auto" latinLnBrk="1" hangingPunct="1">
+              <a:spcBef>
+                <a:spcPts val="630"/>
+              </a:spcBef>
+              <a:spcAft>
+                <a:spcPts val="0"/>
+              </a:spcAft>
+              <a:buClrTx/>
+              <a:buFont typeface="Arial" panose="020B0604020202020204" pitchFamily="34" charset="0"/>
+              <a:buChar char="•"/>
+            </a:pPr>
+            <a:endParaRPr sz="1600" b="1" dirty="0">
+              <a:solidFill>
+                <a:prstClr val="black"/>
+              </a:solidFill>
+              <a:latin typeface="+mn-ea"/>
+              <a:cs typeface="나눔명조"/>
+            </a:endParaRPr>
+          </a:p>
+          <a:p>
+            <a:pPr marL="12492" marR="4997" indent="131788" defTabSz="899404" eaLnBrk="1" fontAlgn="auto" latinLnBrk="1" hangingPunct="1">
+              <a:lnSpc>
+                <a:spcPct val="126699"/>
+              </a:lnSpc>
+              <a:spcBef>
+                <a:spcPts val="74"/>
+              </a:spcBef>
+              <a:spcAft>
+                <a:spcPts val="0"/>
+              </a:spcAft>
+              <a:buClrTx/>
+            </a:pPr>
+            <a:r>
+              <a:rPr sz="1600" b="0" spc="-103" dirty="0">
+                <a:solidFill>
+                  <a:prstClr val="black"/>
+                </a:solidFill>
+                <a:latin typeface="+mn-ea"/>
+                <a:cs typeface="함초롬바탕" panose="02030604000101010101" pitchFamily="18" charset="-127"/>
+              </a:rPr>
+              <a:t>파일의 </a:t>
+            </a:r>
+            <a:r>
+              <a:rPr sz="1600" b="0" spc="-89" dirty="0">
+                <a:solidFill>
+                  <a:prstClr val="black"/>
+                </a:solidFill>
+                <a:latin typeface="+mn-ea"/>
+                <a:cs typeface="함초롬바탕" panose="02030604000101010101" pitchFamily="18" charset="-127"/>
+              </a:rPr>
+              <a:t>내용 </a:t>
+            </a:r>
+            <a:r>
+              <a:rPr sz="1600" b="0" spc="-44" dirty="0">
+                <a:solidFill>
+                  <a:prstClr val="black"/>
+                </a:solidFill>
+                <a:latin typeface="+mn-ea"/>
+                <a:cs typeface="함초롬바탕" panose="02030604000101010101" pitchFamily="18" charset="-127"/>
+              </a:rPr>
+              <a:t>중 </a:t>
+            </a:r>
+            <a:r>
+              <a:rPr sz="1600" b="0" spc="-103" dirty="0">
+                <a:solidFill>
+                  <a:prstClr val="black"/>
+                </a:solidFill>
+                <a:latin typeface="+mn-ea"/>
+                <a:cs typeface="함초롬바탕" panose="02030604000101010101" pitchFamily="18" charset="-127"/>
+              </a:rPr>
+              <a:t>단어를 </a:t>
+            </a:r>
+            <a:r>
+              <a:rPr sz="1600" b="0" spc="-112" dirty="0">
+                <a:solidFill>
+                  <a:prstClr val="black"/>
+                </a:solidFill>
+                <a:latin typeface="+mn-ea"/>
+                <a:cs typeface="함초롬바탕" panose="02030604000101010101" pitchFamily="18" charset="-127"/>
+              </a:rPr>
+              <a:t>변경하여야 </a:t>
+            </a:r>
+            <a:r>
+              <a:rPr sz="1600" b="0" spc="-89" dirty="0">
+                <a:solidFill>
+                  <a:prstClr val="black"/>
+                </a:solidFill>
+                <a:latin typeface="+mn-ea"/>
+                <a:cs typeface="함초롬바탕" panose="02030604000101010101" pitchFamily="18" charset="-127"/>
+              </a:rPr>
+              <a:t>하는 </a:t>
+            </a:r>
+            <a:r>
+              <a:rPr sz="1600" b="0" spc="-103" dirty="0" err="1">
+                <a:solidFill>
+                  <a:prstClr val="black"/>
+                </a:solidFill>
+                <a:latin typeface="+mn-ea"/>
+                <a:cs typeface="함초롬바탕" panose="02030604000101010101" pitchFamily="18" charset="-127"/>
+              </a:rPr>
+              <a:t>경우가</a:t>
+            </a:r>
+            <a:r>
+              <a:rPr sz="1600" b="0" spc="-103" dirty="0">
+                <a:solidFill>
+                  <a:prstClr val="black"/>
+                </a:solidFill>
+                <a:latin typeface="+mn-ea"/>
+                <a:cs typeface="함초롬바탕" panose="02030604000101010101" pitchFamily="18" charset="-127"/>
+              </a:rPr>
+              <a:t> </a:t>
+            </a:r>
+            <a:r>
+              <a:rPr lang="en-US" sz="1600" b="0" spc="-103" dirty="0" smtClean="0">
+                <a:solidFill>
+                  <a:prstClr val="black"/>
+                </a:solidFill>
+                <a:latin typeface="+mn-ea"/>
+                <a:cs typeface="함초롬바탕" panose="02030604000101010101" pitchFamily="18" charset="-127"/>
+              </a:rPr>
+              <a:t>  </a:t>
+            </a:r>
+          </a:p>
+          <a:p>
+            <a:pPr marL="12492" marR="4997" indent="131788" defTabSz="899404" eaLnBrk="1" fontAlgn="auto" latinLnBrk="1" hangingPunct="1">
+              <a:lnSpc>
+                <a:spcPct val="126699"/>
+              </a:lnSpc>
+              <a:spcBef>
+                <a:spcPts val="74"/>
+              </a:spcBef>
+              <a:spcAft>
+                <a:spcPts val="0"/>
+              </a:spcAft>
+              <a:buClrTx/>
+            </a:pPr>
+            <a:r>
+              <a:rPr sz="1600" b="0" spc="-112" dirty="0" err="1" smtClean="0">
+                <a:solidFill>
+                  <a:prstClr val="black"/>
+                </a:solidFill>
+                <a:latin typeface="+mn-ea"/>
+                <a:cs typeface="함초롬바탕" panose="02030604000101010101" pitchFamily="18" charset="-127"/>
+              </a:rPr>
+              <a:t>많은데</a:t>
+            </a:r>
+            <a:r>
+              <a:rPr sz="1600" b="0" spc="-112" dirty="0">
+                <a:solidFill>
+                  <a:prstClr val="black"/>
+                </a:solidFill>
+                <a:latin typeface="+mn-ea"/>
+                <a:cs typeface="Book Antiqua"/>
+              </a:rPr>
+              <a:t>, </a:t>
+            </a:r>
+            <a:r>
+              <a:rPr sz="1600" b="0" spc="-89" dirty="0">
+                <a:solidFill>
+                  <a:prstClr val="black"/>
+                </a:solidFill>
+                <a:latin typeface="+mn-ea"/>
+                <a:cs typeface="함초롬바탕" panose="02030604000101010101" pitchFamily="18" charset="-127"/>
+              </a:rPr>
+              <a:t>이때 찾을 </a:t>
+            </a:r>
+            <a:r>
+              <a:rPr sz="1600" b="0" spc="-103" dirty="0">
+                <a:solidFill>
+                  <a:prstClr val="black"/>
+                </a:solidFill>
+                <a:latin typeface="+mn-ea"/>
+                <a:cs typeface="함초롬바탕" panose="02030604000101010101" pitchFamily="18" charset="-127"/>
+              </a:rPr>
+              <a:t>문자와 교체할 </a:t>
+            </a:r>
+            <a:r>
+              <a:rPr sz="1600" b="0" spc="-103" dirty="0" err="1">
+                <a:solidFill>
+                  <a:prstClr val="black"/>
+                </a:solidFill>
+                <a:latin typeface="+mn-ea"/>
+                <a:cs typeface="함초롬바탕" panose="02030604000101010101" pitchFamily="18" charset="-127"/>
+              </a:rPr>
+              <a:t>문자를</a:t>
+            </a:r>
+            <a:r>
+              <a:rPr sz="1600" b="0" spc="-103" dirty="0">
+                <a:solidFill>
+                  <a:prstClr val="black"/>
+                </a:solidFill>
+                <a:latin typeface="+mn-ea"/>
+                <a:cs typeface="함초롬바탕" panose="02030604000101010101" pitchFamily="18" charset="-127"/>
+              </a:rPr>
+              <a:t> </a:t>
+            </a:r>
+            <a:r>
+              <a:rPr sz="1600" b="0" spc="-108" dirty="0" err="1" smtClean="0">
+                <a:solidFill>
+                  <a:prstClr val="black"/>
+                </a:solidFill>
+                <a:latin typeface="+mn-ea"/>
+                <a:cs typeface="함초롬바탕" panose="02030604000101010101" pitchFamily="18" charset="-127"/>
+              </a:rPr>
+              <a:t>지정하</a:t>
+            </a:r>
+            <a:endParaRPr lang="en-US" sz="1600" b="0" spc="-108" dirty="0" smtClean="0">
+              <a:solidFill>
+                <a:prstClr val="black"/>
+              </a:solidFill>
+              <a:latin typeface="+mn-ea"/>
+              <a:cs typeface="함초롬바탕" panose="02030604000101010101" pitchFamily="18" charset="-127"/>
+            </a:endParaRPr>
+          </a:p>
+          <a:p>
+            <a:pPr marL="12492" marR="4997" indent="131788" defTabSz="899404" eaLnBrk="1" fontAlgn="auto" latinLnBrk="1" hangingPunct="1">
+              <a:lnSpc>
+                <a:spcPct val="126699"/>
+              </a:lnSpc>
+              <a:spcBef>
+                <a:spcPts val="74"/>
+              </a:spcBef>
+              <a:spcAft>
+                <a:spcPts val="0"/>
+              </a:spcAft>
+              <a:buClrTx/>
+            </a:pPr>
+            <a:r>
+              <a:rPr sz="1600" b="0" spc="-108" dirty="0" smtClean="0">
+                <a:solidFill>
+                  <a:prstClr val="black"/>
+                </a:solidFill>
+                <a:latin typeface="+mn-ea"/>
+                <a:cs typeface="함초롬바탕" panose="02030604000101010101" pitchFamily="18" charset="-127"/>
+              </a:rPr>
+              <a:t>고 </a:t>
+            </a:r>
+            <a:r>
+              <a:rPr sz="1600" b="0" spc="-89" dirty="0">
+                <a:solidFill>
+                  <a:prstClr val="black"/>
+                </a:solidFill>
+                <a:latin typeface="+mn-ea"/>
+                <a:cs typeface="함초롬바탕" panose="02030604000101010101" pitchFamily="18" charset="-127"/>
+              </a:rPr>
+              <a:t>바꿀 </a:t>
+            </a:r>
+            <a:r>
+              <a:rPr sz="1600" b="0" spc="-44" dirty="0">
+                <a:solidFill>
+                  <a:prstClr val="black"/>
+                </a:solidFill>
+                <a:latin typeface="+mn-ea"/>
+                <a:cs typeface="함초롬바탕" panose="02030604000101010101" pitchFamily="18" charset="-127"/>
+              </a:rPr>
+              <a:t>수 </a:t>
+            </a:r>
+            <a:r>
+              <a:rPr sz="1600" b="0" spc="-108" dirty="0">
+                <a:solidFill>
+                  <a:prstClr val="black"/>
+                </a:solidFill>
+                <a:latin typeface="+mn-ea"/>
+                <a:cs typeface="함초롬바탕" panose="02030604000101010101" pitchFamily="18" charset="-127"/>
+              </a:rPr>
+              <a:t>있다</a:t>
+            </a:r>
+            <a:r>
+              <a:rPr sz="1600" b="0" spc="-108" dirty="0">
+                <a:solidFill>
+                  <a:prstClr val="black"/>
+                </a:solidFill>
+                <a:latin typeface="+mn-ea"/>
+                <a:cs typeface="Book Antiqua"/>
+              </a:rPr>
+              <a:t>. </a:t>
+            </a:r>
+            <a:r>
+              <a:rPr sz="1600" b="0" spc="-89" dirty="0">
+                <a:solidFill>
+                  <a:prstClr val="black"/>
+                </a:solidFill>
+                <a:latin typeface="+mn-ea"/>
+                <a:cs typeface="함초롬바탕" panose="02030604000101010101" pitchFamily="18" charset="-127"/>
+              </a:rPr>
+              <a:t>이때 유용  </a:t>
+            </a:r>
+            <a:r>
+              <a:rPr sz="1600" b="0" spc="-44" dirty="0">
+                <a:solidFill>
+                  <a:prstClr val="black"/>
+                </a:solidFill>
+                <a:latin typeface="+mn-ea"/>
+                <a:cs typeface="함초롬바탕" panose="02030604000101010101" pitchFamily="18" charset="-127"/>
+              </a:rPr>
+              <a:t>한 </a:t>
+            </a:r>
+            <a:r>
+              <a:rPr sz="1600" b="0" spc="-108" dirty="0">
+                <a:solidFill>
+                  <a:prstClr val="black"/>
+                </a:solidFill>
+                <a:latin typeface="+mn-ea"/>
+                <a:cs typeface="함초롬바탕" panose="02030604000101010101" pitchFamily="18" charset="-127"/>
+              </a:rPr>
+              <a:t>명령어를</a:t>
+            </a:r>
+            <a:r>
+              <a:rPr sz="1600" b="0" spc="-39" dirty="0">
+                <a:solidFill>
+                  <a:prstClr val="black"/>
+                </a:solidFill>
+                <a:latin typeface="+mn-ea"/>
+                <a:cs typeface="함초롬바탕" panose="02030604000101010101" pitchFamily="18" charset="-127"/>
+              </a:rPr>
+              <a:t> </a:t>
+            </a:r>
+            <a:r>
+              <a:rPr sz="1600" b="0" spc="-118" dirty="0" err="1">
+                <a:solidFill>
+                  <a:prstClr val="black"/>
+                </a:solidFill>
+                <a:latin typeface="+mn-ea"/>
+                <a:cs typeface="함초롬바탕" panose="02030604000101010101" pitchFamily="18" charset="-127"/>
+              </a:rPr>
+              <a:t>알아본다</a:t>
+            </a:r>
+            <a:r>
+              <a:rPr sz="1600" b="0" spc="-118" dirty="0" smtClean="0">
+                <a:solidFill>
+                  <a:prstClr val="black"/>
+                </a:solidFill>
+                <a:latin typeface="+mn-ea"/>
+                <a:cs typeface="Book Antiqua"/>
+              </a:rPr>
+              <a:t>.</a:t>
+            </a:r>
+            <a:endParaRPr lang="en-US" sz="1600" b="0" spc="-118" dirty="0" smtClean="0">
+              <a:solidFill>
+                <a:prstClr val="black"/>
+              </a:solidFill>
+              <a:latin typeface="+mn-ea"/>
+              <a:cs typeface="Book Antiqua"/>
+            </a:endParaRPr>
+          </a:p>
+          <a:p>
+            <a:pPr marL="12492" marR="4997" indent="131788" defTabSz="899404" eaLnBrk="1" fontAlgn="auto" latinLnBrk="1" hangingPunct="1">
+              <a:lnSpc>
+                <a:spcPct val="126699"/>
+              </a:lnSpc>
+              <a:spcBef>
+                <a:spcPts val="74"/>
+              </a:spcBef>
+              <a:spcAft>
+                <a:spcPts val="0"/>
+              </a:spcAft>
+              <a:buClrTx/>
+            </a:pPr>
+            <a:endParaRPr sz="1600" b="0" dirty="0">
+              <a:solidFill>
+                <a:prstClr val="black"/>
+              </a:solidFill>
+              <a:latin typeface="+mn-ea"/>
+              <a:cs typeface="Book Antiqua"/>
+            </a:endParaRPr>
+          </a:p>
+          <a:p>
+            <a:pPr marL="144279" defTabSz="899404" eaLnBrk="1" fontAlgn="auto" latinLnBrk="1" hangingPunct="1">
+              <a:spcBef>
+                <a:spcPts val="693"/>
+              </a:spcBef>
+              <a:spcAft>
+                <a:spcPts val="0"/>
+              </a:spcAft>
+              <a:buClrTx/>
+            </a:pPr>
+            <a:r>
+              <a:rPr sz="1600" b="1" spc="-250" dirty="0">
+                <a:solidFill>
+                  <a:prstClr val="black"/>
+                </a:solidFill>
+                <a:latin typeface="+mn-ea"/>
+                <a:cs typeface="SimSun"/>
+              </a:rPr>
+              <a:t>① </a:t>
+            </a:r>
+            <a:r>
+              <a:rPr sz="1600" b="1" spc="-103" dirty="0">
+                <a:solidFill>
+                  <a:prstClr val="black"/>
+                </a:solidFill>
+                <a:latin typeface="+mn-ea"/>
+                <a:cs typeface="함초롬바탕" panose="02030604000101010101" pitchFamily="18" charset="-127"/>
+              </a:rPr>
+              <a:t>하나의 문자열</a:t>
+            </a:r>
+            <a:r>
+              <a:rPr sz="1600" b="1" spc="25" dirty="0">
+                <a:solidFill>
+                  <a:prstClr val="black"/>
+                </a:solidFill>
+                <a:latin typeface="+mn-ea"/>
+                <a:cs typeface="함초롬바탕" panose="02030604000101010101" pitchFamily="18" charset="-127"/>
+              </a:rPr>
+              <a:t> </a:t>
+            </a:r>
+            <a:r>
+              <a:rPr sz="1600" b="1" spc="-89" dirty="0">
+                <a:solidFill>
+                  <a:prstClr val="black"/>
+                </a:solidFill>
+                <a:latin typeface="+mn-ea"/>
+                <a:cs typeface="함초롬바탕" panose="02030604000101010101" pitchFamily="18" charset="-127"/>
+              </a:rPr>
+              <a:t>변경</a:t>
+            </a:r>
+            <a:endParaRPr sz="1600" b="1" dirty="0">
+              <a:solidFill>
+                <a:prstClr val="black"/>
+              </a:solidFill>
+              <a:latin typeface="+mn-ea"/>
+              <a:cs typeface="함초롬바탕" panose="02030604000101010101" pitchFamily="18" charset="-127"/>
+            </a:endParaRPr>
+          </a:p>
+          <a:p>
+            <a:pPr marL="144279" defTabSz="899404" eaLnBrk="1" fontAlgn="auto" latinLnBrk="1" hangingPunct="1">
+              <a:spcBef>
+                <a:spcPts val="679"/>
+              </a:spcBef>
+              <a:spcAft>
+                <a:spcPts val="0"/>
+              </a:spcAft>
+              <a:buClrTx/>
+            </a:pPr>
+            <a:r>
+              <a:rPr sz="1600" b="0" spc="639" dirty="0">
+                <a:solidFill>
+                  <a:prstClr val="black"/>
+                </a:solidFill>
+                <a:latin typeface="+mn-ea"/>
+                <a:cs typeface="Tahoma"/>
+              </a:rPr>
+              <a:t>∙</a:t>
+            </a:r>
+            <a:r>
+              <a:rPr sz="1600" b="0" spc="133" dirty="0">
+                <a:solidFill>
+                  <a:prstClr val="black"/>
+                </a:solidFill>
+                <a:latin typeface="+mn-ea"/>
+                <a:cs typeface="Tahoma"/>
+              </a:rPr>
+              <a:t> </a:t>
+            </a:r>
+            <a:r>
+              <a:rPr sz="1600" b="0" spc="-103" dirty="0">
+                <a:solidFill>
+                  <a:prstClr val="black"/>
+                </a:solidFill>
+                <a:latin typeface="+mn-ea"/>
+                <a:cs typeface="함초롬바탕" panose="02030604000101010101" pitchFamily="18" charset="-127"/>
+              </a:rPr>
+              <a:t>마지막 </a:t>
+            </a:r>
+            <a:r>
+              <a:rPr sz="1600" b="0" spc="-44" dirty="0">
+                <a:solidFill>
+                  <a:prstClr val="black"/>
+                </a:solidFill>
+                <a:latin typeface="+mn-ea"/>
+                <a:cs typeface="함초롬바탕" panose="02030604000101010101" pitchFamily="18" charset="-127"/>
+              </a:rPr>
+              <a:t>행 </a:t>
+            </a:r>
+            <a:r>
+              <a:rPr sz="1600" b="0" spc="-118" dirty="0">
+                <a:solidFill>
+                  <a:prstClr val="black"/>
+                </a:solidFill>
+                <a:latin typeface="+mn-ea"/>
+                <a:cs typeface="함초롬바탕" panose="02030604000101010101" pitchFamily="18" charset="-127"/>
+              </a:rPr>
+              <a:t>명령모드에서 </a:t>
+            </a:r>
+            <a:r>
+              <a:rPr sz="1600" b="0" spc="-89" dirty="0">
+                <a:solidFill>
+                  <a:prstClr val="black"/>
+                </a:solidFill>
+                <a:latin typeface="+mn-ea"/>
+                <a:cs typeface="함초롬바탕" panose="02030604000101010101" pitchFamily="18" charset="-127"/>
+              </a:rPr>
+              <a:t>실행</a:t>
+            </a:r>
+            <a:endParaRPr sz="1600" b="0" dirty="0">
+              <a:solidFill>
+                <a:prstClr val="black"/>
+              </a:solidFill>
+              <a:latin typeface="+mn-ea"/>
+              <a:cs typeface="함초롬바탕" panose="02030604000101010101" pitchFamily="18" charset="-127"/>
+            </a:endParaRPr>
+          </a:p>
+          <a:p>
+            <a:pPr marL="144279" defTabSz="899404" eaLnBrk="1" fontAlgn="auto" latinLnBrk="1" hangingPunct="1">
+              <a:spcBef>
+                <a:spcPts val="693"/>
+              </a:spcBef>
+              <a:spcAft>
+                <a:spcPts val="0"/>
+              </a:spcAft>
+              <a:buClrTx/>
+            </a:pPr>
+            <a:r>
+              <a:rPr sz="1600" b="0" spc="639" dirty="0">
+                <a:solidFill>
+                  <a:prstClr val="black"/>
+                </a:solidFill>
+                <a:latin typeface="+mn-ea"/>
+                <a:cs typeface="Tahoma"/>
+              </a:rPr>
+              <a:t>∙</a:t>
+            </a:r>
+            <a:r>
+              <a:rPr sz="1600" b="0" spc="221" dirty="0">
+                <a:solidFill>
+                  <a:prstClr val="black"/>
+                </a:solidFill>
+                <a:latin typeface="+mn-ea"/>
+                <a:cs typeface="Tahoma"/>
+              </a:rPr>
+              <a:t> </a:t>
+            </a:r>
+            <a:r>
+              <a:rPr sz="1600" b="0" spc="-123" dirty="0">
+                <a:solidFill>
+                  <a:prstClr val="black"/>
+                </a:solidFill>
+                <a:latin typeface="+mn-ea"/>
+                <a:cs typeface="Book Antiqua"/>
+              </a:rPr>
+              <a:t>:s/</a:t>
+            </a:r>
+            <a:r>
+              <a:rPr sz="1600" b="0" spc="-123" dirty="0">
+                <a:solidFill>
+                  <a:prstClr val="black"/>
+                </a:solidFill>
+                <a:latin typeface="+mn-ea"/>
+                <a:cs typeface="함초롬바탕" panose="02030604000101010101" pitchFamily="18" charset="-127"/>
+              </a:rPr>
+              <a:t>찾을 </a:t>
+            </a:r>
+            <a:r>
+              <a:rPr sz="1600" b="0" spc="-128" dirty="0">
+                <a:solidFill>
+                  <a:prstClr val="black"/>
+                </a:solidFill>
+                <a:latin typeface="+mn-ea"/>
+                <a:cs typeface="함초롬바탕" panose="02030604000101010101" pitchFamily="18" charset="-127"/>
+              </a:rPr>
+              <a:t>문자열</a:t>
+            </a:r>
+            <a:r>
+              <a:rPr sz="1600" b="0" spc="-128" dirty="0">
+                <a:solidFill>
+                  <a:prstClr val="black"/>
+                </a:solidFill>
+                <a:latin typeface="+mn-ea"/>
+                <a:cs typeface="Book Antiqua"/>
+              </a:rPr>
+              <a:t>/</a:t>
+            </a:r>
+            <a:r>
+              <a:rPr sz="1600" b="0" spc="-128" dirty="0">
+                <a:solidFill>
+                  <a:prstClr val="black"/>
+                </a:solidFill>
+                <a:latin typeface="+mn-ea"/>
+                <a:cs typeface="함초롬바탕" panose="02030604000101010101" pitchFamily="18" charset="-127"/>
+              </a:rPr>
+              <a:t>변경할 </a:t>
+            </a:r>
+            <a:r>
+              <a:rPr sz="1600" b="0" spc="-138" dirty="0">
+                <a:solidFill>
+                  <a:prstClr val="black"/>
+                </a:solidFill>
+                <a:latin typeface="+mn-ea"/>
+                <a:cs typeface="함초롬바탕" panose="02030604000101010101" pitchFamily="18" charset="-127"/>
+              </a:rPr>
+              <a:t>문자열</a:t>
+            </a:r>
+            <a:r>
+              <a:rPr sz="1600" b="0" spc="-138" dirty="0">
+                <a:solidFill>
+                  <a:prstClr val="black"/>
+                </a:solidFill>
+                <a:latin typeface="+mn-ea"/>
+                <a:cs typeface="Book Antiqua"/>
+              </a:rPr>
+              <a:t>/ </a:t>
+            </a:r>
+            <a:r>
+              <a:rPr sz="1600" b="0" spc="-44" dirty="0">
+                <a:solidFill>
+                  <a:prstClr val="black"/>
+                </a:solidFill>
+                <a:latin typeface="+mn-ea"/>
+                <a:cs typeface="함초롬바탕" panose="02030604000101010101" pitchFamily="18" charset="-127"/>
+              </a:rPr>
+              <a:t>로 </a:t>
+            </a:r>
+            <a:r>
+              <a:rPr sz="1600" b="0" spc="-89" dirty="0">
+                <a:solidFill>
+                  <a:prstClr val="black"/>
+                </a:solidFill>
+                <a:latin typeface="+mn-ea"/>
+                <a:cs typeface="함초롬바탕" panose="02030604000101010101" pitchFamily="18" charset="-127"/>
+              </a:rPr>
+              <a:t>명령</a:t>
+            </a:r>
+            <a:endParaRPr sz="1600" b="0" dirty="0">
+              <a:solidFill>
+                <a:prstClr val="black"/>
+              </a:solidFill>
+              <a:latin typeface="+mn-ea"/>
+              <a:cs typeface="함초롬바탕" panose="02030604000101010101" pitchFamily="18" charset="-127"/>
+            </a:endParaRPr>
+          </a:p>
+          <a:p>
+            <a:pPr marL="144279" defTabSz="899404" eaLnBrk="1" fontAlgn="auto" latinLnBrk="1" hangingPunct="1">
+              <a:spcBef>
+                <a:spcPts val="693"/>
+              </a:spcBef>
+              <a:spcAft>
+                <a:spcPts val="0"/>
+              </a:spcAft>
+              <a:buClrTx/>
+            </a:pPr>
+            <a:r>
+              <a:rPr sz="1600" b="0" spc="64" dirty="0">
+                <a:solidFill>
+                  <a:prstClr val="black"/>
+                </a:solidFill>
+                <a:latin typeface="+mn-ea"/>
+                <a:cs typeface="Tahoma"/>
+              </a:rPr>
+              <a:t>∙</a:t>
+            </a:r>
+            <a:r>
+              <a:rPr sz="1600" b="0" spc="64" dirty="0">
+                <a:solidFill>
+                  <a:prstClr val="black"/>
+                </a:solidFill>
+                <a:latin typeface="+mn-ea"/>
+                <a:cs typeface="함초롬바탕" panose="02030604000101010101" pitchFamily="18" charset="-127"/>
+              </a:rPr>
+              <a:t>정확한 </a:t>
+            </a:r>
+            <a:r>
+              <a:rPr sz="1600" b="0" spc="-103" dirty="0">
+                <a:solidFill>
+                  <a:prstClr val="black"/>
+                </a:solidFill>
+                <a:latin typeface="+mn-ea"/>
+                <a:cs typeface="함초롬바탕" panose="02030604000101010101" pitchFamily="18" charset="-127"/>
+              </a:rPr>
+              <a:t>표현은 </a:t>
+            </a:r>
+            <a:r>
+              <a:rPr sz="1600" b="0" spc="-123" dirty="0">
+                <a:solidFill>
+                  <a:prstClr val="black"/>
+                </a:solidFill>
+                <a:latin typeface="+mn-ea"/>
+                <a:cs typeface="Book Antiqua"/>
+              </a:rPr>
+              <a:t>:s/</a:t>
+            </a:r>
+            <a:r>
+              <a:rPr sz="1600" b="0" spc="-123" dirty="0">
+                <a:solidFill>
+                  <a:prstClr val="black"/>
+                </a:solidFill>
+                <a:latin typeface="+mn-ea"/>
+                <a:cs typeface="함초롬바탕" panose="02030604000101010101" pitchFamily="18" charset="-127"/>
+              </a:rPr>
+              <a:t>찾을 </a:t>
+            </a:r>
+            <a:r>
+              <a:rPr sz="1600" b="0" spc="-128" dirty="0">
+                <a:solidFill>
+                  <a:prstClr val="black"/>
+                </a:solidFill>
+                <a:latin typeface="+mn-ea"/>
+                <a:cs typeface="함초롬바탕" panose="02030604000101010101" pitchFamily="18" charset="-127"/>
+              </a:rPr>
+              <a:t>문자열</a:t>
+            </a:r>
+            <a:r>
+              <a:rPr sz="1600" b="0" spc="-128" dirty="0">
+                <a:solidFill>
+                  <a:prstClr val="black"/>
+                </a:solidFill>
+                <a:latin typeface="+mn-ea"/>
+                <a:cs typeface="Book Antiqua"/>
+              </a:rPr>
+              <a:t>/</a:t>
+            </a:r>
+            <a:r>
+              <a:rPr sz="1600" b="0" spc="-128" dirty="0">
+                <a:solidFill>
+                  <a:prstClr val="black"/>
+                </a:solidFill>
+                <a:latin typeface="+mn-ea"/>
+                <a:cs typeface="함초롬바탕" panose="02030604000101010101" pitchFamily="18" charset="-127"/>
+              </a:rPr>
+              <a:t>변경할 </a:t>
+            </a:r>
+            <a:r>
+              <a:rPr sz="1600" b="0" spc="-148" dirty="0">
+                <a:solidFill>
+                  <a:prstClr val="black"/>
+                </a:solidFill>
+                <a:latin typeface="+mn-ea"/>
+                <a:cs typeface="함초롬바탕" panose="02030604000101010101" pitchFamily="18" charset="-127"/>
+              </a:rPr>
+              <a:t>문자열</a:t>
+            </a:r>
+            <a:r>
+              <a:rPr sz="1600" b="0" spc="-148" dirty="0">
+                <a:solidFill>
+                  <a:prstClr val="black"/>
+                </a:solidFill>
+                <a:latin typeface="+mn-ea"/>
+                <a:cs typeface="Book Antiqua"/>
+              </a:rPr>
+              <a:t>/g </a:t>
+            </a:r>
+            <a:r>
+              <a:rPr sz="1600" b="0" spc="-44" dirty="0">
+                <a:solidFill>
+                  <a:prstClr val="black"/>
+                </a:solidFill>
+                <a:latin typeface="+mn-ea"/>
+                <a:cs typeface="함초롬바탕" panose="02030604000101010101" pitchFamily="18" charset="-127"/>
+              </a:rPr>
+              <a:t>로</a:t>
+            </a:r>
+            <a:r>
+              <a:rPr sz="1600" b="0" spc="-15" dirty="0">
+                <a:solidFill>
+                  <a:prstClr val="black"/>
+                </a:solidFill>
+                <a:latin typeface="+mn-ea"/>
+                <a:cs typeface="함초롬바탕" panose="02030604000101010101" pitchFamily="18" charset="-127"/>
+              </a:rPr>
+              <a:t> </a:t>
+            </a:r>
+            <a:r>
+              <a:rPr sz="1600" b="0" spc="-89" dirty="0">
+                <a:solidFill>
+                  <a:prstClr val="black"/>
+                </a:solidFill>
+                <a:latin typeface="+mn-ea"/>
+                <a:cs typeface="함초롬바탕" panose="02030604000101010101" pitchFamily="18" charset="-127"/>
+              </a:rPr>
+              <a:t>명령</a:t>
+            </a:r>
+            <a:endParaRPr sz="1600" b="0" dirty="0">
+              <a:solidFill>
+                <a:prstClr val="black"/>
+              </a:solidFill>
+              <a:latin typeface="+mn-ea"/>
+              <a:cs typeface="함초롬바탕" panose="02030604000101010101" pitchFamily="18" charset="-127"/>
+            </a:endParaRPr>
+          </a:p>
+          <a:p>
+            <a:pPr marL="144279" defTabSz="899404" eaLnBrk="1" fontAlgn="auto" latinLnBrk="1" hangingPunct="1">
+              <a:spcBef>
+                <a:spcPts val="679"/>
+              </a:spcBef>
+              <a:spcAft>
+                <a:spcPts val="0"/>
+              </a:spcAft>
+              <a:buClrTx/>
+            </a:pPr>
+            <a:r>
+              <a:rPr sz="1600" b="0" spc="128" dirty="0">
+                <a:solidFill>
+                  <a:prstClr val="black"/>
+                </a:solidFill>
+                <a:latin typeface="+mn-ea"/>
+                <a:cs typeface="Tahoma"/>
+              </a:rPr>
+              <a:t>∙</a:t>
+            </a:r>
+            <a:r>
+              <a:rPr sz="1600" b="0" spc="128" dirty="0">
+                <a:solidFill>
+                  <a:prstClr val="black"/>
+                </a:solidFill>
+                <a:latin typeface="+mn-ea"/>
+                <a:cs typeface="함초롬바탕" panose="02030604000101010101" pitchFamily="18" charset="-127"/>
+              </a:rPr>
+              <a:t>현재 </a:t>
+            </a:r>
+            <a:r>
+              <a:rPr sz="1600" b="0" spc="-103" dirty="0">
+                <a:solidFill>
+                  <a:prstClr val="black"/>
+                </a:solidFill>
+                <a:latin typeface="+mn-ea"/>
+                <a:cs typeface="함초롬바탕" panose="02030604000101010101" pitchFamily="18" charset="-127"/>
+              </a:rPr>
+              <a:t>커저가 위치한 </a:t>
+            </a:r>
+            <a:r>
+              <a:rPr sz="1600" b="0" spc="-89" dirty="0">
+                <a:solidFill>
+                  <a:prstClr val="black"/>
+                </a:solidFill>
+                <a:latin typeface="+mn-ea"/>
+                <a:cs typeface="함초롬바탕" panose="02030604000101010101" pitchFamily="18" charset="-127"/>
+              </a:rPr>
+              <a:t>행에 </a:t>
+            </a:r>
+            <a:r>
+              <a:rPr sz="1600" b="0" spc="-103" dirty="0">
+                <a:solidFill>
+                  <a:prstClr val="black"/>
+                </a:solidFill>
+                <a:latin typeface="+mn-ea"/>
+                <a:cs typeface="함초롬바탕" panose="02030604000101010101" pitchFamily="18" charset="-127"/>
+              </a:rPr>
+              <a:t>대하여 </a:t>
+            </a:r>
+            <a:r>
+              <a:rPr sz="1600" b="0" spc="-103" dirty="0" err="1">
+                <a:solidFill>
+                  <a:prstClr val="black"/>
+                </a:solidFill>
+                <a:latin typeface="+mn-ea"/>
+                <a:cs typeface="함초롬바탕" panose="02030604000101010101" pitchFamily="18" charset="-127"/>
+              </a:rPr>
+              <a:t>문자열</a:t>
+            </a:r>
+            <a:r>
+              <a:rPr sz="1600" b="0" spc="20" dirty="0">
+                <a:solidFill>
+                  <a:prstClr val="black"/>
+                </a:solidFill>
+                <a:latin typeface="+mn-ea"/>
+                <a:cs typeface="함초롬바탕" panose="02030604000101010101" pitchFamily="18" charset="-127"/>
+              </a:rPr>
+              <a:t> </a:t>
+            </a:r>
+            <a:r>
+              <a:rPr sz="1600" b="0" spc="-89" dirty="0" err="1" smtClean="0">
+                <a:solidFill>
+                  <a:prstClr val="black"/>
+                </a:solidFill>
+                <a:latin typeface="+mn-ea"/>
+                <a:cs typeface="함초롬바탕" panose="02030604000101010101" pitchFamily="18" charset="-127"/>
+              </a:rPr>
+              <a:t>교체</a:t>
+            </a:r>
+            <a:endParaRPr lang="en-US" sz="1600" b="0" spc="-89" dirty="0" smtClean="0">
+              <a:solidFill>
+                <a:prstClr val="black"/>
+              </a:solidFill>
+              <a:latin typeface="+mn-ea"/>
+              <a:cs typeface="함초롬바탕" panose="02030604000101010101" pitchFamily="18" charset="-127"/>
+            </a:endParaRPr>
+          </a:p>
+          <a:p>
+            <a:pPr marL="144279" defTabSz="899404" eaLnBrk="1" fontAlgn="auto" latinLnBrk="1" hangingPunct="1">
+              <a:spcBef>
+                <a:spcPts val="679"/>
+              </a:spcBef>
+              <a:spcAft>
+                <a:spcPts val="0"/>
+              </a:spcAft>
+              <a:buClrTx/>
+            </a:pPr>
+            <a:endParaRPr lang="en-US" sz="1600" b="0" spc="-89" dirty="0" smtClean="0">
+              <a:solidFill>
+                <a:prstClr val="black"/>
+              </a:solidFill>
+              <a:latin typeface="+mn-ea"/>
+              <a:cs typeface="함초롬바탕" panose="02030604000101010101" pitchFamily="18" charset="-127"/>
+            </a:endParaRPr>
+          </a:p>
+          <a:p>
+            <a:pPr marL="12492" defTabSz="899404" latinLnBrk="1">
+              <a:spcBef>
+                <a:spcPts val="772"/>
+              </a:spcBef>
+            </a:pPr>
+            <a:r>
+              <a:rPr lang="ko-KR" altLang="en-US" sz="1600" b="1" spc="-250" dirty="0" smtClean="0">
+                <a:solidFill>
+                  <a:prstClr val="black"/>
+                </a:solidFill>
+                <a:latin typeface="+mn-ea"/>
+                <a:cs typeface="SimSun"/>
+              </a:rPr>
+              <a:t>  ② </a:t>
+            </a:r>
+            <a:r>
+              <a:rPr lang="ko-KR" altLang="en-US" sz="1600" b="1" spc="-89" dirty="0">
+                <a:solidFill>
+                  <a:prstClr val="black"/>
+                </a:solidFill>
+                <a:latin typeface="+mn-ea"/>
+                <a:cs typeface="함초롬바탕" panose="02030604000101010101" pitchFamily="18" charset="-127"/>
+              </a:rPr>
+              <a:t>모든 </a:t>
+            </a:r>
+            <a:r>
+              <a:rPr lang="ko-KR" altLang="en-US" sz="1600" b="1" spc="-103" dirty="0">
+                <a:solidFill>
+                  <a:prstClr val="black"/>
+                </a:solidFill>
+                <a:latin typeface="+mn-ea"/>
+                <a:cs typeface="함초롬바탕" panose="02030604000101010101" pitchFamily="18" charset="-127"/>
+              </a:rPr>
+              <a:t>문자열</a:t>
+            </a:r>
+            <a:r>
+              <a:rPr lang="ko-KR" altLang="en-US" sz="1600" b="1" dirty="0">
+                <a:solidFill>
+                  <a:prstClr val="black"/>
+                </a:solidFill>
+                <a:latin typeface="+mn-ea"/>
+                <a:cs typeface="함초롬바탕" panose="02030604000101010101" pitchFamily="18" charset="-127"/>
+              </a:rPr>
+              <a:t> </a:t>
+            </a:r>
+            <a:r>
+              <a:rPr lang="ko-KR" altLang="en-US" sz="1600" b="1" spc="-89" dirty="0">
+                <a:solidFill>
+                  <a:prstClr val="black"/>
+                </a:solidFill>
+                <a:latin typeface="+mn-ea"/>
+                <a:cs typeface="함초롬바탕" panose="02030604000101010101" pitchFamily="18" charset="-127"/>
+              </a:rPr>
+              <a:t>변경</a:t>
+            </a:r>
+            <a:endParaRPr lang="ko-KR" altLang="en-US" sz="1600" b="1" dirty="0">
+              <a:solidFill>
+                <a:prstClr val="black"/>
+              </a:solidFill>
+              <a:latin typeface="+mn-ea"/>
+              <a:cs typeface="함초롬바탕" panose="02030604000101010101" pitchFamily="18" charset="-127"/>
+            </a:endParaRPr>
+          </a:p>
+          <a:p>
+            <a:pPr marL="12492" defTabSz="899404" latinLnBrk="1">
+              <a:spcBef>
+                <a:spcPts val="684"/>
+              </a:spcBef>
+            </a:pPr>
+            <a:r>
+              <a:rPr lang="ko-KR" altLang="en-US" sz="1600" spc="639" dirty="0" smtClean="0">
+                <a:solidFill>
+                  <a:prstClr val="black"/>
+                </a:solidFill>
+                <a:latin typeface="+mn-ea"/>
+                <a:cs typeface="Tahoma"/>
+              </a:rPr>
+              <a:t> ∙</a:t>
+            </a:r>
+            <a:r>
+              <a:rPr lang="ko-KR" altLang="en-US" sz="1600" spc="89" dirty="0" smtClean="0">
+                <a:solidFill>
+                  <a:prstClr val="black"/>
+                </a:solidFill>
+                <a:latin typeface="+mn-ea"/>
+                <a:cs typeface="Tahoma"/>
+              </a:rPr>
+              <a:t> </a:t>
+            </a:r>
+            <a:r>
+              <a:rPr lang="ko-KR" altLang="en-US" sz="1600" spc="-103" dirty="0">
+                <a:solidFill>
+                  <a:prstClr val="black"/>
+                </a:solidFill>
+                <a:latin typeface="+mn-ea"/>
+                <a:cs typeface="함초롬바탕" panose="02030604000101010101" pitchFamily="18" charset="-127"/>
+              </a:rPr>
+              <a:t>마지막 </a:t>
+            </a:r>
+            <a:r>
+              <a:rPr lang="ko-KR" altLang="en-US" sz="1600" spc="-44" dirty="0">
+                <a:solidFill>
+                  <a:prstClr val="black"/>
+                </a:solidFill>
+                <a:latin typeface="+mn-ea"/>
+                <a:cs typeface="함초롬바탕" panose="02030604000101010101" pitchFamily="18" charset="-127"/>
+              </a:rPr>
+              <a:t>행 </a:t>
+            </a:r>
+            <a:r>
+              <a:rPr lang="ko-KR" altLang="en-US" sz="1600" spc="-118" dirty="0">
+                <a:solidFill>
+                  <a:prstClr val="black"/>
+                </a:solidFill>
+                <a:latin typeface="+mn-ea"/>
+                <a:cs typeface="함초롬바탕" panose="02030604000101010101" pitchFamily="18" charset="-127"/>
+              </a:rPr>
+              <a:t>명령모드에서 </a:t>
+            </a:r>
+            <a:r>
+              <a:rPr lang="ko-KR" altLang="en-US" sz="1600" spc="-89" dirty="0" smtClean="0">
+                <a:solidFill>
+                  <a:prstClr val="black"/>
+                </a:solidFill>
+                <a:latin typeface="+mn-ea"/>
+                <a:cs typeface="함초롬바탕" panose="02030604000101010101" pitchFamily="18" charset="-127"/>
+              </a:rPr>
+              <a:t>실행</a:t>
+            </a:r>
+            <a:endParaRPr lang="en-US" altLang="ko-KR" sz="1600" spc="-89" dirty="0" smtClean="0">
+              <a:solidFill>
+                <a:prstClr val="black"/>
+              </a:solidFill>
+              <a:latin typeface="+mn-ea"/>
+              <a:cs typeface="함초롬바탕" panose="02030604000101010101" pitchFamily="18" charset="-127"/>
+            </a:endParaRPr>
+          </a:p>
+          <a:p>
+            <a:pPr marL="12492" defTabSz="899404" latinLnBrk="1">
+              <a:spcBef>
+                <a:spcPts val="787"/>
+              </a:spcBef>
+            </a:pPr>
+            <a:r>
+              <a:rPr lang="ko-KR" altLang="en-US" sz="1600" spc="639" dirty="0" smtClean="0">
+                <a:solidFill>
+                  <a:prstClr val="black"/>
+                </a:solidFill>
+                <a:latin typeface="+mn-ea"/>
+                <a:cs typeface="Tahoma"/>
+              </a:rPr>
+              <a:t> ∙</a:t>
+            </a:r>
+            <a:r>
+              <a:rPr lang="en-US" altLang="ko-KR" sz="1600" spc="-123" dirty="0" smtClean="0">
+                <a:solidFill>
+                  <a:prstClr val="black"/>
+                </a:solidFill>
+                <a:latin typeface="+mn-ea"/>
+                <a:cs typeface="Book Antiqua"/>
+              </a:rPr>
+              <a:t>:</a:t>
+            </a:r>
+            <a:r>
+              <a:rPr lang="en-US" altLang="ko-KR" sz="1600" spc="-123" dirty="0">
+                <a:solidFill>
+                  <a:prstClr val="black"/>
+                </a:solidFill>
+                <a:latin typeface="+mn-ea"/>
+                <a:cs typeface="Book Antiqua"/>
+              </a:rPr>
+              <a:t>1,$ </a:t>
+            </a:r>
+            <a:r>
+              <a:rPr lang="en-US" altLang="ko-KR" sz="1600" spc="-133" dirty="0">
+                <a:solidFill>
+                  <a:prstClr val="black"/>
+                </a:solidFill>
+                <a:latin typeface="+mn-ea"/>
+                <a:cs typeface="Book Antiqua"/>
+              </a:rPr>
+              <a:t>s/</a:t>
+            </a:r>
+            <a:r>
+              <a:rPr lang="ko-KR" altLang="en-US" sz="1600" spc="-133" dirty="0">
+                <a:solidFill>
+                  <a:prstClr val="black"/>
+                </a:solidFill>
+                <a:latin typeface="+mn-ea"/>
+                <a:cs typeface="함초롬바탕" panose="02030604000101010101" pitchFamily="18" charset="-127"/>
+              </a:rPr>
+              <a:t>찾을 </a:t>
+            </a:r>
+            <a:r>
+              <a:rPr lang="ko-KR" altLang="en-US" sz="1600" spc="-128" dirty="0">
+                <a:solidFill>
+                  <a:prstClr val="black"/>
+                </a:solidFill>
+                <a:latin typeface="+mn-ea"/>
+                <a:cs typeface="함초롬바탕" panose="02030604000101010101" pitchFamily="18" charset="-127"/>
+              </a:rPr>
+              <a:t>문자열</a:t>
+            </a:r>
+            <a:r>
+              <a:rPr lang="en-US" altLang="ko-KR" sz="1600" spc="-128" dirty="0">
+                <a:solidFill>
+                  <a:prstClr val="black"/>
+                </a:solidFill>
+                <a:latin typeface="+mn-ea"/>
+                <a:cs typeface="Book Antiqua"/>
+              </a:rPr>
+              <a:t>/</a:t>
+            </a:r>
+            <a:r>
+              <a:rPr lang="ko-KR" altLang="en-US" sz="1600" spc="-128" dirty="0">
+                <a:solidFill>
+                  <a:prstClr val="black"/>
+                </a:solidFill>
+                <a:latin typeface="+mn-ea"/>
+                <a:cs typeface="함초롬바탕" panose="02030604000101010101" pitchFamily="18" charset="-127"/>
+              </a:rPr>
+              <a:t>변경할 </a:t>
+            </a:r>
+            <a:r>
+              <a:rPr lang="ko-KR" altLang="en-US" sz="1600" spc="-148" dirty="0">
+                <a:solidFill>
+                  <a:prstClr val="black"/>
+                </a:solidFill>
+                <a:latin typeface="+mn-ea"/>
+                <a:cs typeface="함초롬바탕" panose="02030604000101010101" pitchFamily="18" charset="-127"/>
+              </a:rPr>
+              <a:t>문자열</a:t>
+            </a:r>
+            <a:r>
+              <a:rPr lang="en-US" altLang="ko-KR" sz="1600" spc="-148" dirty="0">
+                <a:solidFill>
+                  <a:prstClr val="black"/>
+                </a:solidFill>
+                <a:latin typeface="+mn-ea"/>
+                <a:cs typeface="Book Antiqua"/>
+              </a:rPr>
+              <a:t>/g </a:t>
+            </a:r>
+            <a:r>
+              <a:rPr lang="ko-KR" altLang="en-US" sz="1600" spc="-44" dirty="0">
+                <a:solidFill>
+                  <a:prstClr val="black"/>
+                </a:solidFill>
+                <a:latin typeface="+mn-ea"/>
+                <a:cs typeface="함초롬바탕" panose="02030604000101010101" pitchFamily="18" charset="-127"/>
+              </a:rPr>
+              <a:t>로 </a:t>
+            </a:r>
+            <a:r>
+              <a:rPr lang="ko-KR" altLang="en-US" sz="1600" spc="-89" dirty="0">
+                <a:solidFill>
+                  <a:prstClr val="black"/>
+                </a:solidFill>
+                <a:latin typeface="+mn-ea"/>
+                <a:cs typeface="함초롬바탕" panose="02030604000101010101" pitchFamily="18" charset="-127"/>
+              </a:rPr>
+              <a:t>명령</a:t>
+            </a:r>
+            <a:endParaRPr lang="ko-KR" altLang="en-US" sz="1600" dirty="0">
+              <a:solidFill>
+                <a:prstClr val="black"/>
+              </a:solidFill>
+              <a:latin typeface="+mn-ea"/>
+              <a:cs typeface="함초롬바탕" panose="02030604000101010101" pitchFamily="18" charset="-127"/>
+            </a:endParaRPr>
+          </a:p>
+          <a:p>
+            <a:pPr marL="12492" defTabSz="899404" latinLnBrk="1">
+              <a:spcBef>
+                <a:spcPts val="689"/>
+              </a:spcBef>
+            </a:pPr>
+            <a:r>
+              <a:rPr lang="ko-KR" altLang="en-US" sz="1600" spc="44" dirty="0" smtClean="0">
+                <a:solidFill>
+                  <a:prstClr val="black"/>
+                </a:solidFill>
+                <a:latin typeface="+mn-ea"/>
+                <a:cs typeface="Tahoma"/>
+              </a:rPr>
+              <a:t>  ∙ </a:t>
+            </a:r>
+            <a:r>
+              <a:rPr lang="en-US" altLang="ko-KR" sz="1600" spc="44" dirty="0" smtClean="0">
+                <a:solidFill>
+                  <a:prstClr val="black"/>
+                </a:solidFill>
+                <a:latin typeface="+mn-ea"/>
+                <a:cs typeface="Book Antiqua"/>
+              </a:rPr>
+              <a:t>1</a:t>
+            </a:r>
+            <a:r>
+              <a:rPr lang="en-US" altLang="ko-KR" sz="1600" spc="44" dirty="0">
+                <a:solidFill>
+                  <a:prstClr val="black"/>
+                </a:solidFill>
+                <a:latin typeface="+mn-ea"/>
+                <a:cs typeface="Book Antiqua"/>
+              </a:rPr>
+              <a:t>,$ </a:t>
+            </a:r>
+            <a:r>
+              <a:rPr lang="ko-KR" altLang="en-US" sz="1600" spc="-44" dirty="0">
+                <a:solidFill>
+                  <a:prstClr val="black"/>
+                </a:solidFill>
+                <a:latin typeface="+mn-ea"/>
+                <a:cs typeface="함초롬바탕" panose="02030604000101010101" pitchFamily="18" charset="-127"/>
+              </a:rPr>
+              <a:t>는 </a:t>
+            </a:r>
+            <a:r>
+              <a:rPr lang="ko-KR" altLang="en-US" sz="1600" spc="-108" dirty="0" err="1">
+                <a:solidFill>
+                  <a:prstClr val="black"/>
+                </a:solidFill>
+                <a:latin typeface="+mn-ea"/>
+                <a:cs typeface="함초롬바탕" panose="02030604000101010101" pitchFamily="18" charset="-127"/>
+              </a:rPr>
+              <a:t>첫줄부터</a:t>
+            </a:r>
+            <a:r>
+              <a:rPr lang="ko-KR" altLang="en-US" sz="1600" spc="-108" dirty="0">
+                <a:solidFill>
+                  <a:prstClr val="black"/>
+                </a:solidFill>
+                <a:latin typeface="+mn-ea"/>
+                <a:cs typeface="함초롬바탕" panose="02030604000101010101" pitchFamily="18" charset="-127"/>
+              </a:rPr>
+              <a:t> </a:t>
+            </a:r>
+            <a:r>
+              <a:rPr lang="ko-KR" altLang="en-US" sz="1600" spc="-112" dirty="0" err="1">
+                <a:solidFill>
+                  <a:prstClr val="black"/>
+                </a:solidFill>
+                <a:latin typeface="+mn-ea"/>
+                <a:cs typeface="함초롬바탕" panose="02030604000101010101" pitchFamily="18" charset="-127"/>
+              </a:rPr>
+              <a:t>끝줄까지를</a:t>
+            </a:r>
+            <a:r>
+              <a:rPr lang="ko-KR" altLang="en-US" sz="1600" spc="84" dirty="0">
+                <a:solidFill>
+                  <a:prstClr val="black"/>
+                </a:solidFill>
+                <a:latin typeface="+mn-ea"/>
+                <a:cs typeface="함초롬바탕" panose="02030604000101010101" pitchFamily="18" charset="-127"/>
+              </a:rPr>
+              <a:t> </a:t>
+            </a:r>
+            <a:r>
+              <a:rPr lang="ko-KR" altLang="en-US" sz="1600" spc="-103" dirty="0">
+                <a:solidFill>
+                  <a:prstClr val="black"/>
+                </a:solidFill>
+                <a:latin typeface="+mn-ea"/>
+                <a:cs typeface="함초롬바탕" panose="02030604000101010101" pitchFamily="18" charset="-127"/>
+              </a:rPr>
+              <a:t>의미함</a:t>
+            </a:r>
+            <a:endParaRPr lang="ko-KR" altLang="en-US" sz="1600" dirty="0">
+              <a:solidFill>
+                <a:prstClr val="black"/>
+              </a:solidFill>
+              <a:latin typeface="+mn-ea"/>
+              <a:cs typeface="함초롬바탕" panose="02030604000101010101" pitchFamily="18" charset="-127"/>
+            </a:endParaRPr>
+          </a:p>
+          <a:p>
+            <a:pPr marL="12492" defTabSz="899404" latinLnBrk="1">
+              <a:spcBef>
+                <a:spcPts val="684"/>
+              </a:spcBef>
+            </a:pPr>
+            <a:r>
+              <a:rPr lang="ko-KR" altLang="en-US" sz="1600" spc="44" dirty="0" smtClean="0">
+                <a:solidFill>
+                  <a:prstClr val="black"/>
+                </a:solidFill>
+                <a:latin typeface="+mn-ea"/>
+                <a:cs typeface="Tahoma"/>
+              </a:rPr>
+              <a:t>  ∙ </a:t>
+            </a:r>
+            <a:r>
+              <a:rPr lang="en-US" altLang="ko-KR" sz="1600" spc="44" dirty="0" smtClean="0">
+                <a:solidFill>
+                  <a:prstClr val="black"/>
+                </a:solidFill>
+                <a:latin typeface="+mn-ea"/>
+                <a:cs typeface="Book Antiqua"/>
+              </a:rPr>
+              <a:t>1,5 </a:t>
+            </a:r>
+            <a:r>
+              <a:rPr lang="ko-KR" altLang="en-US" sz="1600" spc="-89" dirty="0">
+                <a:solidFill>
+                  <a:prstClr val="black"/>
+                </a:solidFill>
+                <a:latin typeface="+mn-ea"/>
+                <a:cs typeface="함초롬바탕" panose="02030604000101010101" pitchFamily="18" charset="-127"/>
+              </a:rPr>
+              <a:t>라고 </a:t>
+            </a:r>
+            <a:r>
+              <a:rPr lang="ko-KR" altLang="en-US" sz="1600" spc="-108" dirty="0">
+                <a:solidFill>
+                  <a:prstClr val="black"/>
+                </a:solidFill>
+                <a:latin typeface="+mn-ea"/>
+                <a:cs typeface="함초롬바탕" panose="02030604000101010101" pitchFamily="18" charset="-127"/>
+              </a:rPr>
+              <a:t>표기하면 </a:t>
+            </a:r>
+            <a:r>
+              <a:rPr lang="ko-KR" altLang="en-US" sz="1600" spc="-108" dirty="0" err="1">
+                <a:solidFill>
+                  <a:prstClr val="black"/>
+                </a:solidFill>
+                <a:latin typeface="+mn-ea"/>
+                <a:cs typeface="함초롬바탕" panose="02030604000101010101" pitchFamily="18" charset="-127"/>
+              </a:rPr>
+              <a:t>첫줄부터</a:t>
+            </a:r>
+            <a:r>
+              <a:rPr lang="ko-KR" altLang="en-US" sz="1600" spc="-108" dirty="0">
+                <a:solidFill>
+                  <a:prstClr val="black"/>
+                </a:solidFill>
+                <a:latin typeface="+mn-ea"/>
+                <a:cs typeface="함초롬바탕" panose="02030604000101010101" pitchFamily="18" charset="-127"/>
+              </a:rPr>
+              <a:t> </a:t>
+            </a:r>
+            <a:r>
+              <a:rPr lang="ko-KR" altLang="en-US" sz="1600" spc="-103" dirty="0">
+                <a:solidFill>
+                  <a:prstClr val="black"/>
+                </a:solidFill>
+                <a:latin typeface="+mn-ea"/>
+                <a:cs typeface="함초롬바탕" panose="02030604000101010101" pitchFamily="18" charset="-127"/>
+              </a:rPr>
+              <a:t>다섯째</a:t>
+            </a:r>
+            <a:r>
+              <a:rPr lang="ko-KR" altLang="en-US" sz="1600" spc="162" dirty="0">
+                <a:solidFill>
+                  <a:prstClr val="black"/>
+                </a:solidFill>
+                <a:latin typeface="+mn-ea"/>
+                <a:cs typeface="함초롬바탕" panose="02030604000101010101" pitchFamily="18" charset="-127"/>
+              </a:rPr>
+              <a:t> </a:t>
+            </a:r>
+            <a:r>
+              <a:rPr lang="ko-KR" altLang="en-US" sz="1600" spc="-108" dirty="0">
+                <a:solidFill>
+                  <a:prstClr val="black"/>
+                </a:solidFill>
+                <a:latin typeface="+mn-ea"/>
+                <a:cs typeface="함초롬바탕" panose="02030604000101010101" pitchFamily="18" charset="-127"/>
+              </a:rPr>
+              <a:t>줄까지임</a:t>
+            </a:r>
+            <a:endParaRPr lang="ko-KR" altLang="en-US" sz="1600" dirty="0">
+              <a:solidFill>
+                <a:prstClr val="black"/>
+              </a:solidFill>
+              <a:latin typeface="+mn-ea"/>
+              <a:cs typeface="함초롬바탕" panose="02030604000101010101" pitchFamily="18" charset="-127"/>
+            </a:endParaRPr>
+          </a:p>
+          <a:p>
+            <a:pPr marL="12492" defTabSz="899404" latinLnBrk="1">
+              <a:spcBef>
+                <a:spcPts val="684"/>
+              </a:spcBef>
+            </a:pPr>
+            <a:endParaRPr lang="ko-KR" altLang="en-US" sz="1600" dirty="0">
+              <a:solidFill>
+                <a:prstClr val="black"/>
+              </a:solidFill>
+              <a:latin typeface="+mn-ea"/>
+              <a:cs typeface="함초롬바탕" panose="02030604000101010101" pitchFamily="18" charset="-127"/>
+            </a:endParaRPr>
+          </a:p>
+          <a:p>
+            <a:pPr marL="144279" defTabSz="899404" eaLnBrk="1" fontAlgn="auto" latinLnBrk="1" hangingPunct="1">
+              <a:spcBef>
+                <a:spcPts val="679"/>
+              </a:spcBef>
+              <a:spcAft>
+                <a:spcPts val="0"/>
+              </a:spcAft>
+              <a:buClrTx/>
+            </a:pPr>
+            <a:endParaRPr sz="1600" b="0" dirty="0">
+              <a:solidFill>
+                <a:prstClr val="black"/>
+              </a:solidFill>
+              <a:latin typeface="+mn-ea"/>
+              <a:cs typeface="함초롬바탕" panose="02030604000101010101" pitchFamily="18" charset="-127"/>
+            </a:endParaRPr>
+          </a:p>
+        </p:txBody>
+      </p:sp>
     </p:spTree>
     <p:extLst>
       <p:ext uri="{BB962C8B-B14F-4D97-AF65-F5344CB8AC3E}">
@@ -4125,6 +6938,2479 @@
           <a:chExt cx="0" cy="0"/>
         </a:xfrm>
       </p:grpSpPr>
+      <p:sp>
+        <p:nvSpPr>
+          <p:cNvPr id="2" name="object 2"/>
+          <p:cNvSpPr txBox="1"/>
+          <p:nvPr/>
+        </p:nvSpPr>
+        <p:spPr>
+          <a:xfrm>
+            <a:off x="365905" y="319827"/>
+            <a:ext cx="11417777" cy="6270754"/>
+          </a:xfrm>
+          <a:prstGeom prst="rect">
+            <a:avLst/>
+          </a:prstGeom>
+        </p:spPr>
+        <p:txBody>
+          <a:bodyPr vert="horz" wrap="square" lIns="0" tIns="79948" rIns="0" bIns="0" numCol="2" rtlCol="0">
+            <a:spAutoFit/>
+          </a:bodyPr>
+          <a:lstStyle/>
+          <a:p>
+            <a:pPr marL="298242" indent="-285750" defTabSz="899404" eaLnBrk="1" fontAlgn="auto" latinLnBrk="1" hangingPunct="1">
+              <a:spcBef>
+                <a:spcPts val="630"/>
+              </a:spcBef>
+              <a:spcAft>
+                <a:spcPts val="0"/>
+              </a:spcAft>
+              <a:buClrTx/>
+              <a:buFont typeface="Arial" panose="020B0604020202020204" pitchFamily="34" charset="0"/>
+              <a:buChar char="•"/>
+            </a:pPr>
+            <a:r>
+              <a:rPr sz="2000" b="1" spc="54" dirty="0" err="1" smtClean="0">
+                <a:solidFill>
+                  <a:prstClr val="black"/>
+                </a:solidFill>
+                <a:latin typeface="+mn-ea"/>
+                <a:cs typeface="나눔명조"/>
+              </a:rPr>
+              <a:t>기타</a:t>
+            </a:r>
+            <a:r>
+              <a:rPr sz="2000" b="1" spc="54" dirty="0" smtClean="0">
+                <a:solidFill>
+                  <a:prstClr val="black"/>
+                </a:solidFill>
+                <a:latin typeface="+mn-ea"/>
+                <a:cs typeface="나눔명조"/>
+              </a:rPr>
+              <a:t> </a:t>
+            </a:r>
+            <a:r>
+              <a:rPr sz="2000" b="1" spc="54" dirty="0" err="1">
+                <a:solidFill>
+                  <a:prstClr val="black"/>
+                </a:solidFill>
+                <a:latin typeface="+mn-ea"/>
+                <a:cs typeface="나눔명조"/>
+              </a:rPr>
+              <a:t>유용한</a:t>
+            </a:r>
+            <a:r>
+              <a:rPr sz="2000" b="1" spc="79" dirty="0">
+                <a:solidFill>
+                  <a:prstClr val="black"/>
+                </a:solidFill>
+                <a:latin typeface="+mn-ea"/>
+                <a:cs typeface="나눔명조"/>
+              </a:rPr>
+              <a:t> </a:t>
+            </a:r>
+            <a:r>
+              <a:rPr sz="2000" b="1" spc="54" dirty="0" err="1" smtClean="0">
+                <a:solidFill>
+                  <a:prstClr val="black"/>
+                </a:solidFill>
+                <a:latin typeface="+mn-ea"/>
+                <a:cs typeface="나눔명조"/>
+              </a:rPr>
+              <a:t>명령어</a:t>
+            </a:r>
+            <a:endParaRPr lang="en-US" sz="2000" b="1" spc="54" dirty="0" smtClean="0">
+              <a:solidFill>
+                <a:prstClr val="black"/>
+              </a:solidFill>
+              <a:latin typeface="+mn-ea"/>
+              <a:cs typeface="나눔명조"/>
+            </a:endParaRPr>
+          </a:p>
+          <a:p>
+            <a:pPr marL="298242" indent="-285750" defTabSz="899404" eaLnBrk="1" fontAlgn="auto" latinLnBrk="1" hangingPunct="1">
+              <a:spcBef>
+                <a:spcPts val="630"/>
+              </a:spcBef>
+              <a:spcAft>
+                <a:spcPts val="0"/>
+              </a:spcAft>
+              <a:buClrTx/>
+              <a:buFont typeface="Arial" panose="020B0604020202020204" pitchFamily="34" charset="0"/>
+              <a:buChar char="•"/>
+            </a:pPr>
+            <a:endParaRPr sz="2000" b="1" dirty="0">
+              <a:solidFill>
+                <a:prstClr val="black"/>
+              </a:solidFill>
+              <a:latin typeface="+mn-ea"/>
+              <a:cs typeface="나눔명조"/>
+            </a:endParaRPr>
+          </a:p>
+          <a:p>
+            <a:pPr marL="144279" defTabSz="899404" eaLnBrk="1" fontAlgn="auto" latinLnBrk="1" hangingPunct="1">
+              <a:spcBef>
+                <a:spcPts val="693"/>
+              </a:spcBef>
+              <a:spcAft>
+                <a:spcPts val="0"/>
+              </a:spcAft>
+              <a:buClrTx/>
+            </a:pPr>
+            <a:r>
+              <a:rPr sz="1600" b="1" spc="-250" dirty="0" smtClean="0">
+                <a:solidFill>
+                  <a:prstClr val="black"/>
+                </a:solidFill>
+                <a:latin typeface="+mn-ea"/>
+                <a:cs typeface="SimSun"/>
+              </a:rPr>
+              <a:t>① </a:t>
+            </a:r>
+            <a:r>
+              <a:rPr sz="1600" b="1" spc="-89" dirty="0">
+                <a:solidFill>
+                  <a:prstClr val="black"/>
+                </a:solidFill>
+                <a:latin typeface="+mn-ea"/>
+                <a:cs typeface="함초롬바탕" panose="02030604000101010101" pitchFamily="18" charset="-127"/>
+              </a:rPr>
+              <a:t>여러 </a:t>
+            </a:r>
+            <a:r>
+              <a:rPr sz="1600" b="1" spc="-44" dirty="0">
+                <a:solidFill>
+                  <a:prstClr val="black"/>
+                </a:solidFill>
+                <a:latin typeface="+mn-ea"/>
+                <a:cs typeface="함초롬바탕" panose="02030604000101010101" pitchFamily="18" charset="-127"/>
+              </a:rPr>
+              <a:t>개 </a:t>
+            </a:r>
+            <a:r>
+              <a:rPr sz="1600" b="1" spc="-103" dirty="0">
+                <a:solidFill>
+                  <a:prstClr val="black"/>
+                </a:solidFill>
+                <a:latin typeface="+mn-ea"/>
+                <a:cs typeface="함초롬바탕" panose="02030604000101010101" pitchFamily="18" charset="-127"/>
+              </a:rPr>
+              <a:t>파일을 </a:t>
+            </a:r>
+            <a:r>
+              <a:rPr sz="1600" b="1" spc="-103" dirty="0" err="1">
+                <a:solidFill>
+                  <a:prstClr val="black"/>
+                </a:solidFill>
+                <a:latin typeface="+mn-ea"/>
+                <a:cs typeface="함초롬바탕" panose="02030604000101010101" pitchFamily="18" charset="-127"/>
+              </a:rPr>
+              <a:t>동시에</a:t>
+            </a:r>
+            <a:r>
+              <a:rPr sz="1600" b="1" spc="69" dirty="0">
+                <a:solidFill>
+                  <a:prstClr val="black"/>
+                </a:solidFill>
+                <a:latin typeface="+mn-ea"/>
+                <a:cs typeface="함초롬바탕" panose="02030604000101010101" pitchFamily="18" charset="-127"/>
+              </a:rPr>
+              <a:t> </a:t>
+            </a:r>
+            <a:r>
+              <a:rPr sz="1600" b="1" spc="-89" dirty="0" err="1" smtClean="0">
+                <a:solidFill>
+                  <a:prstClr val="black"/>
+                </a:solidFill>
+                <a:latin typeface="+mn-ea"/>
+                <a:cs typeface="함초롬바탕" panose="02030604000101010101" pitchFamily="18" charset="-127"/>
+              </a:rPr>
+              <a:t>편집</a:t>
+            </a:r>
+            <a:endParaRPr sz="1600" b="1" dirty="0">
+              <a:solidFill>
+                <a:prstClr val="black"/>
+              </a:solidFill>
+              <a:latin typeface="+mn-ea"/>
+              <a:cs typeface="함초롬바탕" panose="02030604000101010101" pitchFamily="18" charset="-127"/>
+            </a:endParaRPr>
+          </a:p>
+          <a:p>
+            <a:pPr marL="144279" defTabSz="899404" eaLnBrk="1" fontAlgn="auto" latinLnBrk="1" hangingPunct="1">
+              <a:spcBef>
+                <a:spcPts val="679"/>
+              </a:spcBef>
+              <a:spcAft>
+                <a:spcPts val="0"/>
+              </a:spcAft>
+              <a:buClrTx/>
+            </a:pPr>
+            <a:r>
+              <a:rPr sz="1600" b="0" spc="639" dirty="0" smtClean="0">
+                <a:solidFill>
+                  <a:prstClr val="black"/>
+                </a:solidFill>
+                <a:latin typeface="+mn-ea"/>
+                <a:cs typeface="Tahoma"/>
+              </a:rPr>
+              <a:t>∙</a:t>
+            </a:r>
+            <a:r>
+              <a:rPr sz="1600" b="0" spc="-89" dirty="0" err="1" smtClean="0">
+                <a:solidFill>
+                  <a:prstClr val="black"/>
+                </a:solidFill>
+                <a:latin typeface="+mn-ea"/>
+                <a:cs typeface="함초롬바탕" panose="02030604000101010101" pitchFamily="18" charset="-127"/>
+              </a:rPr>
+              <a:t>여러</a:t>
+            </a:r>
+            <a:r>
+              <a:rPr sz="1600" b="0" spc="-89" dirty="0" smtClean="0">
+                <a:solidFill>
+                  <a:prstClr val="black"/>
+                </a:solidFill>
+                <a:latin typeface="+mn-ea"/>
+                <a:cs typeface="함초롬바탕" panose="02030604000101010101" pitchFamily="18" charset="-127"/>
+              </a:rPr>
+              <a:t> </a:t>
+            </a:r>
+            <a:r>
+              <a:rPr sz="1600" b="0" spc="-103" dirty="0">
+                <a:solidFill>
+                  <a:prstClr val="black"/>
+                </a:solidFill>
+                <a:latin typeface="+mn-ea"/>
+                <a:cs typeface="함초롬바탕" panose="02030604000101010101" pitchFamily="18" charset="-127"/>
+              </a:rPr>
+              <a:t>문서를 동시에 편집할 </a:t>
+            </a:r>
+            <a:r>
+              <a:rPr sz="1600" b="0" spc="-44" dirty="0">
+                <a:solidFill>
+                  <a:prstClr val="black"/>
+                </a:solidFill>
+                <a:latin typeface="+mn-ea"/>
+                <a:cs typeface="함초롬바탕" panose="02030604000101010101" pitchFamily="18" charset="-127"/>
+              </a:rPr>
+              <a:t>때 </a:t>
+            </a:r>
+            <a:r>
+              <a:rPr sz="1600" b="0" spc="-103" dirty="0">
+                <a:solidFill>
+                  <a:prstClr val="black"/>
+                </a:solidFill>
+                <a:latin typeface="+mn-ea"/>
+                <a:cs typeface="함초롬바탕" panose="02030604000101010101" pitchFamily="18" charset="-127"/>
+              </a:rPr>
+              <a:t>원하는 </a:t>
+            </a:r>
+            <a:r>
+              <a:rPr sz="1600" b="0" spc="-108" dirty="0">
+                <a:solidFill>
+                  <a:prstClr val="black"/>
+                </a:solidFill>
+                <a:latin typeface="+mn-ea"/>
+                <a:cs typeface="함초롬바탕" panose="02030604000101010101" pitchFamily="18" charset="-127"/>
+              </a:rPr>
+              <a:t>파일명을 </a:t>
+            </a:r>
+            <a:r>
+              <a:rPr sz="1600" b="0" spc="-112" dirty="0" err="1">
+                <a:solidFill>
+                  <a:prstClr val="black"/>
+                </a:solidFill>
+                <a:latin typeface="+mn-ea"/>
+                <a:cs typeface="함초롬바탕" panose="02030604000101010101" pitchFamily="18" charset="-127"/>
+              </a:rPr>
+              <a:t>나열하거나</a:t>
+            </a:r>
+            <a:r>
+              <a:rPr sz="1600" b="0" spc="-112" dirty="0">
+                <a:solidFill>
+                  <a:prstClr val="black"/>
+                </a:solidFill>
+                <a:latin typeface="+mn-ea"/>
+                <a:cs typeface="함초롬바탕" panose="02030604000101010101" pitchFamily="18" charset="-127"/>
+              </a:rPr>
+              <a:t> </a:t>
+            </a:r>
+            <a:endParaRPr lang="en-US" sz="1600" b="0" spc="-112" dirty="0" smtClean="0">
+              <a:solidFill>
+                <a:prstClr val="black"/>
+              </a:solidFill>
+              <a:latin typeface="+mn-ea"/>
+              <a:cs typeface="함초롬바탕" panose="02030604000101010101" pitchFamily="18" charset="-127"/>
+            </a:endParaRPr>
+          </a:p>
+          <a:p>
+            <a:pPr marL="144279" defTabSz="899404" eaLnBrk="1" fontAlgn="auto" latinLnBrk="1" hangingPunct="1">
+              <a:spcBef>
+                <a:spcPts val="679"/>
+              </a:spcBef>
+              <a:spcAft>
+                <a:spcPts val="0"/>
+              </a:spcAft>
+              <a:buClrTx/>
+            </a:pPr>
+            <a:r>
+              <a:rPr lang="en-US" sz="1600" spc="-112" dirty="0">
+                <a:solidFill>
+                  <a:prstClr val="black"/>
+                </a:solidFill>
+                <a:latin typeface="+mn-ea"/>
+                <a:cs typeface="함초롬바탕" panose="02030604000101010101" pitchFamily="18" charset="-127"/>
+              </a:rPr>
+              <a:t> </a:t>
+            </a:r>
+            <a:r>
+              <a:rPr lang="en-US" sz="1600" spc="-112" dirty="0" smtClean="0">
+                <a:solidFill>
+                  <a:prstClr val="black"/>
+                </a:solidFill>
+                <a:latin typeface="+mn-ea"/>
+                <a:cs typeface="함초롬바탕" panose="02030604000101010101" pitchFamily="18" charset="-127"/>
+              </a:rPr>
+              <a:t>     </a:t>
+            </a:r>
+            <a:r>
+              <a:rPr sz="1600" b="0" spc="-118" dirty="0" err="1" smtClean="0">
+                <a:solidFill>
+                  <a:prstClr val="black"/>
+                </a:solidFill>
+                <a:latin typeface="+mn-ea"/>
+                <a:cs typeface="함초롬바탕" panose="02030604000101010101" pitchFamily="18" charset="-127"/>
+              </a:rPr>
+              <a:t>범위표현으로</a:t>
+            </a:r>
+            <a:r>
+              <a:rPr sz="1600" b="0" spc="-246" dirty="0" smtClean="0">
+                <a:solidFill>
+                  <a:prstClr val="black"/>
+                </a:solidFill>
+                <a:latin typeface="+mn-ea"/>
+                <a:cs typeface="함초롬바탕" panose="02030604000101010101" pitchFamily="18" charset="-127"/>
+              </a:rPr>
+              <a:t> </a:t>
+            </a:r>
+            <a:r>
+              <a:rPr sz="1600" b="0" spc="-89" dirty="0">
+                <a:solidFill>
+                  <a:prstClr val="black"/>
+                </a:solidFill>
+                <a:latin typeface="+mn-ea"/>
+                <a:cs typeface="함초롬바탕" panose="02030604000101010101" pitchFamily="18" charset="-127"/>
+              </a:rPr>
+              <a:t>사용</a:t>
+            </a:r>
+            <a:endParaRPr sz="1600" b="0" dirty="0">
+              <a:solidFill>
+                <a:prstClr val="black"/>
+              </a:solidFill>
+              <a:latin typeface="+mn-ea"/>
+              <a:cs typeface="함초롬바탕" panose="02030604000101010101" pitchFamily="18" charset="-127"/>
+            </a:endParaRPr>
+          </a:p>
+          <a:p>
+            <a:pPr marL="144279" defTabSz="899404" eaLnBrk="1" fontAlgn="auto" latinLnBrk="1" hangingPunct="1">
+              <a:spcBef>
+                <a:spcPts val="693"/>
+              </a:spcBef>
+              <a:spcAft>
+                <a:spcPts val="0"/>
+              </a:spcAft>
+              <a:buClrTx/>
+            </a:pPr>
+            <a:r>
+              <a:rPr sz="1600" b="0" spc="639" dirty="0">
+                <a:solidFill>
+                  <a:prstClr val="black"/>
+                </a:solidFill>
+                <a:latin typeface="+mn-ea"/>
+                <a:cs typeface="Tahoma"/>
+              </a:rPr>
+              <a:t>∙</a:t>
+            </a:r>
+            <a:r>
+              <a:rPr sz="1600" b="0" spc="-241" dirty="0">
+                <a:solidFill>
+                  <a:prstClr val="black"/>
+                </a:solidFill>
+                <a:latin typeface="+mn-ea"/>
+                <a:cs typeface="Tahoma"/>
+              </a:rPr>
+              <a:t> </a:t>
+            </a:r>
+            <a:r>
+              <a:rPr sz="1600" b="0" spc="-128" dirty="0">
+                <a:solidFill>
+                  <a:prstClr val="black"/>
+                </a:solidFill>
+                <a:latin typeface="+mn-ea"/>
+                <a:cs typeface="Book Antiqua"/>
+              </a:rPr>
+              <a:t>vi </a:t>
+            </a:r>
+            <a:r>
+              <a:rPr sz="1600" b="0" spc="-157" dirty="0">
+                <a:solidFill>
+                  <a:prstClr val="black"/>
+                </a:solidFill>
+                <a:latin typeface="+mn-ea"/>
+                <a:cs typeface="Book Antiqua"/>
+              </a:rPr>
+              <a:t>filename1  filename2  filename3</a:t>
+            </a:r>
+            <a:endParaRPr sz="1600" b="0" dirty="0">
+              <a:solidFill>
+                <a:prstClr val="black"/>
+              </a:solidFill>
+              <a:latin typeface="+mn-ea"/>
+              <a:cs typeface="Book Antiqua"/>
+            </a:endParaRPr>
+          </a:p>
+          <a:p>
+            <a:pPr marL="144279" defTabSz="899404" eaLnBrk="1" fontAlgn="auto" latinLnBrk="1" hangingPunct="1">
+              <a:spcBef>
+                <a:spcPts val="693"/>
+              </a:spcBef>
+              <a:spcAft>
+                <a:spcPts val="0"/>
+              </a:spcAft>
+              <a:buClrTx/>
+            </a:pPr>
+            <a:r>
+              <a:rPr sz="1600" b="0" spc="639" dirty="0">
+                <a:solidFill>
+                  <a:prstClr val="black"/>
+                </a:solidFill>
+                <a:latin typeface="+mn-ea"/>
+                <a:cs typeface="Tahoma"/>
+              </a:rPr>
+              <a:t>∙</a:t>
+            </a:r>
+            <a:r>
+              <a:rPr sz="1600" b="0" spc="-133" dirty="0">
+                <a:solidFill>
+                  <a:prstClr val="black"/>
+                </a:solidFill>
+                <a:latin typeface="+mn-ea"/>
+                <a:cs typeface="Tahoma"/>
+              </a:rPr>
+              <a:t> </a:t>
+            </a:r>
+            <a:r>
+              <a:rPr sz="1600" b="0" spc="-128" dirty="0">
+                <a:solidFill>
+                  <a:prstClr val="black"/>
+                </a:solidFill>
+                <a:latin typeface="+mn-ea"/>
+                <a:cs typeface="Book Antiqua"/>
+              </a:rPr>
+              <a:t>vi </a:t>
+            </a:r>
+            <a:r>
+              <a:rPr sz="1600" b="0" spc="-138" dirty="0">
+                <a:solidFill>
+                  <a:prstClr val="black"/>
+                </a:solidFill>
+                <a:latin typeface="+mn-ea"/>
+                <a:cs typeface="Book Antiqua"/>
+              </a:rPr>
+              <a:t>*.dat</a:t>
+            </a:r>
+            <a:endParaRPr sz="1600" b="0" dirty="0">
+              <a:solidFill>
+                <a:prstClr val="black"/>
+              </a:solidFill>
+              <a:latin typeface="+mn-ea"/>
+              <a:cs typeface="Book Antiqua"/>
+            </a:endParaRPr>
+          </a:p>
+          <a:p>
+            <a:pPr marL="144279" defTabSz="899404" eaLnBrk="1" fontAlgn="auto" latinLnBrk="1" hangingPunct="1">
+              <a:spcBef>
+                <a:spcPts val="684"/>
+              </a:spcBef>
+              <a:spcAft>
+                <a:spcPts val="0"/>
+              </a:spcAft>
+              <a:buClrTx/>
+            </a:pPr>
+            <a:r>
+              <a:rPr sz="1600" b="0" spc="639" dirty="0" smtClean="0">
+                <a:solidFill>
+                  <a:prstClr val="black"/>
+                </a:solidFill>
+                <a:latin typeface="+mn-ea"/>
+                <a:cs typeface="Tahoma"/>
+              </a:rPr>
+              <a:t>∙</a:t>
+            </a:r>
+            <a:r>
+              <a:rPr sz="1600" b="0" spc="-118" dirty="0" err="1" smtClean="0">
+                <a:solidFill>
+                  <a:prstClr val="black"/>
+                </a:solidFill>
+                <a:latin typeface="+mn-ea"/>
+                <a:cs typeface="Book Antiqua"/>
+              </a:rPr>
+              <a:t>vi</a:t>
+            </a:r>
+            <a:r>
+              <a:rPr sz="1600" b="0" spc="-118" dirty="0" err="1">
+                <a:solidFill>
+                  <a:prstClr val="black"/>
+                </a:solidFill>
+                <a:latin typeface="+mn-ea"/>
+                <a:cs typeface="함초롬바탕" panose="02030604000101010101" pitchFamily="18" charset="-127"/>
+              </a:rPr>
+              <a:t>편집기</a:t>
+            </a:r>
+            <a:r>
+              <a:rPr sz="1600" b="0" spc="-118" dirty="0">
+                <a:solidFill>
+                  <a:prstClr val="black"/>
+                </a:solidFill>
+                <a:latin typeface="+mn-ea"/>
+                <a:cs typeface="함초롬바탕" panose="02030604000101010101" pitchFamily="18" charset="-127"/>
+              </a:rPr>
+              <a:t> </a:t>
+            </a:r>
+            <a:r>
+              <a:rPr sz="1600" b="0" spc="-89" dirty="0">
+                <a:solidFill>
+                  <a:prstClr val="black"/>
+                </a:solidFill>
+                <a:latin typeface="+mn-ea"/>
+                <a:cs typeface="함초롬바탕" panose="02030604000101010101" pitchFamily="18" charset="-127"/>
+              </a:rPr>
+              <a:t>사용 </a:t>
+            </a:r>
+            <a:r>
+              <a:rPr sz="1600" b="0" spc="-44" dirty="0">
+                <a:solidFill>
+                  <a:prstClr val="black"/>
+                </a:solidFill>
+                <a:latin typeface="+mn-ea"/>
+                <a:cs typeface="함초롬바탕" panose="02030604000101010101" pitchFamily="18" charset="-127"/>
+              </a:rPr>
+              <a:t>중 </a:t>
+            </a:r>
+            <a:r>
+              <a:rPr sz="1600" b="0" spc="-89" dirty="0">
+                <a:solidFill>
+                  <a:prstClr val="black"/>
+                </a:solidFill>
+                <a:latin typeface="+mn-ea"/>
+                <a:cs typeface="함초롬바탕" panose="02030604000101010101" pitchFamily="18" charset="-127"/>
+              </a:rPr>
+              <a:t>편집 </a:t>
+            </a:r>
+            <a:r>
+              <a:rPr sz="1600" b="0" spc="-108" dirty="0">
+                <a:solidFill>
+                  <a:prstClr val="black"/>
+                </a:solidFill>
+                <a:latin typeface="+mn-ea"/>
+                <a:cs typeface="함초롬바탕" panose="02030604000101010101" pitchFamily="18" charset="-127"/>
+              </a:rPr>
+              <a:t>모드에서 </a:t>
+            </a:r>
+            <a:r>
+              <a:rPr sz="1600" b="0" spc="-123" dirty="0">
+                <a:solidFill>
+                  <a:prstClr val="black"/>
+                </a:solidFill>
+                <a:latin typeface="+mn-ea"/>
+                <a:cs typeface="Book Antiqua"/>
+              </a:rPr>
+              <a:t>n</a:t>
+            </a:r>
+            <a:r>
+              <a:rPr sz="1600" b="0" spc="-123" dirty="0">
+                <a:solidFill>
+                  <a:prstClr val="black"/>
+                </a:solidFill>
+                <a:latin typeface="+mn-ea"/>
+                <a:cs typeface="함초롬바탕" panose="02030604000101010101" pitchFamily="18" charset="-127"/>
+              </a:rPr>
+              <a:t>을 </a:t>
+            </a:r>
+            <a:r>
+              <a:rPr sz="1600" b="0" spc="-103" dirty="0">
+                <a:solidFill>
+                  <a:prstClr val="black"/>
+                </a:solidFill>
+                <a:latin typeface="+mn-ea"/>
+                <a:cs typeface="함초롬바탕" panose="02030604000101010101" pitchFamily="18" charset="-127"/>
+              </a:rPr>
+              <a:t>누르는 </a:t>
+            </a:r>
+            <a:r>
+              <a:rPr sz="1600" b="0" spc="-89" dirty="0">
+                <a:solidFill>
+                  <a:prstClr val="black"/>
+                </a:solidFill>
+                <a:latin typeface="+mn-ea"/>
+                <a:cs typeface="함초롬바탕" panose="02030604000101010101" pitchFamily="18" charset="-127"/>
+              </a:rPr>
+              <a:t>경우 다음 </a:t>
+            </a:r>
+            <a:r>
+              <a:rPr sz="1600" b="0" spc="-103" dirty="0" err="1">
+                <a:solidFill>
+                  <a:prstClr val="black"/>
+                </a:solidFill>
+                <a:latin typeface="+mn-ea"/>
+                <a:cs typeface="함초롬바탕" panose="02030604000101010101" pitchFamily="18" charset="-127"/>
+              </a:rPr>
+              <a:t>파일로</a:t>
+            </a:r>
+            <a:r>
+              <a:rPr sz="1600" b="0" spc="-123" dirty="0">
+                <a:solidFill>
+                  <a:prstClr val="black"/>
+                </a:solidFill>
+                <a:latin typeface="+mn-ea"/>
+                <a:cs typeface="함초롬바탕" panose="02030604000101010101" pitchFamily="18" charset="-127"/>
+              </a:rPr>
+              <a:t> </a:t>
+            </a:r>
+            <a:endParaRPr lang="en-US" sz="1600" b="0" spc="-123" dirty="0" smtClean="0">
+              <a:solidFill>
+                <a:prstClr val="black"/>
+              </a:solidFill>
+              <a:latin typeface="+mn-ea"/>
+              <a:cs typeface="함초롬바탕" panose="02030604000101010101" pitchFamily="18" charset="-127"/>
+            </a:endParaRPr>
+          </a:p>
+          <a:p>
+            <a:pPr marL="144279" defTabSz="899404" eaLnBrk="1" fontAlgn="auto" latinLnBrk="1" hangingPunct="1">
+              <a:spcBef>
+                <a:spcPts val="684"/>
+              </a:spcBef>
+              <a:spcAft>
+                <a:spcPts val="0"/>
+              </a:spcAft>
+              <a:buClrTx/>
+            </a:pPr>
+            <a:r>
+              <a:rPr lang="en-US" sz="1600" spc="-123" dirty="0">
+                <a:solidFill>
+                  <a:prstClr val="black"/>
+                </a:solidFill>
+                <a:latin typeface="+mn-ea"/>
+                <a:cs typeface="함초롬바탕" panose="02030604000101010101" pitchFamily="18" charset="-127"/>
+              </a:rPr>
+              <a:t> </a:t>
+            </a:r>
+            <a:r>
+              <a:rPr lang="en-US" sz="1600" spc="-123" dirty="0" smtClean="0">
+                <a:solidFill>
+                  <a:prstClr val="black"/>
+                </a:solidFill>
+                <a:latin typeface="+mn-ea"/>
+                <a:cs typeface="함초롬바탕" panose="02030604000101010101" pitchFamily="18" charset="-127"/>
+              </a:rPr>
+              <a:t>   </a:t>
+            </a:r>
+            <a:r>
+              <a:rPr sz="1600" b="0" spc="-89" dirty="0" err="1" smtClean="0">
+                <a:solidFill>
+                  <a:prstClr val="black"/>
+                </a:solidFill>
+                <a:latin typeface="+mn-ea"/>
+                <a:cs typeface="함초롬바탕" panose="02030604000101010101" pitchFamily="18" charset="-127"/>
+              </a:rPr>
+              <a:t>이동</a:t>
+            </a:r>
+            <a:endParaRPr sz="1600" b="0" dirty="0">
+              <a:solidFill>
+                <a:prstClr val="black"/>
+              </a:solidFill>
+              <a:latin typeface="+mn-ea"/>
+              <a:cs typeface="함초롬바탕" panose="02030604000101010101" pitchFamily="18" charset="-127"/>
+            </a:endParaRPr>
+          </a:p>
+          <a:p>
+            <a:pPr marL="144279" defTabSz="899404" eaLnBrk="1" fontAlgn="auto" latinLnBrk="1" hangingPunct="1">
+              <a:spcBef>
+                <a:spcPts val="689"/>
+              </a:spcBef>
+              <a:spcAft>
+                <a:spcPts val="0"/>
+              </a:spcAft>
+              <a:buClrTx/>
+            </a:pPr>
+            <a:r>
+              <a:rPr sz="1600" b="0" spc="639" dirty="0" smtClean="0">
+                <a:solidFill>
+                  <a:prstClr val="black"/>
+                </a:solidFill>
+                <a:latin typeface="+mn-ea"/>
+                <a:cs typeface="Tahoma"/>
+              </a:rPr>
+              <a:t>∙</a:t>
+            </a:r>
+            <a:r>
+              <a:rPr sz="1600" b="0" spc="-118" dirty="0" err="1" smtClean="0">
+                <a:solidFill>
+                  <a:prstClr val="black"/>
+                </a:solidFill>
+                <a:latin typeface="+mn-ea"/>
+                <a:cs typeface="Book Antiqua"/>
+              </a:rPr>
+              <a:t>vi</a:t>
+            </a:r>
+            <a:r>
+              <a:rPr sz="1600" b="0" spc="-118" dirty="0" err="1">
+                <a:solidFill>
+                  <a:prstClr val="black"/>
+                </a:solidFill>
+                <a:latin typeface="+mn-ea"/>
+                <a:cs typeface="함초롬바탕" panose="02030604000101010101" pitchFamily="18" charset="-127"/>
+              </a:rPr>
+              <a:t>편집기</a:t>
+            </a:r>
+            <a:r>
+              <a:rPr sz="1600" b="0" spc="-118" dirty="0">
+                <a:solidFill>
+                  <a:prstClr val="black"/>
+                </a:solidFill>
+                <a:latin typeface="+mn-ea"/>
+                <a:cs typeface="함초롬바탕" panose="02030604000101010101" pitchFamily="18" charset="-127"/>
+              </a:rPr>
+              <a:t> </a:t>
+            </a:r>
+            <a:r>
+              <a:rPr sz="1600" b="0" spc="-89" dirty="0">
+                <a:solidFill>
+                  <a:prstClr val="black"/>
+                </a:solidFill>
+                <a:latin typeface="+mn-ea"/>
+                <a:cs typeface="함초롬바탕" panose="02030604000101010101" pitchFamily="18" charset="-127"/>
+              </a:rPr>
+              <a:t>사용 </a:t>
+            </a:r>
+            <a:r>
+              <a:rPr sz="1600" b="0" spc="-44" dirty="0">
+                <a:solidFill>
+                  <a:prstClr val="black"/>
+                </a:solidFill>
+                <a:latin typeface="+mn-ea"/>
+                <a:cs typeface="함초롬바탕" panose="02030604000101010101" pitchFamily="18" charset="-127"/>
+              </a:rPr>
+              <a:t>중 </a:t>
+            </a:r>
+            <a:r>
+              <a:rPr sz="1600" b="0" spc="-103" dirty="0">
+                <a:solidFill>
+                  <a:prstClr val="black"/>
+                </a:solidFill>
+                <a:latin typeface="+mn-ea"/>
+                <a:cs typeface="함초롬바탕" panose="02030604000101010101" pitchFamily="18" charset="-127"/>
+              </a:rPr>
+              <a:t>마지막 </a:t>
+            </a:r>
+            <a:r>
+              <a:rPr sz="1600" b="0" spc="-44" dirty="0">
+                <a:solidFill>
+                  <a:prstClr val="black"/>
+                </a:solidFill>
+                <a:latin typeface="+mn-ea"/>
+                <a:cs typeface="함초롬바탕" panose="02030604000101010101" pitchFamily="18" charset="-127"/>
+              </a:rPr>
+              <a:t>행 </a:t>
+            </a:r>
+            <a:r>
+              <a:rPr sz="1600" b="0" spc="-118" dirty="0">
+                <a:solidFill>
+                  <a:prstClr val="black"/>
+                </a:solidFill>
+                <a:latin typeface="+mn-ea"/>
+                <a:cs typeface="함초롬바탕" panose="02030604000101010101" pitchFamily="18" charset="-127"/>
+              </a:rPr>
+              <a:t>명령모드에서 </a:t>
+            </a:r>
+            <a:r>
+              <a:rPr sz="1600" b="0" spc="-123" dirty="0">
+                <a:solidFill>
+                  <a:prstClr val="black"/>
+                </a:solidFill>
+                <a:latin typeface="+mn-ea"/>
+                <a:cs typeface="Book Antiqua"/>
+              </a:rPr>
+              <a:t>:e#</a:t>
+            </a:r>
+            <a:r>
+              <a:rPr sz="1600" b="0" spc="-123" dirty="0">
+                <a:solidFill>
+                  <a:prstClr val="black"/>
+                </a:solidFill>
+                <a:latin typeface="+mn-ea"/>
+                <a:cs typeface="함초롬바탕" panose="02030604000101010101" pitchFamily="18" charset="-127"/>
+              </a:rPr>
+              <a:t>을 </a:t>
+            </a:r>
+            <a:r>
+              <a:rPr sz="1600" b="0" spc="-108" dirty="0" err="1">
+                <a:solidFill>
+                  <a:prstClr val="black"/>
+                </a:solidFill>
+                <a:latin typeface="+mn-ea"/>
+                <a:cs typeface="함초롬바탕" panose="02030604000101010101" pitchFamily="18" charset="-127"/>
+              </a:rPr>
+              <a:t>실행하면</a:t>
+            </a:r>
+            <a:r>
+              <a:rPr sz="1600" b="0" spc="-108" dirty="0">
+                <a:solidFill>
+                  <a:prstClr val="black"/>
+                </a:solidFill>
+                <a:latin typeface="+mn-ea"/>
+                <a:cs typeface="함초롬바탕" panose="02030604000101010101" pitchFamily="18" charset="-127"/>
+              </a:rPr>
+              <a:t> </a:t>
+            </a:r>
+            <a:endParaRPr lang="en-US" sz="1600" b="0" spc="-108" dirty="0" smtClean="0">
+              <a:solidFill>
+                <a:prstClr val="black"/>
+              </a:solidFill>
+              <a:latin typeface="+mn-ea"/>
+              <a:cs typeface="함초롬바탕" panose="02030604000101010101" pitchFamily="18" charset="-127"/>
+            </a:endParaRPr>
+          </a:p>
+          <a:p>
+            <a:pPr marL="144279" defTabSz="899404" eaLnBrk="1" fontAlgn="auto" latinLnBrk="1" hangingPunct="1">
+              <a:spcBef>
+                <a:spcPts val="689"/>
+              </a:spcBef>
+              <a:spcAft>
+                <a:spcPts val="0"/>
+              </a:spcAft>
+              <a:buClrTx/>
+            </a:pPr>
+            <a:r>
+              <a:rPr lang="en-US" sz="1600" spc="-108" dirty="0">
+                <a:solidFill>
+                  <a:prstClr val="black"/>
+                </a:solidFill>
+                <a:latin typeface="+mn-ea"/>
+                <a:cs typeface="함초롬바탕" panose="02030604000101010101" pitchFamily="18" charset="-127"/>
+              </a:rPr>
+              <a:t> </a:t>
+            </a:r>
+            <a:r>
+              <a:rPr lang="en-US" sz="1600" spc="-108" dirty="0" smtClean="0">
+                <a:solidFill>
+                  <a:prstClr val="black"/>
+                </a:solidFill>
+                <a:latin typeface="+mn-ea"/>
+                <a:cs typeface="함초롬바탕" panose="02030604000101010101" pitchFamily="18" charset="-127"/>
+              </a:rPr>
+              <a:t>  </a:t>
+            </a:r>
+            <a:r>
+              <a:rPr sz="1600" b="0" spc="-89" dirty="0" err="1" smtClean="0">
+                <a:solidFill>
+                  <a:prstClr val="black"/>
+                </a:solidFill>
+                <a:latin typeface="+mn-ea"/>
+                <a:cs typeface="함초롬바탕" panose="02030604000101010101" pitchFamily="18" charset="-127"/>
+              </a:rPr>
+              <a:t>이전</a:t>
+            </a:r>
+            <a:r>
+              <a:rPr sz="1600" b="0" spc="-89" dirty="0" smtClean="0">
+                <a:solidFill>
+                  <a:prstClr val="black"/>
+                </a:solidFill>
+                <a:latin typeface="+mn-ea"/>
+                <a:cs typeface="함초롬바탕" panose="02030604000101010101" pitchFamily="18" charset="-127"/>
+              </a:rPr>
+              <a:t> </a:t>
+            </a:r>
+            <a:r>
+              <a:rPr sz="1600" b="0" spc="-108" dirty="0">
+                <a:solidFill>
+                  <a:prstClr val="black"/>
+                </a:solidFill>
+                <a:latin typeface="+mn-ea"/>
+                <a:cs typeface="함초롬바탕" panose="02030604000101010101" pitchFamily="18" charset="-127"/>
+              </a:rPr>
+              <a:t>편집하던 </a:t>
+            </a:r>
+            <a:r>
+              <a:rPr sz="1600" b="0" spc="-103" dirty="0" err="1">
+                <a:solidFill>
+                  <a:prstClr val="black"/>
+                </a:solidFill>
+                <a:latin typeface="+mn-ea"/>
+                <a:cs typeface="함초롬바탕" panose="02030604000101010101" pitchFamily="18" charset="-127"/>
+              </a:rPr>
+              <a:t>파일로</a:t>
+            </a:r>
+            <a:r>
+              <a:rPr sz="1600" b="0" spc="-157" dirty="0">
+                <a:solidFill>
+                  <a:prstClr val="black"/>
+                </a:solidFill>
+                <a:latin typeface="+mn-ea"/>
+                <a:cs typeface="함초롬바탕" panose="02030604000101010101" pitchFamily="18" charset="-127"/>
+              </a:rPr>
+              <a:t> </a:t>
+            </a:r>
+            <a:r>
+              <a:rPr sz="1600" b="0" spc="-89" dirty="0" err="1" smtClean="0">
+                <a:solidFill>
+                  <a:prstClr val="black"/>
+                </a:solidFill>
+                <a:latin typeface="+mn-ea"/>
+                <a:cs typeface="함초롬바탕" panose="02030604000101010101" pitchFamily="18" charset="-127"/>
+              </a:rPr>
+              <a:t>이동</a:t>
+            </a:r>
+            <a:endParaRPr lang="en-US" sz="1600" b="0" spc="-89" dirty="0" smtClean="0">
+              <a:solidFill>
+                <a:prstClr val="black"/>
+              </a:solidFill>
+              <a:latin typeface="+mn-ea"/>
+              <a:cs typeface="함초롬바탕" panose="02030604000101010101" pitchFamily="18" charset="-127"/>
+            </a:endParaRPr>
+          </a:p>
+          <a:p>
+            <a:pPr marL="144279" defTabSz="899404" eaLnBrk="1" fontAlgn="auto" latinLnBrk="1" hangingPunct="1">
+              <a:spcBef>
+                <a:spcPts val="689"/>
+              </a:spcBef>
+              <a:spcAft>
+                <a:spcPts val="0"/>
+              </a:spcAft>
+              <a:buClrTx/>
+            </a:pPr>
+            <a:endParaRPr lang="en-US" sz="1600" b="0" spc="-89" dirty="0" smtClean="0">
+              <a:solidFill>
+                <a:prstClr val="black"/>
+              </a:solidFill>
+              <a:latin typeface="+mn-ea"/>
+              <a:cs typeface="함초롬바탕" panose="02030604000101010101" pitchFamily="18" charset="-127"/>
+            </a:endParaRPr>
+          </a:p>
+          <a:p>
+            <a:pPr marL="12492" defTabSz="899404" latinLnBrk="1">
+              <a:spcBef>
+                <a:spcPts val="787"/>
+              </a:spcBef>
+            </a:pPr>
+            <a:r>
+              <a:rPr lang="ko-KR" altLang="en-US" sz="1600" b="1" spc="-250" dirty="0" smtClean="0">
+                <a:solidFill>
+                  <a:prstClr val="black"/>
+                </a:solidFill>
+                <a:latin typeface="+mn-ea"/>
+                <a:cs typeface="SimSun"/>
+              </a:rPr>
+              <a:t>  ② </a:t>
+            </a:r>
+            <a:r>
+              <a:rPr lang="ko-KR" altLang="en-US" sz="1600" b="1" spc="-103" dirty="0">
+                <a:solidFill>
+                  <a:prstClr val="black"/>
+                </a:solidFill>
+                <a:latin typeface="+mn-ea"/>
+                <a:cs typeface="함초롬바탕" panose="02030604000101010101" pitchFamily="18" charset="-127"/>
+              </a:rPr>
+              <a:t>마지막 </a:t>
+            </a:r>
+            <a:r>
+              <a:rPr lang="ko-KR" altLang="en-US" sz="1600" b="1" spc="-44" dirty="0">
+                <a:solidFill>
+                  <a:prstClr val="black"/>
+                </a:solidFill>
+                <a:latin typeface="+mn-ea"/>
+                <a:cs typeface="함초롬바탕" panose="02030604000101010101" pitchFamily="18" charset="-127"/>
+              </a:rPr>
+              <a:t>행 </a:t>
+            </a:r>
+            <a:r>
+              <a:rPr lang="ko-KR" altLang="en-US" sz="1600" b="1" spc="-118" dirty="0">
+                <a:solidFill>
+                  <a:prstClr val="black"/>
+                </a:solidFill>
+                <a:latin typeface="+mn-ea"/>
+                <a:cs typeface="함초롬바탕" panose="02030604000101010101" pitchFamily="18" charset="-127"/>
+              </a:rPr>
+              <a:t>명령모드에서 </a:t>
+            </a:r>
+            <a:r>
+              <a:rPr lang="ko-KR" altLang="en-US" sz="1600" b="1" spc="-89" dirty="0">
+                <a:solidFill>
+                  <a:prstClr val="black"/>
+                </a:solidFill>
+                <a:latin typeface="+mn-ea"/>
+                <a:cs typeface="함초롬바탕" panose="02030604000101010101" pitchFamily="18" charset="-127"/>
+              </a:rPr>
+              <a:t>기타</a:t>
+            </a:r>
+            <a:r>
+              <a:rPr lang="ko-KR" altLang="en-US" sz="1600" b="1" spc="187" dirty="0">
+                <a:solidFill>
+                  <a:prstClr val="black"/>
+                </a:solidFill>
+                <a:latin typeface="+mn-ea"/>
+                <a:cs typeface="함초롬바탕" panose="02030604000101010101" pitchFamily="18" charset="-127"/>
+              </a:rPr>
+              <a:t> </a:t>
+            </a:r>
+            <a:r>
+              <a:rPr lang="ko-KR" altLang="en-US" sz="1600" b="1" spc="-89" dirty="0">
+                <a:solidFill>
+                  <a:prstClr val="black"/>
+                </a:solidFill>
+                <a:latin typeface="+mn-ea"/>
+                <a:cs typeface="함초롬바탕" panose="02030604000101010101" pitchFamily="18" charset="-127"/>
+              </a:rPr>
+              <a:t>명령</a:t>
+            </a:r>
+            <a:endParaRPr lang="ko-KR" altLang="en-US" sz="1600" b="1" dirty="0">
+              <a:solidFill>
+                <a:prstClr val="black"/>
+              </a:solidFill>
+              <a:latin typeface="+mn-ea"/>
+              <a:cs typeface="함초롬바탕" panose="02030604000101010101" pitchFamily="18" charset="-127"/>
+            </a:endParaRPr>
+          </a:p>
+          <a:p>
+            <a:pPr marL="12492" defTabSz="899404" latinLnBrk="1">
+              <a:spcBef>
+                <a:spcPts val="689"/>
+              </a:spcBef>
+            </a:pPr>
+            <a:r>
+              <a:rPr lang="ko-KR" altLang="en-US" sz="1600" spc="118" dirty="0" smtClean="0">
+                <a:solidFill>
+                  <a:prstClr val="black"/>
+                </a:solidFill>
+                <a:latin typeface="+mn-ea"/>
+                <a:cs typeface="Tahoma"/>
+              </a:rPr>
+              <a:t>  ∙ </a:t>
+            </a:r>
+            <a:r>
+              <a:rPr lang="en-US" altLang="ko-KR" sz="1600" spc="118" dirty="0" smtClean="0">
+                <a:solidFill>
+                  <a:prstClr val="black"/>
+                </a:solidFill>
+                <a:latin typeface="+mn-ea"/>
+                <a:cs typeface="Book Antiqua"/>
+              </a:rPr>
+              <a:t>:</a:t>
+            </a:r>
+            <a:r>
+              <a:rPr lang="en-US" altLang="ko-KR" sz="1600" spc="118" dirty="0">
+                <a:solidFill>
+                  <a:prstClr val="black"/>
+                </a:solidFill>
+                <a:latin typeface="+mn-ea"/>
+                <a:cs typeface="Book Antiqua"/>
+              </a:rPr>
+              <a:t>e </a:t>
+            </a:r>
+            <a:r>
+              <a:rPr lang="en-US" altLang="ko-KR" sz="1600" spc="-157" dirty="0">
+                <a:solidFill>
+                  <a:prstClr val="black"/>
+                </a:solidFill>
+                <a:latin typeface="+mn-ea"/>
+                <a:cs typeface="Book Antiqua"/>
+              </a:rPr>
+              <a:t>filename</a:t>
+            </a:r>
+            <a:r>
+              <a:rPr lang="ko-KR" altLang="en-US" sz="1600" spc="5" dirty="0">
+                <a:solidFill>
+                  <a:prstClr val="black"/>
+                </a:solidFill>
+                <a:latin typeface="+mn-ea"/>
+                <a:cs typeface="Book Antiqua"/>
+              </a:rPr>
+              <a:t> </a:t>
+            </a:r>
+            <a:r>
+              <a:rPr lang="ko-KR" altLang="en-US" sz="1600" spc="-118" dirty="0">
+                <a:solidFill>
+                  <a:prstClr val="black"/>
+                </a:solidFill>
+                <a:latin typeface="+mn-ea"/>
+                <a:cs typeface="함초롬바탕" panose="02030604000101010101" pitchFamily="18" charset="-127"/>
+              </a:rPr>
+              <a:t>현재파일에서 </a:t>
+            </a:r>
+            <a:r>
+              <a:rPr lang="ko-KR" altLang="en-US" sz="1600" spc="-89" dirty="0">
+                <a:solidFill>
+                  <a:prstClr val="black"/>
+                </a:solidFill>
+                <a:latin typeface="+mn-ea"/>
+                <a:cs typeface="함초롬바탕" panose="02030604000101010101" pitchFamily="18" charset="-127"/>
+              </a:rPr>
+              <a:t>다른 </a:t>
+            </a:r>
+            <a:r>
+              <a:rPr lang="ko-KR" altLang="en-US" sz="1600" spc="-103" dirty="0">
+                <a:solidFill>
+                  <a:prstClr val="black"/>
+                </a:solidFill>
+                <a:latin typeface="+mn-ea"/>
+                <a:cs typeface="함초롬바탕" panose="02030604000101010101" pitchFamily="18" charset="-127"/>
+              </a:rPr>
+              <a:t>파일을 </a:t>
+            </a:r>
+            <a:r>
+              <a:rPr lang="ko-KR" altLang="en-US" sz="1600" spc="-108" dirty="0">
+                <a:solidFill>
+                  <a:prstClr val="black"/>
+                </a:solidFill>
+                <a:latin typeface="+mn-ea"/>
+                <a:cs typeface="함초롬바탕" panose="02030604000101010101" pitchFamily="18" charset="-127"/>
+              </a:rPr>
+              <a:t>오픈</a:t>
+            </a:r>
+            <a:r>
+              <a:rPr lang="en-US" altLang="ko-KR" sz="1600" spc="-108" dirty="0">
+                <a:solidFill>
+                  <a:prstClr val="black"/>
+                </a:solidFill>
+                <a:latin typeface="+mn-ea"/>
+                <a:cs typeface="Book Antiqua"/>
+              </a:rPr>
+              <a:t>. </a:t>
+            </a:r>
+            <a:r>
+              <a:rPr lang="ko-KR" altLang="en-US" sz="1600" spc="-112" dirty="0" err="1" smtClean="0">
+                <a:solidFill>
+                  <a:prstClr val="black"/>
+                </a:solidFill>
+                <a:latin typeface="+mn-ea"/>
+                <a:cs typeface="함초롬바탕" panose="02030604000101010101" pitchFamily="18" charset="-127"/>
+              </a:rPr>
+              <a:t>명령모드엣</a:t>
+            </a:r>
+            <a:endParaRPr lang="en-US" altLang="ko-KR" sz="1600" spc="-112" dirty="0" smtClean="0">
+              <a:solidFill>
+                <a:prstClr val="black"/>
+              </a:solidFill>
+              <a:latin typeface="+mn-ea"/>
+              <a:cs typeface="함초롬바탕" panose="02030604000101010101" pitchFamily="18" charset="-127"/>
+            </a:endParaRPr>
+          </a:p>
+          <a:p>
+            <a:pPr marL="12492" defTabSz="899404" latinLnBrk="1">
+              <a:spcBef>
+                <a:spcPts val="689"/>
+              </a:spcBef>
+            </a:pPr>
+            <a:r>
+              <a:rPr lang="en-US" altLang="ko-KR" sz="1600" spc="-112" dirty="0">
+                <a:solidFill>
+                  <a:prstClr val="black"/>
+                </a:solidFill>
+                <a:latin typeface="+mn-ea"/>
+                <a:cs typeface="함초롬바탕" panose="02030604000101010101" pitchFamily="18" charset="-127"/>
+              </a:rPr>
+              <a:t> </a:t>
+            </a:r>
+            <a:r>
+              <a:rPr lang="en-US" altLang="ko-KR" sz="1600" spc="-112" dirty="0" smtClean="0">
+                <a:solidFill>
+                  <a:prstClr val="black"/>
+                </a:solidFill>
+                <a:latin typeface="+mn-ea"/>
+                <a:cs typeface="함초롬바탕" panose="02030604000101010101" pitchFamily="18" charset="-127"/>
+              </a:rPr>
+              <a:t>     </a:t>
+            </a:r>
+            <a:r>
+              <a:rPr lang="ko-KR" altLang="en-US" sz="1600" spc="-112" dirty="0" smtClean="0">
+                <a:solidFill>
+                  <a:prstClr val="black"/>
+                </a:solidFill>
+                <a:latin typeface="+mn-ea"/>
+                <a:cs typeface="함초롬바탕" panose="02030604000101010101" pitchFamily="18" charset="-127"/>
+              </a:rPr>
+              <a:t> </a:t>
+            </a:r>
+            <a:r>
+              <a:rPr lang="en-US" altLang="ko-KR" sz="1600" spc="-123" dirty="0">
+                <a:solidFill>
+                  <a:prstClr val="black"/>
+                </a:solidFill>
+                <a:latin typeface="+mn-ea"/>
+                <a:cs typeface="Book Antiqua"/>
+              </a:rPr>
+              <a:t>n</a:t>
+            </a:r>
+            <a:r>
+              <a:rPr lang="ko-KR" altLang="en-US" sz="1600" spc="-123" dirty="0">
+                <a:solidFill>
+                  <a:prstClr val="black"/>
+                </a:solidFill>
+                <a:latin typeface="+mn-ea"/>
+                <a:cs typeface="함초롬바탕" panose="02030604000101010101" pitchFamily="18" charset="-127"/>
+              </a:rPr>
+              <a:t>을 </a:t>
+            </a:r>
+            <a:r>
+              <a:rPr lang="ko-KR" altLang="en-US" sz="1600" spc="-89" dirty="0">
+                <a:solidFill>
+                  <a:prstClr val="black"/>
+                </a:solidFill>
+                <a:latin typeface="+mn-ea"/>
+                <a:cs typeface="함초롬바탕" panose="02030604000101010101" pitchFamily="18" charset="-127"/>
+              </a:rPr>
+              <a:t>눌러 다시</a:t>
+            </a:r>
+            <a:r>
+              <a:rPr lang="ko-KR" altLang="en-US" sz="1600" spc="-20" dirty="0">
+                <a:solidFill>
+                  <a:prstClr val="black"/>
+                </a:solidFill>
+                <a:latin typeface="+mn-ea"/>
+                <a:cs typeface="함초롬바탕" panose="02030604000101010101" pitchFamily="18" charset="-127"/>
+              </a:rPr>
+              <a:t> </a:t>
+            </a:r>
+            <a:r>
+              <a:rPr lang="ko-KR" altLang="en-US" sz="1600" spc="-103" dirty="0">
+                <a:solidFill>
+                  <a:prstClr val="black"/>
+                </a:solidFill>
+                <a:latin typeface="+mn-ea"/>
+                <a:cs typeface="함초롬바탕" panose="02030604000101010101" pitchFamily="18" charset="-127"/>
+              </a:rPr>
+              <a:t>돌아감</a:t>
+            </a:r>
+            <a:endParaRPr lang="ko-KR" altLang="en-US" sz="1600" dirty="0">
+              <a:solidFill>
+                <a:prstClr val="black"/>
+              </a:solidFill>
+              <a:latin typeface="+mn-ea"/>
+              <a:cs typeface="함초롬바탕" panose="02030604000101010101" pitchFamily="18" charset="-127"/>
+            </a:endParaRPr>
+          </a:p>
+          <a:p>
+            <a:pPr marL="144279" defTabSz="899404" latinLnBrk="1">
+              <a:spcBef>
+                <a:spcPts val="689"/>
+              </a:spcBef>
+            </a:pPr>
+            <a:r>
+              <a:rPr lang="ko-KR" altLang="en-US" sz="1600" spc="128" dirty="0" smtClean="0">
+                <a:solidFill>
+                  <a:prstClr val="black"/>
+                </a:solidFill>
+                <a:latin typeface="+mn-ea"/>
+                <a:cs typeface="Tahoma"/>
+              </a:rPr>
+              <a:t>∙ </a:t>
+            </a:r>
+            <a:r>
+              <a:rPr lang="en-US" altLang="ko-KR" sz="1600" spc="128" dirty="0" smtClean="0">
+                <a:solidFill>
+                  <a:prstClr val="black"/>
+                </a:solidFill>
+                <a:latin typeface="+mn-ea"/>
+                <a:cs typeface="Book Antiqua"/>
+              </a:rPr>
+              <a:t>:</a:t>
+            </a:r>
+            <a:r>
+              <a:rPr lang="en-US" altLang="ko-KR" sz="1600" spc="128" dirty="0">
+                <a:solidFill>
+                  <a:prstClr val="black"/>
+                </a:solidFill>
+                <a:latin typeface="+mn-ea"/>
+                <a:cs typeface="Book Antiqua"/>
+              </a:rPr>
+              <a:t>f </a:t>
+            </a:r>
+            <a:r>
+              <a:rPr lang="ko-KR" altLang="en-US" sz="1600" spc="-89" dirty="0">
+                <a:solidFill>
+                  <a:prstClr val="black"/>
+                </a:solidFill>
+                <a:latin typeface="+mn-ea"/>
+                <a:cs typeface="함초롬바탕" panose="02030604000101010101" pitchFamily="18" charset="-127"/>
+              </a:rPr>
+              <a:t>또는</a:t>
+            </a:r>
+            <a:r>
+              <a:rPr lang="ko-KR" altLang="en-US" sz="1600" spc="30" dirty="0">
+                <a:solidFill>
+                  <a:prstClr val="black"/>
+                </a:solidFill>
+                <a:latin typeface="+mn-ea"/>
+                <a:cs typeface="함초롬바탕" panose="02030604000101010101" pitchFamily="18" charset="-127"/>
+              </a:rPr>
+              <a:t> </a:t>
+            </a:r>
+            <a:r>
+              <a:rPr lang="ko-KR" altLang="en-US" sz="1600" spc="-118" dirty="0" smtClean="0">
+                <a:solidFill>
+                  <a:prstClr val="black"/>
+                </a:solidFill>
+                <a:latin typeface="+mn-ea"/>
+                <a:cs typeface="함초롬바탕" panose="02030604000101010101" pitchFamily="18" charset="-127"/>
+              </a:rPr>
+              <a:t>편집모드에서  </a:t>
+            </a:r>
+            <a:r>
+              <a:rPr lang="en-US" altLang="ko-KR" sz="1600" spc="-118" dirty="0" smtClean="0">
+                <a:solidFill>
+                  <a:prstClr val="black"/>
+                </a:solidFill>
+                <a:latin typeface="+mn-ea"/>
+                <a:cs typeface="Book Antiqua"/>
+              </a:rPr>
+              <a:t>ctrl-g</a:t>
+            </a:r>
+            <a:r>
+              <a:rPr lang="ko-KR" altLang="en-US" sz="1600" spc="-118" dirty="0">
+                <a:solidFill>
+                  <a:prstClr val="black"/>
+                </a:solidFill>
+                <a:latin typeface="+mn-ea"/>
+                <a:cs typeface="함초롬바탕" panose="02030604000101010101" pitchFamily="18" charset="-127"/>
+              </a:rPr>
+              <a:t>를</a:t>
+            </a:r>
+            <a:r>
+              <a:rPr lang="ko-KR" altLang="en-US" sz="1600" spc="15" dirty="0">
+                <a:solidFill>
+                  <a:prstClr val="black"/>
+                </a:solidFill>
+                <a:latin typeface="+mn-ea"/>
+                <a:cs typeface="함초롬바탕" panose="02030604000101010101" pitchFamily="18" charset="-127"/>
+              </a:rPr>
+              <a:t> </a:t>
+            </a:r>
+            <a:r>
+              <a:rPr lang="ko-KR" altLang="en-US" sz="1600" spc="-103" dirty="0">
+                <a:solidFill>
+                  <a:prstClr val="black"/>
+                </a:solidFill>
+                <a:latin typeface="+mn-ea"/>
+                <a:cs typeface="함초롬바탕" panose="02030604000101010101" pitchFamily="18" charset="-127"/>
+              </a:rPr>
+              <a:t>누르면</a:t>
+            </a:r>
+            <a:r>
+              <a:rPr lang="ko-KR" altLang="en-US" sz="1600" spc="25" dirty="0">
+                <a:solidFill>
+                  <a:prstClr val="black"/>
+                </a:solidFill>
+                <a:latin typeface="+mn-ea"/>
+                <a:cs typeface="함초롬바탕" panose="02030604000101010101" pitchFamily="18" charset="-127"/>
+              </a:rPr>
+              <a:t> </a:t>
+            </a:r>
+            <a:r>
+              <a:rPr lang="ko-KR" altLang="en-US" sz="1600" spc="-89" dirty="0">
+                <a:solidFill>
+                  <a:prstClr val="black"/>
+                </a:solidFill>
+                <a:latin typeface="+mn-ea"/>
+                <a:cs typeface="함초롬바탕" panose="02030604000101010101" pitchFamily="18" charset="-127"/>
+              </a:rPr>
+              <a:t>현재</a:t>
+            </a:r>
+            <a:r>
+              <a:rPr lang="ko-KR" altLang="en-US" sz="1600" spc="25" dirty="0">
+                <a:solidFill>
+                  <a:prstClr val="black"/>
+                </a:solidFill>
+                <a:latin typeface="+mn-ea"/>
+                <a:cs typeface="함초롬바탕" panose="02030604000101010101" pitchFamily="18" charset="-127"/>
+              </a:rPr>
+              <a:t> </a:t>
+            </a:r>
+            <a:r>
+              <a:rPr lang="ko-KR" altLang="en-US" sz="1600" spc="-89" dirty="0">
+                <a:solidFill>
+                  <a:prstClr val="black"/>
+                </a:solidFill>
+                <a:latin typeface="+mn-ea"/>
+                <a:cs typeface="함초롬바탕" panose="02030604000101010101" pitchFamily="18" charset="-127"/>
+              </a:rPr>
+              <a:t>파일</a:t>
+            </a:r>
+            <a:r>
+              <a:rPr lang="ko-KR" altLang="en-US" sz="1600" spc="15" dirty="0">
+                <a:solidFill>
+                  <a:prstClr val="black"/>
+                </a:solidFill>
+                <a:latin typeface="+mn-ea"/>
+                <a:cs typeface="함초롬바탕" panose="02030604000101010101" pitchFamily="18" charset="-127"/>
+              </a:rPr>
+              <a:t> </a:t>
+            </a:r>
+            <a:r>
+              <a:rPr lang="ko-KR" altLang="en-US" sz="1600" spc="-44" dirty="0">
+                <a:solidFill>
+                  <a:prstClr val="black"/>
+                </a:solidFill>
+                <a:latin typeface="+mn-ea"/>
+                <a:cs typeface="함초롬바탕" panose="02030604000101010101" pitchFamily="18" charset="-127"/>
+              </a:rPr>
+              <a:t>명</a:t>
+            </a:r>
+            <a:r>
+              <a:rPr lang="ko-KR" altLang="en-US" sz="1600" spc="25" dirty="0">
+                <a:solidFill>
+                  <a:prstClr val="black"/>
+                </a:solidFill>
+                <a:latin typeface="+mn-ea"/>
+                <a:cs typeface="함초롬바탕" panose="02030604000101010101" pitchFamily="18" charset="-127"/>
+              </a:rPr>
+              <a:t> </a:t>
+            </a:r>
+            <a:r>
+              <a:rPr lang="ko-KR" altLang="en-US" sz="1600" spc="-89" dirty="0">
+                <a:solidFill>
+                  <a:prstClr val="black"/>
+                </a:solidFill>
+                <a:latin typeface="+mn-ea"/>
+                <a:cs typeface="함초롬바탕" panose="02030604000101010101" pitchFamily="18" charset="-127"/>
+              </a:rPr>
+              <a:t>등의</a:t>
+            </a:r>
+            <a:r>
+              <a:rPr lang="ko-KR" altLang="en-US" sz="1600" spc="25" dirty="0">
+                <a:solidFill>
+                  <a:prstClr val="black"/>
+                </a:solidFill>
+                <a:latin typeface="+mn-ea"/>
+                <a:cs typeface="함초롬바탕" panose="02030604000101010101" pitchFamily="18" charset="-127"/>
+              </a:rPr>
+              <a:t> </a:t>
+            </a:r>
+            <a:endParaRPr lang="en-US" altLang="ko-KR" sz="1600" spc="25" dirty="0" smtClean="0">
+              <a:solidFill>
+                <a:prstClr val="black"/>
+              </a:solidFill>
+              <a:latin typeface="+mn-ea"/>
+              <a:cs typeface="함초롬바탕" panose="02030604000101010101" pitchFamily="18" charset="-127"/>
+            </a:endParaRPr>
+          </a:p>
+          <a:p>
+            <a:pPr marL="144279" defTabSz="899404" latinLnBrk="1">
+              <a:spcBef>
+                <a:spcPts val="689"/>
+              </a:spcBef>
+            </a:pPr>
+            <a:r>
+              <a:rPr lang="en-US" altLang="ko-KR" sz="1600" spc="25" dirty="0">
+                <a:solidFill>
+                  <a:prstClr val="black"/>
+                </a:solidFill>
+                <a:latin typeface="+mn-ea"/>
+                <a:cs typeface="함초롬바탕" panose="02030604000101010101" pitchFamily="18" charset="-127"/>
+              </a:rPr>
+              <a:t> </a:t>
+            </a:r>
+            <a:r>
+              <a:rPr lang="en-US" altLang="ko-KR" sz="1600" spc="25" dirty="0" smtClean="0">
+                <a:solidFill>
+                  <a:prstClr val="black"/>
+                </a:solidFill>
+                <a:latin typeface="+mn-ea"/>
+                <a:cs typeface="함초롬바탕" panose="02030604000101010101" pitchFamily="18" charset="-127"/>
+              </a:rPr>
+              <a:t> </a:t>
+            </a:r>
+            <a:r>
+              <a:rPr lang="ko-KR" altLang="en-US" sz="1600" spc="-103" dirty="0" smtClean="0">
+                <a:solidFill>
+                  <a:prstClr val="black"/>
+                </a:solidFill>
+                <a:latin typeface="+mn-ea"/>
+                <a:cs typeface="함초롬바탕" panose="02030604000101010101" pitchFamily="18" charset="-127"/>
+              </a:rPr>
+              <a:t>상황을</a:t>
+            </a:r>
+            <a:r>
+              <a:rPr lang="ko-KR" altLang="en-US" sz="1600" spc="15" dirty="0" smtClean="0">
+                <a:solidFill>
+                  <a:prstClr val="black"/>
+                </a:solidFill>
+                <a:latin typeface="+mn-ea"/>
+                <a:cs typeface="함초롬바탕" panose="02030604000101010101" pitchFamily="18" charset="-127"/>
+              </a:rPr>
+              <a:t> </a:t>
+            </a:r>
+            <a:r>
+              <a:rPr lang="ko-KR" altLang="en-US" sz="1600" spc="-44" dirty="0">
+                <a:solidFill>
+                  <a:prstClr val="black"/>
+                </a:solidFill>
+                <a:latin typeface="+mn-ea"/>
+                <a:cs typeface="함초롬바탕" panose="02030604000101010101" pitchFamily="18" charset="-127"/>
+              </a:rPr>
+              <a:t>볼</a:t>
+            </a:r>
+            <a:r>
+              <a:rPr lang="ko-KR" altLang="en-US" sz="1600" spc="25" dirty="0">
+                <a:solidFill>
+                  <a:prstClr val="black"/>
+                </a:solidFill>
+                <a:latin typeface="+mn-ea"/>
+                <a:cs typeface="함초롬바탕" panose="02030604000101010101" pitchFamily="18" charset="-127"/>
+              </a:rPr>
+              <a:t> </a:t>
+            </a:r>
+            <a:r>
+              <a:rPr lang="ko-KR" altLang="en-US" sz="1600" spc="-44" dirty="0">
+                <a:solidFill>
+                  <a:prstClr val="black"/>
+                </a:solidFill>
+                <a:latin typeface="+mn-ea"/>
+                <a:cs typeface="함초롬바탕" panose="02030604000101010101" pitchFamily="18" charset="-127"/>
+              </a:rPr>
+              <a:t>수</a:t>
+            </a:r>
+            <a:r>
+              <a:rPr lang="ko-KR" altLang="en-US" sz="1600" spc="25" dirty="0">
+                <a:solidFill>
+                  <a:prstClr val="black"/>
+                </a:solidFill>
+                <a:latin typeface="+mn-ea"/>
+                <a:cs typeface="함초롬바탕" panose="02030604000101010101" pitchFamily="18" charset="-127"/>
+              </a:rPr>
+              <a:t> </a:t>
+            </a:r>
+            <a:r>
+              <a:rPr lang="ko-KR" altLang="en-US" sz="1600" spc="-108" dirty="0">
+                <a:solidFill>
+                  <a:prstClr val="black"/>
+                </a:solidFill>
+                <a:latin typeface="+mn-ea"/>
+                <a:cs typeface="함초롬바탕" panose="02030604000101010101" pitchFamily="18" charset="-127"/>
+              </a:rPr>
+              <a:t>있음</a:t>
+            </a:r>
+            <a:r>
+              <a:rPr lang="en-US" altLang="ko-KR" sz="1600" spc="-108" dirty="0">
+                <a:solidFill>
+                  <a:prstClr val="black"/>
+                </a:solidFill>
+                <a:latin typeface="+mn-ea"/>
+                <a:cs typeface="Book Antiqua"/>
+              </a:rPr>
+              <a:t>.</a:t>
+            </a:r>
+            <a:r>
+              <a:rPr lang="ko-KR" altLang="en-US" sz="1600" spc="-25" dirty="0">
+                <a:solidFill>
+                  <a:prstClr val="black"/>
+                </a:solidFill>
+                <a:latin typeface="+mn-ea"/>
+                <a:cs typeface="Book Antiqua"/>
+              </a:rPr>
+              <a:t> </a:t>
+            </a:r>
+            <a:r>
+              <a:rPr lang="ko-KR" altLang="en-US" sz="1600" spc="-89" dirty="0">
+                <a:solidFill>
+                  <a:prstClr val="black"/>
+                </a:solidFill>
+                <a:latin typeface="+mn-ea"/>
+                <a:cs typeface="함초롬바탕" panose="02030604000101010101" pitchFamily="18" charset="-127"/>
+              </a:rPr>
+              <a:t>현재</a:t>
+            </a:r>
+            <a:r>
+              <a:rPr lang="ko-KR" altLang="en-US" sz="1600" spc="25" dirty="0">
+                <a:solidFill>
+                  <a:prstClr val="black"/>
+                </a:solidFill>
+                <a:latin typeface="+mn-ea"/>
+                <a:cs typeface="함초롬바탕" panose="02030604000101010101" pitchFamily="18" charset="-127"/>
+              </a:rPr>
+              <a:t> </a:t>
+            </a:r>
+            <a:r>
+              <a:rPr lang="ko-KR" altLang="en-US" sz="1600" spc="-89" dirty="0">
+                <a:solidFill>
+                  <a:prstClr val="black"/>
+                </a:solidFill>
+                <a:latin typeface="+mn-ea"/>
+                <a:cs typeface="함초롬바탕" panose="02030604000101010101" pitchFamily="18" charset="-127"/>
+              </a:rPr>
+              <a:t>파일</a:t>
+            </a:r>
+            <a:r>
+              <a:rPr lang="ko-KR" altLang="en-US" sz="1600" spc="25" dirty="0">
+                <a:solidFill>
+                  <a:prstClr val="black"/>
+                </a:solidFill>
+                <a:latin typeface="+mn-ea"/>
+                <a:cs typeface="함초롬바탕" panose="02030604000101010101" pitchFamily="18" charset="-127"/>
+              </a:rPr>
+              <a:t> </a:t>
+            </a:r>
+            <a:r>
+              <a:rPr lang="ko-KR" altLang="en-US" sz="1600" spc="-103" dirty="0">
+                <a:solidFill>
+                  <a:prstClr val="black"/>
+                </a:solidFill>
+                <a:latin typeface="+mn-ea"/>
+                <a:cs typeface="함초롬바탕" panose="02030604000101010101" pitchFamily="18" charset="-127"/>
+              </a:rPr>
+              <a:t>상황은</a:t>
+            </a:r>
+            <a:r>
+              <a:rPr lang="ko-KR" altLang="en-US" sz="1600" spc="15" dirty="0">
+                <a:solidFill>
+                  <a:prstClr val="black"/>
+                </a:solidFill>
+                <a:latin typeface="+mn-ea"/>
+                <a:cs typeface="함초롬바탕" panose="02030604000101010101" pitchFamily="18" charset="-127"/>
+              </a:rPr>
+              <a:t> </a:t>
+            </a:r>
+            <a:r>
+              <a:rPr lang="ko-KR" altLang="en-US" sz="1600" spc="-103" dirty="0">
+                <a:solidFill>
+                  <a:prstClr val="black"/>
+                </a:solidFill>
+                <a:latin typeface="+mn-ea"/>
+                <a:cs typeface="함초롬바탕" panose="02030604000101010101" pitchFamily="18" charset="-127"/>
+              </a:rPr>
+              <a:t>하단에</a:t>
+            </a:r>
+            <a:r>
+              <a:rPr lang="ko-KR" altLang="en-US" sz="1600" spc="25" dirty="0">
+                <a:solidFill>
+                  <a:prstClr val="black"/>
+                </a:solidFill>
+                <a:latin typeface="+mn-ea"/>
+                <a:cs typeface="함초롬바탕" panose="02030604000101010101" pitchFamily="18" charset="-127"/>
+              </a:rPr>
+              <a:t> </a:t>
+            </a:r>
+            <a:r>
+              <a:rPr lang="ko-KR" altLang="en-US" sz="1600" spc="-103" dirty="0">
+                <a:solidFill>
+                  <a:prstClr val="black"/>
+                </a:solidFill>
+                <a:latin typeface="+mn-ea"/>
+                <a:cs typeface="함초롬바탕" panose="02030604000101010101" pitchFamily="18" charset="-127"/>
+              </a:rPr>
+              <a:t>표시됨</a:t>
+            </a:r>
+            <a:r>
+              <a:rPr lang="ko-KR" altLang="en-US" sz="1600" spc="25" dirty="0">
+                <a:solidFill>
+                  <a:prstClr val="black"/>
+                </a:solidFill>
+                <a:latin typeface="+mn-ea"/>
+                <a:cs typeface="함초롬바탕" panose="02030604000101010101" pitchFamily="18" charset="-127"/>
+              </a:rPr>
+              <a:t> </a:t>
+            </a:r>
+            <a:endParaRPr lang="ko-KR" altLang="en-US" sz="1600" dirty="0">
+              <a:solidFill>
+                <a:prstClr val="black"/>
+              </a:solidFill>
+              <a:latin typeface="+mn-ea"/>
+              <a:cs typeface="함초롬바탕" panose="02030604000101010101" pitchFamily="18" charset="-127"/>
+            </a:endParaRPr>
+          </a:p>
+          <a:p>
+            <a:pPr marL="12492" defTabSz="899404" latinLnBrk="1">
+              <a:spcBef>
+                <a:spcPts val="772"/>
+              </a:spcBef>
+            </a:pPr>
+            <a:r>
+              <a:rPr lang="ko-KR" altLang="en-US" sz="1600" spc="-250" dirty="0" smtClean="0">
+                <a:solidFill>
+                  <a:prstClr val="black"/>
+                </a:solidFill>
+                <a:latin typeface="+mn-ea"/>
+                <a:cs typeface="SimSun"/>
+              </a:rPr>
+              <a:t>  </a:t>
+            </a:r>
+            <a:endParaRPr lang="en-US" altLang="ko-KR" sz="1600" spc="-250" dirty="0" smtClean="0">
+              <a:solidFill>
+                <a:prstClr val="black"/>
+              </a:solidFill>
+              <a:latin typeface="+mn-ea"/>
+              <a:cs typeface="SimSun"/>
+            </a:endParaRPr>
+          </a:p>
+          <a:p>
+            <a:pPr marL="12492" defTabSz="899404" latinLnBrk="1">
+              <a:spcBef>
+                <a:spcPts val="772"/>
+              </a:spcBef>
+            </a:pPr>
+            <a:r>
+              <a:rPr lang="ko-KR" altLang="en-US" sz="1600" b="1" spc="-250" dirty="0" smtClean="0">
+                <a:solidFill>
+                  <a:prstClr val="black"/>
+                </a:solidFill>
+                <a:latin typeface="+mn-ea"/>
+                <a:cs typeface="SimSun"/>
+              </a:rPr>
+              <a:t>③ </a:t>
+            </a:r>
+            <a:r>
+              <a:rPr lang="ko-KR" altLang="en-US" sz="1600" b="1" spc="-112" dirty="0">
+                <a:solidFill>
+                  <a:prstClr val="black"/>
+                </a:solidFill>
+                <a:latin typeface="+mn-ea"/>
+                <a:cs typeface="함초롬바탕" panose="02030604000101010101" pitchFamily="18" charset="-127"/>
+              </a:rPr>
+              <a:t>현재파일을 </a:t>
+            </a:r>
+            <a:r>
+              <a:rPr lang="ko-KR" altLang="en-US" sz="1600" b="1" spc="-89" dirty="0">
+                <a:solidFill>
+                  <a:prstClr val="black"/>
+                </a:solidFill>
+                <a:latin typeface="+mn-ea"/>
+                <a:cs typeface="함초롬바탕" panose="02030604000101010101" pitchFamily="18" charset="-127"/>
+              </a:rPr>
+              <a:t>다른 </a:t>
+            </a:r>
+            <a:r>
+              <a:rPr lang="ko-KR" altLang="en-US" sz="1600" b="1" spc="-108" dirty="0">
+                <a:solidFill>
+                  <a:prstClr val="black"/>
+                </a:solidFill>
+                <a:latin typeface="+mn-ea"/>
+                <a:cs typeface="함초롬바탕" panose="02030604000101010101" pitchFamily="18" charset="-127"/>
+              </a:rPr>
+              <a:t>이름으로</a:t>
+            </a:r>
+            <a:r>
+              <a:rPr lang="ko-KR" altLang="en-US" sz="1600" b="1" spc="64" dirty="0">
+                <a:solidFill>
+                  <a:prstClr val="black"/>
+                </a:solidFill>
+                <a:latin typeface="+mn-ea"/>
+                <a:cs typeface="함초롬바탕" panose="02030604000101010101" pitchFamily="18" charset="-127"/>
+              </a:rPr>
+              <a:t> </a:t>
+            </a:r>
+            <a:r>
+              <a:rPr lang="ko-KR" altLang="en-US" sz="1600" b="1" spc="-89" dirty="0">
+                <a:solidFill>
+                  <a:prstClr val="black"/>
+                </a:solidFill>
+                <a:latin typeface="+mn-ea"/>
+                <a:cs typeface="함초롬바탕" panose="02030604000101010101" pitchFamily="18" charset="-127"/>
+              </a:rPr>
+              <a:t>저장</a:t>
+            </a:r>
+            <a:endParaRPr lang="ko-KR" altLang="en-US" sz="1600" b="1" dirty="0">
+              <a:solidFill>
+                <a:prstClr val="black"/>
+              </a:solidFill>
+              <a:latin typeface="+mn-ea"/>
+              <a:cs typeface="함초롬바탕" panose="02030604000101010101" pitchFamily="18" charset="-127"/>
+            </a:endParaRPr>
+          </a:p>
+          <a:p>
+            <a:pPr marL="12492" defTabSz="899404" latinLnBrk="1">
+              <a:spcBef>
+                <a:spcPts val="684"/>
+              </a:spcBef>
+            </a:pPr>
+            <a:r>
+              <a:rPr lang="ko-KR" altLang="en-US" sz="1600" spc="639" dirty="0" smtClean="0">
+                <a:solidFill>
+                  <a:prstClr val="black"/>
+                </a:solidFill>
+                <a:latin typeface="+mn-ea"/>
+                <a:cs typeface="Tahoma"/>
+              </a:rPr>
+              <a:t> ∙</a:t>
+            </a:r>
+            <a:r>
+              <a:rPr lang="en-US" altLang="ko-KR" sz="1600" spc="-152" dirty="0" smtClean="0">
+                <a:solidFill>
+                  <a:prstClr val="black"/>
+                </a:solidFill>
+                <a:latin typeface="+mn-ea"/>
+                <a:cs typeface="Book Antiqua"/>
+              </a:rPr>
+              <a:t>:</a:t>
+            </a:r>
+            <a:r>
+              <a:rPr lang="en-US" altLang="ko-KR" sz="1600" spc="-152" dirty="0">
+                <a:solidFill>
+                  <a:prstClr val="black"/>
+                </a:solidFill>
+                <a:latin typeface="+mn-ea"/>
+                <a:cs typeface="Book Antiqua"/>
+              </a:rPr>
+              <a:t>w </a:t>
+            </a:r>
+            <a:r>
+              <a:rPr lang="en-US" altLang="ko-KR" sz="1600" spc="-172" dirty="0" err="1">
+                <a:solidFill>
+                  <a:prstClr val="black"/>
+                </a:solidFill>
+                <a:latin typeface="+mn-ea"/>
+                <a:cs typeface="Book Antiqua"/>
+              </a:rPr>
+              <a:t>newfilename</a:t>
+            </a:r>
+            <a:endParaRPr lang="ko-KR" altLang="en-US" sz="1600" dirty="0">
+              <a:solidFill>
+                <a:prstClr val="black"/>
+              </a:solidFill>
+              <a:latin typeface="+mn-ea"/>
+              <a:cs typeface="Book Antiqua"/>
+            </a:endParaRPr>
+          </a:p>
+          <a:p>
+            <a:pPr marL="12492" defTabSz="899404" latinLnBrk="1">
+              <a:spcBef>
+                <a:spcPts val="689"/>
+              </a:spcBef>
+            </a:pPr>
+            <a:r>
+              <a:rPr lang="ko-KR" altLang="en-US" sz="1600" spc="639" dirty="0" smtClean="0">
+                <a:solidFill>
+                  <a:prstClr val="black"/>
+                </a:solidFill>
+                <a:latin typeface="+mn-ea"/>
+                <a:cs typeface="Tahoma"/>
+              </a:rPr>
+              <a:t> ∙</a:t>
+            </a:r>
+            <a:r>
+              <a:rPr lang="en-US" altLang="ko-KR" sz="1600" spc="-123" dirty="0" smtClean="0">
+                <a:solidFill>
+                  <a:prstClr val="black"/>
+                </a:solidFill>
+                <a:latin typeface="+mn-ea"/>
+                <a:cs typeface="Book Antiqua"/>
+              </a:rPr>
+              <a:t>:</a:t>
+            </a:r>
+            <a:r>
+              <a:rPr lang="en-US" altLang="ko-KR" sz="1600" spc="-123" dirty="0">
+                <a:solidFill>
+                  <a:prstClr val="black"/>
+                </a:solidFill>
+                <a:latin typeface="+mn-ea"/>
+                <a:cs typeface="Book Antiqua"/>
+              </a:rPr>
+              <a:t>3,6</a:t>
+            </a:r>
+            <a:r>
+              <a:rPr lang="ko-KR" altLang="en-US" sz="1600" spc="-167" dirty="0">
+                <a:solidFill>
+                  <a:prstClr val="black"/>
+                </a:solidFill>
+                <a:latin typeface="+mn-ea"/>
+                <a:cs typeface="Book Antiqua"/>
+              </a:rPr>
+              <a:t> </a:t>
+            </a:r>
+            <a:r>
+              <a:rPr lang="en-US" altLang="ko-KR" sz="1600" spc="-211" dirty="0">
+                <a:solidFill>
+                  <a:prstClr val="black"/>
+                </a:solidFill>
+                <a:latin typeface="+mn-ea"/>
+                <a:cs typeface="Book Antiqua"/>
+              </a:rPr>
+              <a:t>w </a:t>
+            </a:r>
+            <a:r>
+              <a:rPr lang="en-US" altLang="ko-KR" sz="1600" spc="-172" dirty="0" err="1">
+                <a:solidFill>
+                  <a:prstClr val="black"/>
+                </a:solidFill>
+                <a:latin typeface="+mn-ea"/>
+                <a:cs typeface="Book Antiqua"/>
+              </a:rPr>
+              <a:t>newfilename</a:t>
+            </a:r>
+            <a:r>
+              <a:rPr lang="en-US" altLang="ko-KR" sz="1600" spc="-172" dirty="0">
+                <a:solidFill>
+                  <a:prstClr val="black"/>
+                </a:solidFill>
+                <a:latin typeface="+mn-ea"/>
+                <a:cs typeface="Book Antiqua"/>
+              </a:rPr>
+              <a:t> </a:t>
+            </a:r>
+            <a:r>
+              <a:rPr lang="en-US" altLang="ko-KR" sz="1600" spc="-138" dirty="0">
+                <a:solidFill>
+                  <a:prstClr val="black"/>
+                </a:solidFill>
+                <a:latin typeface="+mn-ea"/>
+                <a:cs typeface="Book Antiqua"/>
+              </a:rPr>
+              <a:t>(3~6</a:t>
+            </a:r>
+            <a:r>
+              <a:rPr lang="ko-KR" altLang="en-US" sz="1600" spc="-138" dirty="0">
+                <a:solidFill>
+                  <a:prstClr val="black"/>
+                </a:solidFill>
+                <a:latin typeface="+mn-ea"/>
+                <a:cs typeface="함초롬바탕" panose="02030604000101010101" pitchFamily="18" charset="-127"/>
+              </a:rPr>
+              <a:t>라인 </a:t>
+            </a:r>
+            <a:r>
+              <a:rPr lang="ko-KR" altLang="en-US" sz="1600" spc="-103" dirty="0">
+                <a:solidFill>
+                  <a:prstClr val="black"/>
+                </a:solidFill>
+                <a:latin typeface="+mn-ea"/>
+                <a:cs typeface="함초롬바탕" panose="02030604000101010101" pitchFamily="18" charset="-127"/>
+              </a:rPr>
+              <a:t>내용만 </a:t>
+            </a:r>
+            <a:r>
+              <a:rPr lang="ko-KR" altLang="en-US" sz="1600" spc="-112" dirty="0">
+                <a:solidFill>
+                  <a:prstClr val="black"/>
+                </a:solidFill>
+                <a:latin typeface="+mn-ea"/>
+                <a:cs typeface="함초롬바탕" panose="02030604000101010101" pitchFamily="18" charset="-127"/>
+              </a:rPr>
+              <a:t>저장</a:t>
+            </a:r>
+            <a:r>
+              <a:rPr lang="en-US" altLang="ko-KR" sz="1600" spc="-112" dirty="0">
+                <a:solidFill>
+                  <a:prstClr val="black"/>
+                </a:solidFill>
+                <a:latin typeface="+mn-ea"/>
+                <a:cs typeface="Book Antiqua"/>
+              </a:rPr>
+              <a:t>)</a:t>
+            </a:r>
+            <a:endParaRPr lang="ko-KR" altLang="en-US" sz="1600" dirty="0">
+              <a:solidFill>
+                <a:prstClr val="black"/>
+              </a:solidFill>
+              <a:latin typeface="+mn-ea"/>
+              <a:cs typeface="Book Antiqua"/>
+            </a:endParaRPr>
+          </a:p>
+          <a:p>
+            <a:pPr marL="12492" defTabSz="899404" latinLnBrk="1">
+              <a:spcBef>
+                <a:spcPts val="693"/>
+              </a:spcBef>
+            </a:pPr>
+            <a:r>
+              <a:rPr lang="ko-KR" altLang="en-US" sz="1600" spc="89" dirty="0" smtClean="0">
+                <a:solidFill>
+                  <a:prstClr val="black"/>
+                </a:solidFill>
+                <a:latin typeface="+mn-ea"/>
+                <a:cs typeface="Tahoma"/>
+              </a:rPr>
+              <a:t>  ∙ </a:t>
+            </a:r>
+            <a:r>
+              <a:rPr lang="en-US" altLang="ko-KR" sz="1600" spc="89" dirty="0" smtClean="0">
+                <a:solidFill>
+                  <a:prstClr val="black"/>
+                </a:solidFill>
+                <a:latin typeface="+mn-ea"/>
+                <a:cs typeface="Book Antiqua"/>
+              </a:rPr>
+              <a:t>:</a:t>
+            </a:r>
+            <a:r>
+              <a:rPr lang="en-US" altLang="ko-KR" sz="1600" spc="89" dirty="0">
+                <a:solidFill>
+                  <a:prstClr val="black"/>
+                </a:solidFill>
+                <a:latin typeface="+mn-ea"/>
+                <a:cs typeface="Book Antiqua"/>
+              </a:rPr>
+              <a:t>w </a:t>
+            </a:r>
+            <a:r>
+              <a:rPr lang="en-US" altLang="ko-KR" sz="1600" spc="-172" dirty="0">
+                <a:solidFill>
+                  <a:prstClr val="black"/>
+                </a:solidFill>
+                <a:latin typeface="+mn-ea"/>
+                <a:cs typeface="Book Antiqua"/>
+              </a:rPr>
+              <a:t>%.</a:t>
+            </a:r>
+            <a:r>
+              <a:rPr lang="en-US" altLang="ko-KR" sz="1600" spc="-172" dirty="0" err="1">
+                <a:solidFill>
+                  <a:prstClr val="black"/>
+                </a:solidFill>
+                <a:latin typeface="+mn-ea"/>
+                <a:cs typeface="Book Antiqua"/>
+              </a:rPr>
+              <a:t>bak</a:t>
+            </a:r>
+            <a:r>
+              <a:rPr lang="en-US" altLang="ko-KR" sz="1600" spc="-172" dirty="0">
+                <a:solidFill>
+                  <a:prstClr val="black"/>
+                </a:solidFill>
+                <a:latin typeface="+mn-ea"/>
+                <a:cs typeface="Book Antiqua"/>
+              </a:rPr>
+              <a:t> </a:t>
+            </a:r>
+            <a:r>
+              <a:rPr lang="en-US" altLang="ko-KR" sz="1600" spc="-112" dirty="0">
+                <a:solidFill>
+                  <a:prstClr val="black"/>
+                </a:solidFill>
+                <a:latin typeface="+mn-ea"/>
+                <a:cs typeface="Book Antiqua"/>
+              </a:rPr>
+              <a:t>(</a:t>
+            </a:r>
+            <a:r>
+              <a:rPr lang="ko-KR" altLang="en-US" sz="1600" spc="-112" dirty="0">
+                <a:solidFill>
+                  <a:prstClr val="black"/>
+                </a:solidFill>
+                <a:latin typeface="+mn-ea"/>
+                <a:cs typeface="함초롬바탕" panose="02030604000101010101" pitchFamily="18" charset="-127"/>
+              </a:rPr>
+              <a:t>현재파일을</a:t>
+            </a:r>
+            <a:r>
+              <a:rPr lang="ko-KR" altLang="en-US" sz="1600" dirty="0">
+                <a:solidFill>
+                  <a:prstClr val="black"/>
+                </a:solidFill>
+                <a:latin typeface="+mn-ea"/>
+                <a:cs typeface="함초롬바탕" panose="02030604000101010101" pitchFamily="18" charset="-127"/>
+              </a:rPr>
+              <a:t> </a:t>
+            </a:r>
+            <a:r>
+              <a:rPr lang="ko-KR" altLang="en-US" sz="1600" spc="-112" dirty="0">
+                <a:solidFill>
+                  <a:prstClr val="black"/>
+                </a:solidFill>
+                <a:latin typeface="+mn-ea"/>
+                <a:cs typeface="함초롬바탕" panose="02030604000101010101" pitchFamily="18" charset="-127"/>
+              </a:rPr>
+              <a:t>백업</a:t>
+            </a:r>
+            <a:r>
+              <a:rPr lang="en-US" altLang="ko-KR" sz="1600" spc="-112" dirty="0" smtClean="0">
+                <a:solidFill>
+                  <a:prstClr val="black"/>
+                </a:solidFill>
+                <a:latin typeface="+mn-ea"/>
+                <a:cs typeface="Book Antiqua"/>
+              </a:rPr>
+              <a:t>)</a:t>
+            </a:r>
+          </a:p>
+          <a:p>
+            <a:pPr marL="12492" defTabSz="899404" latinLnBrk="1">
+              <a:spcBef>
+                <a:spcPts val="693"/>
+              </a:spcBef>
+            </a:pPr>
+            <a:endParaRPr lang="ko-KR" altLang="en-US" sz="1600" dirty="0">
+              <a:solidFill>
+                <a:prstClr val="black"/>
+              </a:solidFill>
+              <a:latin typeface="+mn-ea"/>
+              <a:cs typeface="Book Antiqua"/>
+            </a:endParaRPr>
+          </a:p>
+          <a:p>
+            <a:pPr marL="144279" defTabSz="899404" latinLnBrk="1">
+              <a:spcBef>
+                <a:spcPts val="689"/>
+              </a:spcBef>
+            </a:pPr>
+            <a:r>
+              <a:rPr lang="en-US" altLang="ko-KR" sz="1600" b="1" spc="-250" dirty="0">
+                <a:solidFill>
+                  <a:prstClr val="black"/>
+                </a:solidFill>
+                <a:latin typeface="+mn-ea"/>
+                <a:cs typeface="SimSun"/>
+              </a:rPr>
+              <a:t>④ </a:t>
+            </a:r>
+            <a:r>
+              <a:rPr lang="en-US" altLang="ko-KR" sz="1600" b="1" spc="-118" dirty="0">
+                <a:solidFill>
+                  <a:prstClr val="black"/>
+                </a:solidFill>
+                <a:latin typeface="+mn-ea"/>
+                <a:cs typeface="Book Antiqua"/>
+              </a:rPr>
+              <a:t>vi</a:t>
+            </a:r>
+            <a:r>
+              <a:rPr lang="ko-KR" altLang="en-US" sz="1600" b="1" spc="-118" dirty="0">
+                <a:solidFill>
+                  <a:prstClr val="black"/>
+                </a:solidFill>
+                <a:latin typeface="+mn-ea"/>
+                <a:cs typeface="함초롬바탕" panose="02030604000101010101" pitchFamily="18" charset="-127"/>
+              </a:rPr>
+              <a:t>에서 </a:t>
+            </a:r>
+            <a:r>
+              <a:rPr lang="ko-KR" altLang="en-US" sz="1600" b="1" spc="-44" dirty="0" err="1">
+                <a:solidFill>
+                  <a:prstClr val="black"/>
+                </a:solidFill>
+                <a:latin typeface="+mn-ea"/>
+                <a:cs typeface="함초롬바탕" panose="02030604000101010101" pitchFamily="18" charset="-127"/>
+              </a:rPr>
+              <a:t>쉘</a:t>
+            </a:r>
+            <a:r>
+              <a:rPr lang="ko-KR" altLang="en-US" sz="1600" b="1" spc="-25" dirty="0">
+                <a:solidFill>
+                  <a:prstClr val="black"/>
+                </a:solidFill>
+                <a:latin typeface="+mn-ea"/>
+                <a:cs typeface="함초롬바탕" panose="02030604000101010101" pitchFamily="18" charset="-127"/>
+              </a:rPr>
+              <a:t> </a:t>
+            </a:r>
+            <a:r>
+              <a:rPr lang="ko-KR" altLang="en-US" sz="1600" b="1" spc="-89" dirty="0">
+                <a:solidFill>
+                  <a:prstClr val="black"/>
+                </a:solidFill>
+                <a:latin typeface="+mn-ea"/>
+                <a:cs typeface="함초롬바탕" panose="02030604000101010101" pitchFamily="18" charset="-127"/>
+              </a:rPr>
+              <a:t>모드</a:t>
+            </a:r>
+            <a:endParaRPr lang="ko-KR" altLang="en-US" sz="1600" b="1" dirty="0">
+              <a:solidFill>
+                <a:prstClr val="black"/>
+              </a:solidFill>
+              <a:latin typeface="+mn-ea"/>
+              <a:cs typeface="함초롬바탕" panose="02030604000101010101" pitchFamily="18" charset="-127"/>
+            </a:endParaRPr>
+          </a:p>
+          <a:p>
+            <a:pPr marL="12492" defTabSz="899404" latinLnBrk="1">
+              <a:spcBef>
+                <a:spcPts val="787"/>
+              </a:spcBef>
+            </a:pPr>
+            <a:r>
+              <a:rPr lang="ko-KR" altLang="en-US" sz="1600" spc="-108" dirty="0" smtClean="0">
+                <a:solidFill>
+                  <a:prstClr val="black"/>
+                </a:solidFill>
+                <a:latin typeface="+mn-ea"/>
+                <a:cs typeface="Tahoma"/>
+              </a:rPr>
+              <a:t>   ∙ </a:t>
+            </a:r>
+            <a:r>
+              <a:rPr lang="en-US" altLang="ko-KR" sz="1600" spc="-108" dirty="0" smtClean="0">
+                <a:solidFill>
+                  <a:prstClr val="black"/>
+                </a:solidFill>
+                <a:latin typeface="+mn-ea"/>
+                <a:cs typeface="Book Antiqua"/>
+              </a:rPr>
+              <a:t>:!</a:t>
+            </a:r>
+            <a:r>
+              <a:rPr lang="en-US" altLang="ko-KR" sz="1600" spc="-108" dirty="0">
+                <a:solidFill>
+                  <a:prstClr val="black"/>
+                </a:solidFill>
+                <a:latin typeface="+mn-ea"/>
+                <a:cs typeface="Book Antiqua"/>
+              </a:rPr>
+              <a:t>command</a:t>
+            </a:r>
+            <a:endParaRPr lang="ko-KR" altLang="en-US" sz="1600" dirty="0">
+              <a:solidFill>
+                <a:prstClr val="black"/>
+              </a:solidFill>
+              <a:latin typeface="+mn-ea"/>
+              <a:cs typeface="Book Antiqua"/>
+            </a:endParaRPr>
+          </a:p>
+          <a:p>
+            <a:pPr marL="12492" defTabSz="899404" latinLnBrk="1">
+              <a:spcBef>
+                <a:spcPts val="689"/>
+              </a:spcBef>
+            </a:pPr>
+            <a:r>
+              <a:rPr lang="ko-KR" altLang="en-US" sz="1600" spc="64" dirty="0" smtClean="0">
+                <a:solidFill>
+                  <a:prstClr val="black"/>
+                </a:solidFill>
+                <a:latin typeface="+mn-ea"/>
+                <a:cs typeface="Tahoma"/>
+              </a:rPr>
+              <a:t>  ∙ </a:t>
+            </a:r>
+            <a:r>
+              <a:rPr lang="ko-KR" altLang="en-US" sz="1600" spc="64" dirty="0" smtClean="0">
+                <a:solidFill>
+                  <a:prstClr val="black"/>
+                </a:solidFill>
+                <a:latin typeface="+mn-ea"/>
+                <a:cs typeface="함초롬바탕" panose="02030604000101010101" pitchFamily="18" charset="-127"/>
+              </a:rPr>
+              <a:t>마지막 </a:t>
+            </a:r>
+            <a:r>
+              <a:rPr lang="ko-KR" altLang="en-US" sz="1600" spc="-44" dirty="0">
+                <a:solidFill>
+                  <a:prstClr val="black"/>
+                </a:solidFill>
+                <a:latin typeface="+mn-ea"/>
+                <a:cs typeface="함초롬바탕" panose="02030604000101010101" pitchFamily="18" charset="-127"/>
+              </a:rPr>
+              <a:t>행 </a:t>
+            </a:r>
+            <a:r>
+              <a:rPr lang="ko-KR" altLang="en-US" sz="1600" spc="-118" dirty="0">
+                <a:solidFill>
+                  <a:prstClr val="black"/>
+                </a:solidFill>
+                <a:latin typeface="+mn-ea"/>
+                <a:cs typeface="함초롬바탕" panose="02030604000101010101" pitchFamily="18" charset="-127"/>
+              </a:rPr>
+              <a:t>명령모드에서 </a:t>
+            </a:r>
+            <a:r>
+              <a:rPr lang="en-US" altLang="ko-KR" sz="1600" spc="-103" dirty="0">
+                <a:solidFill>
+                  <a:prstClr val="black"/>
+                </a:solidFill>
+                <a:latin typeface="+mn-ea"/>
+                <a:cs typeface="Book Antiqua"/>
+              </a:rPr>
+              <a:t>!</a:t>
+            </a:r>
+            <a:r>
+              <a:rPr lang="ko-KR" altLang="en-US" sz="1600" spc="-103" dirty="0">
+                <a:solidFill>
+                  <a:prstClr val="black"/>
+                </a:solidFill>
+                <a:latin typeface="+mn-ea"/>
+                <a:cs typeface="함초롬바탕" panose="02030604000101010101" pitchFamily="18" charset="-127"/>
+              </a:rPr>
+              <a:t>다음에 </a:t>
+            </a:r>
+            <a:r>
+              <a:rPr lang="ko-KR" altLang="en-US" sz="1600" spc="-108" dirty="0">
+                <a:solidFill>
+                  <a:prstClr val="black"/>
+                </a:solidFill>
+                <a:latin typeface="+mn-ea"/>
+                <a:cs typeface="함초롬바탕" panose="02030604000101010101" pitchFamily="18" charset="-127"/>
+              </a:rPr>
+              <a:t>명령어를 사용하면 </a:t>
+            </a:r>
+            <a:r>
+              <a:rPr lang="ko-KR" altLang="en-US" sz="1600" spc="-89" dirty="0">
+                <a:solidFill>
+                  <a:prstClr val="black"/>
+                </a:solidFill>
+                <a:latin typeface="+mn-ea"/>
+                <a:cs typeface="함초롬바탕" panose="02030604000101010101" pitchFamily="18" charset="-127"/>
+              </a:rPr>
+              <a:t>잠시 </a:t>
+            </a:r>
+            <a:endParaRPr lang="en-US" altLang="ko-KR" sz="1600" spc="-89" dirty="0" smtClean="0">
+              <a:solidFill>
+                <a:prstClr val="black"/>
+              </a:solidFill>
+              <a:latin typeface="+mn-ea"/>
+              <a:cs typeface="함초롬바탕" panose="02030604000101010101" pitchFamily="18" charset="-127"/>
+            </a:endParaRPr>
+          </a:p>
+          <a:p>
+            <a:pPr marL="12492" defTabSz="899404" latinLnBrk="1">
+              <a:spcBef>
+                <a:spcPts val="689"/>
+              </a:spcBef>
+            </a:pPr>
+            <a:r>
+              <a:rPr lang="en-US" altLang="ko-KR" sz="1600" spc="-44" dirty="0">
+                <a:solidFill>
+                  <a:prstClr val="black"/>
+                </a:solidFill>
+                <a:latin typeface="+mn-ea"/>
+                <a:cs typeface="함초롬바탕" panose="02030604000101010101" pitchFamily="18" charset="-127"/>
+              </a:rPr>
+              <a:t> </a:t>
+            </a:r>
+            <a:r>
+              <a:rPr lang="en-US" altLang="ko-KR" sz="1600" spc="-44" dirty="0" smtClean="0">
+                <a:solidFill>
+                  <a:prstClr val="black"/>
+                </a:solidFill>
+                <a:latin typeface="+mn-ea"/>
+                <a:cs typeface="함초롬바탕" panose="02030604000101010101" pitchFamily="18" charset="-127"/>
+              </a:rPr>
+              <a:t>   </a:t>
+            </a:r>
+            <a:r>
+              <a:rPr lang="ko-KR" altLang="en-US" sz="1600" spc="-44" dirty="0" err="1" smtClean="0">
+                <a:solidFill>
+                  <a:prstClr val="black"/>
+                </a:solidFill>
+                <a:latin typeface="+mn-ea"/>
+                <a:cs typeface="함초롬바탕" panose="02030604000101010101" pitchFamily="18" charset="-127"/>
+              </a:rPr>
+              <a:t>쉘</a:t>
+            </a:r>
+            <a:r>
+              <a:rPr lang="ko-KR" altLang="en-US" sz="1600" spc="-44" dirty="0" smtClean="0">
+                <a:solidFill>
+                  <a:prstClr val="black"/>
+                </a:solidFill>
+                <a:latin typeface="+mn-ea"/>
+                <a:cs typeface="함초롬바탕" panose="02030604000101010101" pitchFamily="18" charset="-127"/>
+              </a:rPr>
+              <a:t> </a:t>
+            </a:r>
+            <a:r>
+              <a:rPr lang="ko-KR" altLang="en-US" sz="1600" spc="-108" dirty="0">
+                <a:solidFill>
+                  <a:prstClr val="black"/>
+                </a:solidFill>
+                <a:latin typeface="+mn-ea"/>
+                <a:cs typeface="함초롬바탕" panose="02030604000101010101" pitchFamily="18" charset="-127"/>
+              </a:rPr>
+              <a:t>명령어를 </a:t>
+            </a:r>
+            <a:r>
+              <a:rPr lang="ko-KR" altLang="en-US" sz="1600" spc="-103" dirty="0">
+                <a:solidFill>
+                  <a:prstClr val="black"/>
+                </a:solidFill>
+                <a:latin typeface="+mn-ea"/>
+                <a:cs typeface="함초롬바탕" panose="02030604000101010101" pitchFamily="18" charset="-127"/>
+              </a:rPr>
+              <a:t>실행한 </a:t>
+            </a:r>
+            <a:r>
+              <a:rPr lang="ko-KR" altLang="en-US" sz="1600" spc="-44" dirty="0" smtClean="0">
+                <a:solidFill>
+                  <a:prstClr val="black"/>
+                </a:solidFill>
+                <a:latin typeface="+mn-ea"/>
+                <a:cs typeface="함초롬바탕" panose="02030604000101010101" pitchFamily="18" charset="-127"/>
+              </a:rPr>
+              <a:t>후 </a:t>
+            </a:r>
+            <a:r>
+              <a:rPr lang="en-US" altLang="ko-KR" sz="1600" spc="-112" dirty="0">
+                <a:solidFill>
+                  <a:prstClr val="black"/>
+                </a:solidFill>
+                <a:latin typeface="+mn-ea"/>
+                <a:cs typeface="Book Antiqua"/>
+              </a:rPr>
+              <a:t>vi</a:t>
+            </a:r>
+            <a:r>
+              <a:rPr lang="ko-KR" altLang="en-US" sz="1600" spc="-112" dirty="0">
+                <a:solidFill>
+                  <a:prstClr val="black"/>
+                </a:solidFill>
+                <a:latin typeface="+mn-ea"/>
+                <a:cs typeface="함초롬바탕" panose="02030604000101010101" pitchFamily="18" charset="-127"/>
+              </a:rPr>
+              <a:t>로</a:t>
+            </a:r>
+            <a:r>
+              <a:rPr lang="ko-KR" altLang="en-US" sz="1600" spc="-10" dirty="0">
+                <a:solidFill>
+                  <a:prstClr val="black"/>
+                </a:solidFill>
+                <a:latin typeface="+mn-ea"/>
+                <a:cs typeface="함초롬바탕" panose="02030604000101010101" pitchFamily="18" charset="-127"/>
+              </a:rPr>
+              <a:t> </a:t>
+            </a:r>
+            <a:r>
+              <a:rPr lang="ko-KR" altLang="en-US" sz="1600" spc="-112" dirty="0">
+                <a:solidFill>
+                  <a:prstClr val="black"/>
+                </a:solidFill>
+                <a:latin typeface="+mn-ea"/>
+                <a:cs typeface="함초롬바탕" panose="02030604000101010101" pitchFamily="18" charset="-127"/>
+              </a:rPr>
+              <a:t>복귀함</a:t>
+            </a:r>
+            <a:r>
+              <a:rPr lang="en-US" altLang="ko-KR" sz="1600" spc="-112" dirty="0">
+                <a:solidFill>
+                  <a:prstClr val="black"/>
+                </a:solidFill>
+                <a:latin typeface="+mn-ea"/>
+                <a:cs typeface="Book Antiqua"/>
+              </a:rPr>
+              <a:t>.</a:t>
+            </a:r>
+            <a:endParaRPr lang="ko-KR" altLang="en-US" sz="1600" dirty="0">
+              <a:solidFill>
+                <a:prstClr val="black"/>
+              </a:solidFill>
+              <a:latin typeface="+mn-ea"/>
+              <a:cs typeface="Book Antiqua"/>
+            </a:endParaRPr>
+          </a:p>
+          <a:p>
+            <a:pPr marL="144279" defTabSz="899404" eaLnBrk="1" fontAlgn="auto" latinLnBrk="1" hangingPunct="1">
+              <a:spcBef>
+                <a:spcPts val="689"/>
+              </a:spcBef>
+              <a:spcAft>
+                <a:spcPts val="0"/>
+              </a:spcAft>
+              <a:buClrTx/>
+            </a:pPr>
+            <a:endParaRPr sz="1600" b="0" dirty="0">
+              <a:solidFill>
+                <a:prstClr val="black"/>
+              </a:solidFill>
+              <a:latin typeface="+mn-ea"/>
+              <a:cs typeface="함초롬바탕" panose="02030604000101010101" pitchFamily="18" charset="-127"/>
+            </a:endParaRPr>
+          </a:p>
+        </p:txBody>
+      </p:sp>
     </p:spTree>
     <p:extLst>
       <p:ext uri="{BB962C8B-B14F-4D97-AF65-F5344CB8AC3E}">
@@ -4139,36 +9425,6 @@
 </file>
 
 <file path=ppt/slides/slide14.xml><?xml version="1.0" encoding="utf-8"?>
-<p:sld xmlns:a="http://schemas.openxmlformats.org/drawingml/2006/main" xmlns:r="http://schemas.openxmlformats.org/officeDocument/2006/relationships" xmlns:p="http://schemas.openxmlformats.org/presentationml/2006/main">
-  <p:cSld>
-    <p:spTree>
-      <p:nvGrpSpPr>
-        <p:cNvPr id="1" name=""/>
-        <p:cNvGrpSpPr/>
-        <p:nvPr/>
-      </p:nvGrpSpPr>
-      <p:grpSpPr>
-        <a:xfrm>
-          <a:off x="0" y="0"/>
-          <a:ext cx="0" cy="0"/>
-          <a:chOff x="0" y="0"/>
-          <a:chExt cx="0" cy="0"/>
-        </a:xfrm>
-      </p:grpSpPr>
-    </p:spTree>
-    <p:extLst>
-      <p:ext uri="{BB962C8B-B14F-4D97-AF65-F5344CB8AC3E}">
-        <p14:creationId xmlns:p14="http://schemas.microsoft.com/office/powerpoint/2010/main" val="1740496899"/>
-      </p:ext>
-    </p:extLst>
-  </p:cSld>
-  <p:clrMapOvr>
-    <a:masterClrMapping/>
-  </p:clrMapOvr>
-</p:sld>
-</file>
-
-<file path=ppt/slides/slide15.xml><?xml version="1.0" encoding="utf-8"?>
 <p:sld xmlns:a="http://schemas.openxmlformats.org/drawingml/2006/main" xmlns:r="http://schemas.openxmlformats.org/officeDocument/2006/relationships" xmlns:p="http://schemas.openxmlformats.org/presentationml/2006/main">
   <p:cSld>
     <p:spTree>
@@ -4777,7 +10033,7 @@
 </p:sld>
 </file>
 
-<file path=ppt/slides/slide16.xml><?xml version="1.0" encoding="utf-8"?>
+<file path=ppt/slides/slide15.xml><?xml version="1.0" encoding="utf-8"?>
 <p:sld xmlns:a="http://schemas.openxmlformats.org/drawingml/2006/main" xmlns:r="http://schemas.openxmlformats.org/officeDocument/2006/relationships" xmlns:p="http://schemas.openxmlformats.org/presentationml/2006/main">
   <p:cSld>
     <p:spTree>
@@ -5413,7 +10669,7 @@
 </p:sld>
 </file>
 
-<file path=ppt/slides/slide17.xml><?xml version="1.0" encoding="utf-8"?>
+<file path=ppt/slides/slide16.xml><?xml version="1.0" encoding="utf-8"?>
 <p:sld xmlns:a="http://schemas.openxmlformats.org/drawingml/2006/main" xmlns:r="http://schemas.openxmlformats.org/officeDocument/2006/relationships" xmlns:p="http://schemas.openxmlformats.org/presentationml/2006/main">
   <p:cSld>
     <p:spTree>
@@ -6016,7 +11272,7 @@
 </p:sld>
 </file>
 
-<file path=ppt/slides/slide18.xml><?xml version="1.0" encoding="utf-8"?>
+<file path=ppt/slides/slide17.xml><?xml version="1.0" encoding="utf-8"?>
 <p:sld xmlns:a="http://schemas.openxmlformats.org/drawingml/2006/main" xmlns:r="http://schemas.openxmlformats.org/officeDocument/2006/relationships" xmlns:p="http://schemas.openxmlformats.org/presentationml/2006/main">
   <p:cSld>
     <p:spTree>
@@ -6283,6 +11539,60 @@
 </p:sld>
 </file>
 
+<file path=ppt/slides/slide18.xml><?xml version="1.0" encoding="utf-8"?>
+<p:sld xmlns:a="http://schemas.openxmlformats.org/drawingml/2006/main" xmlns:r="http://schemas.openxmlformats.org/officeDocument/2006/relationships" xmlns:p="http://schemas.openxmlformats.org/presentationml/2006/main">
+  <p:cSld>
+    <p:spTree>
+      <p:nvGrpSpPr>
+        <p:cNvPr id="1" name=""/>
+        <p:cNvGrpSpPr/>
+        <p:nvPr/>
+      </p:nvGrpSpPr>
+      <p:grpSpPr>
+        <a:xfrm>
+          <a:off x="0" y="0"/>
+          <a:ext cx="0" cy="0"/>
+          <a:chOff x="0" y="0"/>
+          <a:chExt cx="0" cy="0"/>
+        </a:xfrm>
+      </p:grpSpPr>
+      <p:pic>
+        <p:nvPicPr>
+          <p:cNvPr id="2" name="그림 1"/>
+          <p:cNvPicPr>
+            <a:picLocks noChangeAspect="1"/>
+          </p:cNvPicPr>
+          <p:nvPr/>
+        </p:nvPicPr>
+        <p:blipFill>
+          <a:blip r:embed="rId2"/>
+          <a:stretch>
+            <a:fillRect/>
+          </a:stretch>
+        </p:blipFill>
+        <p:spPr>
+          <a:xfrm>
+            <a:off x="456795" y="1065291"/>
+            <a:ext cx="11437466" cy="4176180"/>
+          </a:xfrm>
+          <a:prstGeom prst="rect">
+            <a:avLst/>
+          </a:prstGeom>
+        </p:spPr>
+      </p:pic>
+    </p:spTree>
+    <p:extLst>
+      <p:ext uri="{BB962C8B-B14F-4D97-AF65-F5344CB8AC3E}">
+        <p14:creationId xmlns:p14="http://schemas.microsoft.com/office/powerpoint/2010/main" val="3226047604"/>
+      </p:ext>
+    </p:extLst>
+  </p:cSld>
+  <p:clrMapOvr>
+    <a:masterClrMapping/>
+  </p:clrMapOvr>
+</p:sld>
+</file>
+
 <file path=ppt/slides/slide19.xml><?xml version="1.0" encoding="utf-8"?>
 <p:sld xmlns:a="http://schemas.openxmlformats.org/drawingml/2006/main" xmlns:r="http://schemas.openxmlformats.org/officeDocument/2006/relationships" xmlns:p="http://schemas.openxmlformats.org/presentationml/2006/main">
   <p:cSld>
@@ -6303,7 +11613,7 @@
     </p:spTree>
     <p:extLst>
       <p:ext uri="{BB962C8B-B14F-4D97-AF65-F5344CB8AC3E}">
-        <p14:creationId xmlns:p14="http://schemas.microsoft.com/office/powerpoint/2010/main" val="3732681371"/>
+        <p14:creationId xmlns:p14="http://schemas.microsoft.com/office/powerpoint/2010/main" val="3728749976"/>
       </p:ext>
     </p:extLst>
   </p:cSld>
@@ -6694,7 +12004,7 @@
     </p:spTree>
     <p:extLst>
       <p:ext uri="{BB962C8B-B14F-4D97-AF65-F5344CB8AC3E}">
-        <p14:creationId xmlns:p14="http://schemas.microsoft.com/office/powerpoint/2010/main" val="63620873"/>
+        <p14:creationId xmlns:p14="http://schemas.microsoft.com/office/powerpoint/2010/main" val="1569214295"/>
       </p:ext>
     </p:extLst>
   </p:cSld>
@@ -6724,7 +12034,7 @@
     </p:spTree>
     <p:extLst>
       <p:ext uri="{BB962C8B-B14F-4D97-AF65-F5344CB8AC3E}">
-        <p14:creationId xmlns:p14="http://schemas.microsoft.com/office/powerpoint/2010/main" val="1727785003"/>
+        <p14:creationId xmlns:p14="http://schemas.microsoft.com/office/powerpoint/2010/main" val="1975949105"/>
       </p:ext>
     </p:extLst>
   </p:cSld>
@@ -6735,60 +12045,6 @@
 </file>
 
 <file path=ppt/slides/slide22.xml><?xml version="1.0" encoding="utf-8"?>
-<p:sld xmlns:a="http://schemas.openxmlformats.org/drawingml/2006/main" xmlns:r="http://schemas.openxmlformats.org/officeDocument/2006/relationships" xmlns:p="http://schemas.openxmlformats.org/presentationml/2006/main">
-  <p:cSld>
-    <p:spTree>
-      <p:nvGrpSpPr>
-        <p:cNvPr id="1" name=""/>
-        <p:cNvGrpSpPr/>
-        <p:nvPr/>
-      </p:nvGrpSpPr>
-      <p:grpSpPr>
-        <a:xfrm>
-          <a:off x="0" y="0"/>
-          <a:ext cx="0" cy="0"/>
-          <a:chOff x="0" y="0"/>
-          <a:chExt cx="0" cy="0"/>
-        </a:xfrm>
-      </p:grpSpPr>
-      <p:pic>
-        <p:nvPicPr>
-          <p:cNvPr id="2" name="그림 1"/>
-          <p:cNvPicPr>
-            <a:picLocks noChangeAspect="1"/>
-          </p:cNvPicPr>
-          <p:nvPr/>
-        </p:nvPicPr>
-        <p:blipFill>
-          <a:blip r:embed="rId2"/>
-          <a:stretch>
-            <a:fillRect/>
-          </a:stretch>
-        </p:blipFill>
-        <p:spPr>
-          <a:xfrm>
-            <a:off x="456795" y="1065291"/>
-            <a:ext cx="11437466" cy="4176180"/>
-          </a:xfrm>
-          <a:prstGeom prst="rect">
-            <a:avLst/>
-          </a:prstGeom>
-        </p:spPr>
-      </p:pic>
-    </p:spTree>
-    <p:extLst>
-      <p:ext uri="{BB962C8B-B14F-4D97-AF65-F5344CB8AC3E}">
-        <p14:creationId xmlns:p14="http://schemas.microsoft.com/office/powerpoint/2010/main" val="3226047604"/>
-      </p:ext>
-    </p:extLst>
-  </p:cSld>
-  <p:clrMapOvr>
-    <a:masterClrMapping/>
-  </p:clrMapOvr>
-</p:sld>
-</file>
-
-<file path=ppt/slides/slide23.xml><?xml version="1.0" encoding="utf-8"?>
 <p:sld xmlns:a="http://schemas.openxmlformats.org/drawingml/2006/main" xmlns:r="http://schemas.openxmlformats.org/officeDocument/2006/relationships" xmlns:p="http://schemas.openxmlformats.org/presentationml/2006/main">
   <p:cSld>
     <p:spTree>
@@ -6842,6 +12098,114 @@
 </p:sld>
 </file>
 
+<file path=ppt/slides/slide23.xml><?xml version="1.0" encoding="utf-8"?>
+<p:sld xmlns:a="http://schemas.openxmlformats.org/drawingml/2006/main" xmlns:r="http://schemas.openxmlformats.org/officeDocument/2006/relationships" xmlns:p="http://schemas.openxmlformats.org/presentationml/2006/main">
+  <p:cSld>
+    <p:spTree>
+      <p:nvGrpSpPr>
+        <p:cNvPr id="1" name=""/>
+        <p:cNvGrpSpPr/>
+        <p:nvPr/>
+      </p:nvGrpSpPr>
+      <p:grpSpPr>
+        <a:xfrm>
+          <a:off x="0" y="0"/>
+          <a:ext cx="0" cy="0"/>
+          <a:chOff x="0" y="0"/>
+          <a:chExt cx="0" cy="0"/>
+        </a:xfrm>
+      </p:grpSpPr>
+      <p:pic>
+        <p:nvPicPr>
+          <p:cNvPr id="2" name="그림 1"/>
+          <p:cNvPicPr>
+            <a:picLocks noChangeAspect="1"/>
+          </p:cNvPicPr>
+          <p:nvPr/>
+        </p:nvPicPr>
+        <p:blipFill>
+          <a:blip r:embed="rId2"/>
+          <a:stretch>
+            <a:fillRect/>
+          </a:stretch>
+        </p:blipFill>
+        <p:spPr>
+          <a:xfrm>
+            <a:off x="319614" y="310243"/>
+            <a:ext cx="8579458" cy="6261084"/>
+          </a:xfrm>
+          <a:prstGeom prst="rect">
+            <a:avLst/>
+          </a:prstGeom>
+        </p:spPr>
+      </p:pic>
+    </p:spTree>
+    <p:extLst>
+      <p:ext uri="{BB962C8B-B14F-4D97-AF65-F5344CB8AC3E}">
+        <p14:creationId xmlns:p14="http://schemas.microsoft.com/office/powerpoint/2010/main" val="300890034"/>
+      </p:ext>
+    </p:extLst>
+  </p:cSld>
+  <p:clrMapOvr>
+    <a:masterClrMapping/>
+  </p:clrMapOvr>
+</p:sld>
+</file>
+
+<file path=ppt/slides/slide24.xml><?xml version="1.0" encoding="utf-8"?>
+<p:sld xmlns:a="http://schemas.openxmlformats.org/drawingml/2006/main" xmlns:r="http://schemas.openxmlformats.org/officeDocument/2006/relationships" xmlns:p="http://schemas.openxmlformats.org/presentationml/2006/main">
+  <p:cSld>
+    <p:spTree>
+      <p:nvGrpSpPr>
+        <p:cNvPr id="1" name=""/>
+        <p:cNvGrpSpPr/>
+        <p:nvPr/>
+      </p:nvGrpSpPr>
+      <p:grpSpPr>
+        <a:xfrm>
+          <a:off x="0" y="0"/>
+          <a:ext cx="0" cy="0"/>
+          <a:chOff x="0" y="0"/>
+          <a:chExt cx="0" cy="0"/>
+        </a:xfrm>
+      </p:grpSpPr>
+      <p:pic>
+        <p:nvPicPr>
+          <p:cNvPr id="2" name="그림 1"/>
+          <p:cNvPicPr>
+            <a:picLocks noChangeAspect="1"/>
+          </p:cNvPicPr>
+          <p:nvPr/>
+        </p:nvPicPr>
+        <p:blipFill>
+          <a:blip r:embed="rId2"/>
+          <a:stretch>
+            <a:fillRect/>
+          </a:stretch>
+        </p:blipFill>
+        <p:spPr>
+          <a:xfrm>
+            <a:off x="297873" y="293915"/>
+            <a:ext cx="8512232" cy="6270171"/>
+          </a:xfrm>
+          <a:prstGeom prst="rect">
+            <a:avLst/>
+          </a:prstGeom>
+        </p:spPr>
+      </p:pic>
+    </p:spTree>
+    <p:extLst>
+      <p:ext uri="{BB962C8B-B14F-4D97-AF65-F5344CB8AC3E}">
+        <p14:creationId xmlns:p14="http://schemas.microsoft.com/office/powerpoint/2010/main" val="4075227755"/>
+      </p:ext>
+    </p:extLst>
+  </p:cSld>
+  <p:clrMapOvr>
+    <a:masterClrMapping/>
+  </p:clrMapOvr>
+</p:sld>
+</file>
+
 <file path=ppt/slides/slide3.xml><?xml version="1.0" encoding="utf-8"?>
 <p:sld xmlns:a="http://schemas.openxmlformats.org/drawingml/2006/main" xmlns:r="http://schemas.openxmlformats.org/officeDocument/2006/relationships" xmlns:p="http://schemas.openxmlformats.org/presentationml/2006/main">
   <p:cSld>
@@ -7762,6 +13126,61 @@
           <a:chExt cx="0" cy="0"/>
         </a:xfrm>
       </p:grpSpPr>
+      <p:sp>
+        <p:nvSpPr>
+          <p:cNvPr id="2" name="TextBox 1"/>
+          <p:cNvSpPr txBox="1"/>
+          <p:nvPr/>
+        </p:nvSpPr>
+        <p:spPr>
+          <a:xfrm>
+            <a:off x="1828799" y="2653258"/>
+            <a:ext cx="8289561" cy="830997"/>
+          </a:xfrm>
+          <a:prstGeom prst="rect">
+            <a:avLst/>
+          </a:prstGeom>
+          <a:noFill/>
+        </p:spPr>
+        <p:txBody>
+          <a:bodyPr wrap="square" rtlCol="0">
+            <a:spAutoFit/>
+          </a:bodyPr>
+          <a:lstStyle/>
+          <a:p>
+            <a:pPr algn="ctr"/>
+            <a:r>
+              <a:rPr lang="en-US" altLang="ko-KR" sz="4800" b="1" dirty="0" smtClean="0">
+                <a:solidFill>
+                  <a:schemeClr val="accent1"/>
+                </a:solidFill>
+              </a:rPr>
+              <a:t>&lt; </a:t>
+            </a:r>
+            <a:r>
+              <a:rPr lang="ko-KR" altLang="en-US" sz="4800" b="1" dirty="0" smtClean="0">
+                <a:solidFill>
+                  <a:schemeClr val="accent1"/>
+                </a:solidFill>
+              </a:rPr>
+              <a:t>편집기 </a:t>
+            </a:r>
+            <a:r>
+              <a:rPr lang="en-US" altLang="ko-KR" sz="4800" b="1" dirty="0" smtClean="0">
+                <a:solidFill>
+                  <a:schemeClr val="accent1"/>
+                </a:solidFill>
+              </a:rPr>
+              <a:t>&gt;</a:t>
+            </a:r>
+            <a:endParaRPr lang="ko-KR" altLang="en-US" sz="4800" b="1" dirty="0">
+              <a:solidFill>
+                <a:schemeClr val="accent1"/>
+              </a:solidFill>
+            </a:endParaRPr>
+          </a:p>
+        </p:txBody>
+      </p:sp>
     </p:spTree>
     <p:extLst>
       <p:ext uri="{BB962C8B-B14F-4D97-AF65-F5344CB8AC3E}">
